--- a/materials/slides/ch08-file-management.pptx
+++ b/materials/slides/ch08-file-management.pptx
@@ -220,7 +220,7 @@
           <a:p>
             <a:fld id="{7367A9EC-59FC-4705-AAF4-46D667D19B05}" type="datetimeFigureOut">
               <a:rPr lang="zh-CN" altLang="en-US" smtClean="0"/>
-              <a:t>2018/2/27</a:t>
+              <a:t>2018/3/1</a:t>
             </a:fld>
             <a:endParaRPr lang="zh-CN" altLang="en-US"/>
           </a:p>
@@ -726,7 +726,7 @@
           <a:p>
             <a:fld id="{02E60DA2-A0BC-48C9-AA88-75C78721B420}" type="datetimeFigureOut">
               <a:rPr lang="zh-CN" altLang="en-US" smtClean="0"/>
-              <a:t>2018/2/27</a:t>
+              <a:t>2018/3/1</a:t>
             </a:fld>
             <a:endParaRPr lang="zh-CN" altLang="en-US"/>
           </a:p>
@@ -948,7 +948,7 @@
           <a:p>
             <a:fld id="{02E60DA2-A0BC-48C9-AA88-75C78721B420}" type="datetimeFigureOut">
               <a:rPr lang="zh-CN" altLang="en-US" smtClean="0"/>
-              <a:t>2018/2/27</a:t>
+              <a:t>2018/3/1</a:t>
             </a:fld>
             <a:endParaRPr lang="zh-CN" altLang="en-US"/>
           </a:p>
@@ -1180,7 +1180,7 @@
           <a:p>
             <a:fld id="{02E60DA2-A0BC-48C9-AA88-75C78721B420}" type="datetimeFigureOut">
               <a:rPr lang="zh-CN" altLang="en-US" smtClean="0"/>
-              <a:t>2018/2/27</a:t>
+              <a:t>2018/3/1</a:t>
             </a:fld>
             <a:endParaRPr lang="zh-CN" altLang="en-US"/>
           </a:p>
@@ -1430,7 +1430,7 @@
           <a:p>
             <a:fld id="{02E60DA2-A0BC-48C9-AA88-75C78721B420}" type="datetimeFigureOut">
               <a:rPr lang="zh-CN" altLang="en-US" smtClean="0"/>
-              <a:t>2018/2/27</a:t>
+              <a:t>2018/3/1</a:t>
             </a:fld>
             <a:endParaRPr lang="zh-CN" altLang="en-US"/>
           </a:p>
@@ -1668,7 +1668,7 @@
           <a:p>
             <a:fld id="{02E60DA2-A0BC-48C9-AA88-75C78721B420}" type="datetimeFigureOut">
               <a:rPr lang="zh-CN" altLang="en-US" smtClean="0"/>
-              <a:t>2018/2/27</a:t>
+              <a:t>2018/3/1</a:t>
             </a:fld>
             <a:endParaRPr lang="zh-CN" altLang="en-US"/>
           </a:p>
@@ -1973,7 +1973,7 @@
           <a:p>
             <a:fld id="{02E60DA2-A0BC-48C9-AA88-75C78721B420}" type="datetimeFigureOut">
               <a:rPr lang="zh-CN" altLang="en-US" smtClean="0"/>
-              <a:t>2018/2/27</a:t>
+              <a:t>2018/3/1</a:t>
             </a:fld>
             <a:endParaRPr lang="zh-CN" altLang="en-US"/>
           </a:p>
@@ -2276,7 +2276,7 @@
           <a:p>
             <a:fld id="{02E60DA2-A0BC-48C9-AA88-75C78721B420}" type="datetimeFigureOut">
               <a:rPr lang="zh-CN" altLang="en-US" smtClean="0"/>
-              <a:t>2018/2/27</a:t>
+              <a:t>2018/3/1</a:t>
             </a:fld>
             <a:endParaRPr lang="zh-CN" altLang="en-US"/>
           </a:p>
@@ -2727,7 +2727,7 @@
           <a:p>
             <a:fld id="{02E60DA2-A0BC-48C9-AA88-75C78721B420}" type="datetimeFigureOut">
               <a:rPr lang="zh-CN" altLang="en-US" smtClean="0"/>
-              <a:t>2018/2/27</a:t>
+              <a:t>2018/3/1</a:t>
             </a:fld>
             <a:endParaRPr lang="zh-CN" altLang="en-US"/>
           </a:p>
@@ -2900,7 +2900,7 @@
           <a:p>
             <a:fld id="{02E60DA2-A0BC-48C9-AA88-75C78721B420}" type="datetimeFigureOut">
               <a:rPr lang="zh-CN" altLang="en-US" smtClean="0"/>
-              <a:t>2018/2/27</a:t>
+              <a:t>2018/3/1</a:t>
             </a:fld>
             <a:endParaRPr lang="zh-CN" altLang="en-US"/>
           </a:p>
@@ -3037,7 +3037,7 @@
           <a:p>
             <a:fld id="{02E60DA2-A0BC-48C9-AA88-75C78721B420}" type="datetimeFigureOut">
               <a:rPr lang="zh-CN" altLang="en-US" smtClean="0"/>
-              <a:t>2018/2/27</a:t>
+              <a:t>2018/3/1</a:t>
             </a:fld>
             <a:endParaRPr lang="zh-CN" altLang="en-US"/>
           </a:p>
@@ -3381,7 +3381,7 @@
           <a:p>
             <a:fld id="{02E60DA2-A0BC-48C9-AA88-75C78721B420}" type="datetimeFigureOut">
               <a:rPr lang="zh-CN" altLang="en-US" smtClean="0"/>
-              <a:t>2018/2/27</a:t>
+              <a:t>2018/3/1</a:t>
             </a:fld>
             <a:endParaRPr lang="zh-CN" altLang="en-US"/>
           </a:p>
@@ -3603,7 +3603,7 @@
           <a:p>
             <a:fld id="{02E60DA2-A0BC-48C9-AA88-75C78721B420}" type="datetimeFigureOut">
               <a:rPr lang="zh-CN" altLang="en-US" smtClean="0"/>
-              <a:t>2018/2/27</a:t>
+              <a:t>2018/3/1</a:t>
             </a:fld>
             <a:endParaRPr lang="zh-CN" altLang="en-US"/>
           </a:p>
@@ -3924,7 +3924,7 @@
           <a:p>
             <a:fld id="{02E60DA2-A0BC-48C9-AA88-75C78721B420}" type="datetimeFigureOut">
               <a:rPr lang="zh-CN" altLang="en-US" smtClean="0"/>
-              <a:t>2018/2/27</a:t>
+              <a:t>2018/3/1</a:t>
             </a:fld>
             <a:endParaRPr lang="zh-CN" altLang="en-US"/>
           </a:p>
@@ -4162,7 +4162,7 @@
           <a:p>
             <a:fld id="{02E60DA2-A0BC-48C9-AA88-75C78721B420}" type="datetimeFigureOut">
               <a:rPr lang="zh-CN" altLang="en-US" smtClean="0"/>
-              <a:t>2018/2/27</a:t>
+              <a:t>2018/3/1</a:t>
             </a:fld>
             <a:endParaRPr lang="zh-CN" altLang="en-US"/>
           </a:p>
@@ -4400,7 +4400,7 @@
           <a:p>
             <a:fld id="{02E60DA2-A0BC-48C9-AA88-75C78721B420}" type="datetimeFigureOut">
               <a:rPr lang="zh-CN" altLang="en-US" smtClean="0"/>
-              <a:t>2018/2/27</a:t>
+              <a:t>2018/3/1</a:t>
             </a:fld>
             <a:endParaRPr lang="zh-CN" altLang="en-US"/>
           </a:p>
@@ -4699,7 +4699,7 @@
           <a:p>
             <a:fld id="{02E60DA2-A0BC-48C9-AA88-75C78721B420}" type="datetimeFigureOut">
               <a:rPr lang="zh-CN" altLang="en-US" smtClean="0"/>
-              <a:t>2018/2/27</a:t>
+              <a:t>2018/3/1</a:t>
             </a:fld>
             <a:endParaRPr lang="zh-CN" altLang="en-US"/>
           </a:p>
@@ -4988,7 +4988,7 @@
           <a:p>
             <a:fld id="{02E60DA2-A0BC-48C9-AA88-75C78721B420}" type="datetimeFigureOut">
               <a:rPr lang="zh-CN" altLang="en-US" smtClean="0"/>
-              <a:t>2018/2/27</a:t>
+              <a:t>2018/3/1</a:t>
             </a:fld>
             <a:endParaRPr lang="zh-CN" altLang="en-US"/>
           </a:p>
@@ -5424,7 +5424,7 @@
           <a:p>
             <a:fld id="{02E60DA2-A0BC-48C9-AA88-75C78721B420}" type="datetimeFigureOut">
               <a:rPr lang="zh-CN" altLang="en-US" smtClean="0"/>
-              <a:t>2018/2/27</a:t>
+              <a:t>2018/3/1</a:t>
             </a:fld>
             <a:endParaRPr lang="zh-CN" altLang="en-US"/>
           </a:p>
@@ -5589,7 +5589,7 @@
           <a:p>
             <a:fld id="{02E60DA2-A0BC-48C9-AA88-75C78721B420}" type="datetimeFigureOut">
               <a:rPr lang="zh-CN" altLang="en-US" smtClean="0"/>
-              <a:t>2018/2/27</a:t>
+              <a:t>2018/3/1</a:t>
             </a:fld>
             <a:endParaRPr lang="zh-CN" altLang="en-US"/>
           </a:p>
@@ -5726,7 +5726,7 @@
           <a:p>
             <a:fld id="{02E60DA2-A0BC-48C9-AA88-75C78721B420}" type="datetimeFigureOut">
               <a:rPr lang="zh-CN" altLang="en-US" smtClean="0"/>
-              <a:t>2018/2/27</a:t>
+              <a:t>2018/3/1</a:t>
             </a:fld>
             <a:endParaRPr lang="zh-CN" altLang="en-US"/>
           </a:p>
@@ -6061,7 +6061,7 @@
           <a:p>
             <a:fld id="{02E60DA2-A0BC-48C9-AA88-75C78721B420}" type="datetimeFigureOut">
               <a:rPr lang="zh-CN" altLang="en-US" smtClean="0"/>
-              <a:t>2018/2/27</a:t>
+              <a:t>2018/3/1</a:t>
             </a:fld>
             <a:endParaRPr lang="zh-CN" altLang="en-US"/>
           </a:p>
@@ -6373,7 +6373,7 @@
           <a:p>
             <a:fld id="{02E60DA2-A0BC-48C9-AA88-75C78721B420}" type="datetimeFigureOut">
               <a:rPr lang="zh-CN" altLang="en-US" smtClean="0"/>
-              <a:t>2018/2/27</a:t>
+              <a:t>2018/3/1</a:t>
             </a:fld>
             <a:endParaRPr lang="zh-CN" altLang="en-US"/>
           </a:p>
@@ -8570,6 +8570,46 @@
             <a:r>
               <a:rPr lang="zh-CN" altLang="en-US" sz="2000" dirty="0"/>
               <a:t>继承过来的思想，具有统一性的设计理念，对开发以及平常使用都具备统一的操作方式。</a:t>
+            </a:r>
+            <a:endParaRPr lang="en-US" altLang="zh-CN" sz="2000" dirty="0"/>
+          </a:p>
+          <a:p>
+            <a:pPr>
+              <a:lnSpc>
+                <a:spcPct val="100000"/>
+              </a:lnSpc>
+            </a:pPr>
+            <a:endParaRPr lang="en-US" altLang="zh-CN" sz="2000" dirty="0"/>
+          </a:p>
+          <a:p>
+            <a:pPr>
+              <a:lnSpc>
+                <a:spcPct val="100000"/>
+              </a:lnSpc>
+            </a:pPr>
+            <a:r>
+              <a:rPr lang="en-US" altLang="zh-CN" sz="2000" dirty="0"/>
+              <a:t>Linux</a:t>
+            </a:r>
+            <a:r>
+              <a:rPr lang="zh-CN" altLang="en-US" sz="2000" dirty="0"/>
+              <a:t>上的文件名称区分大小写，这点和</a:t>
+            </a:r>
+            <a:r>
+              <a:rPr lang="en-US" altLang="zh-CN" sz="2000" dirty="0"/>
+              <a:t>Windows</a:t>
+            </a:r>
+            <a:r>
+              <a:rPr lang="zh-CN" altLang="en-US" sz="2000" dirty="0"/>
+              <a:t>不同，</a:t>
+            </a:r>
+            <a:r>
+              <a:rPr lang="en-US" altLang="zh-CN" sz="2000" dirty="0" err="1"/>
+              <a:t>WIndows</a:t>
+            </a:r>
+            <a:r>
+              <a:rPr lang="zh-CN" altLang="en-US" sz="2000"/>
+              <a:t>是不区分的。</a:t>
             </a:r>
             <a:endParaRPr lang="en-US" altLang="zh-CN" sz="2000" dirty="0"/>
           </a:p>

--- a/materials/slides/ch08-file-management.pptx
+++ b/materials/slides/ch08-file-management.pptx
@@ -220,7 +220,7 @@
           <a:p>
             <a:fld id="{7367A9EC-59FC-4705-AAF4-46D667D19B05}" type="datetimeFigureOut">
               <a:rPr lang="zh-CN" altLang="en-US" smtClean="0"/>
-              <a:t>2018/3/1</a:t>
+              <a:t>2018/3/3</a:t>
             </a:fld>
             <a:endParaRPr lang="zh-CN" altLang="en-US"/>
           </a:p>
@@ -726,7 +726,7 @@
           <a:p>
             <a:fld id="{02E60DA2-A0BC-48C9-AA88-75C78721B420}" type="datetimeFigureOut">
               <a:rPr lang="zh-CN" altLang="en-US" smtClean="0"/>
-              <a:t>2018/3/1</a:t>
+              <a:t>2018/3/3</a:t>
             </a:fld>
             <a:endParaRPr lang="zh-CN" altLang="en-US"/>
           </a:p>
@@ -948,7 +948,7 @@
           <a:p>
             <a:fld id="{02E60DA2-A0BC-48C9-AA88-75C78721B420}" type="datetimeFigureOut">
               <a:rPr lang="zh-CN" altLang="en-US" smtClean="0"/>
-              <a:t>2018/3/1</a:t>
+              <a:t>2018/3/3</a:t>
             </a:fld>
             <a:endParaRPr lang="zh-CN" altLang="en-US"/>
           </a:p>
@@ -1180,7 +1180,7 @@
           <a:p>
             <a:fld id="{02E60DA2-A0BC-48C9-AA88-75C78721B420}" type="datetimeFigureOut">
               <a:rPr lang="zh-CN" altLang="en-US" smtClean="0"/>
-              <a:t>2018/3/1</a:t>
+              <a:t>2018/3/3</a:t>
             </a:fld>
             <a:endParaRPr lang="zh-CN" altLang="en-US"/>
           </a:p>
@@ -1430,7 +1430,7 @@
           <a:p>
             <a:fld id="{02E60DA2-A0BC-48C9-AA88-75C78721B420}" type="datetimeFigureOut">
               <a:rPr lang="zh-CN" altLang="en-US" smtClean="0"/>
-              <a:t>2018/3/1</a:t>
+              <a:t>2018/3/3</a:t>
             </a:fld>
             <a:endParaRPr lang="zh-CN" altLang="en-US"/>
           </a:p>
@@ -1668,7 +1668,7 @@
           <a:p>
             <a:fld id="{02E60DA2-A0BC-48C9-AA88-75C78721B420}" type="datetimeFigureOut">
               <a:rPr lang="zh-CN" altLang="en-US" smtClean="0"/>
-              <a:t>2018/3/1</a:t>
+              <a:t>2018/3/3</a:t>
             </a:fld>
             <a:endParaRPr lang="zh-CN" altLang="en-US"/>
           </a:p>
@@ -1973,7 +1973,7 @@
           <a:p>
             <a:fld id="{02E60DA2-A0BC-48C9-AA88-75C78721B420}" type="datetimeFigureOut">
               <a:rPr lang="zh-CN" altLang="en-US" smtClean="0"/>
-              <a:t>2018/3/1</a:t>
+              <a:t>2018/3/3</a:t>
             </a:fld>
             <a:endParaRPr lang="zh-CN" altLang="en-US"/>
           </a:p>
@@ -2276,7 +2276,7 @@
           <a:p>
             <a:fld id="{02E60DA2-A0BC-48C9-AA88-75C78721B420}" type="datetimeFigureOut">
               <a:rPr lang="zh-CN" altLang="en-US" smtClean="0"/>
-              <a:t>2018/3/1</a:t>
+              <a:t>2018/3/3</a:t>
             </a:fld>
             <a:endParaRPr lang="zh-CN" altLang="en-US"/>
           </a:p>
@@ -2727,7 +2727,7 @@
           <a:p>
             <a:fld id="{02E60DA2-A0BC-48C9-AA88-75C78721B420}" type="datetimeFigureOut">
               <a:rPr lang="zh-CN" altLang="en-US" smtClean="0"/>
-              <a:t>2018/3/1</a:t>
+              <a:t>2018/3/3</a:t>
             </a:fld>
             <a:endParaRPr lang="zh-CN" altLang="en-US"/>
           </a:p>
@@ -2900,7 +2900,7 @@
           <a:p>
             <a:fld id="{02E60DA2-A0BC-48C9-AA88-75C78721B420}" type="datetimeFigureOut">
               <a:rPr lang="zh-CN" altLang="en-US" smtClean="0"/>
-              <a:t>2018/3/1</a:t>
+              <a:t>2018/3/3</a:t>
             </a:fld>
             <a:endParaRPr lang="zh-CN" altLang="en-US"/>
           </a:p>
@@ -3037,7 +3037,7 @@
           <a:p>
             <a:fld id="{02E60DA2-A0BC-48C9-AA88-75C78721B420}" type="datetimeFigureOut">
               <a:rPr lang="zh-CN" altLang="en-US" smtClean="0"/>
-              <a:t>2018/3/1</a:t>
+              <a:t>2018/3/3</a:t>
             </a:fld>
             <a:endParaRPr lang="zh-CN" altLang="en-US"/>
           </a:p>
@@ -3381,7 +3381,7 @@
           <a:p>
             <a:fld id="{02E60DA2-A0BC-48C9-AA88-75C78721B420}" type="datetimeFigureOut">
               <a:rPr lang="zh-CN" altLang="en-US" smtClean="0"/>
-              <a:t>2018/3/1</a:t>
+              <a:t>2018/3/3</a:t>
             </a:fld>
             <a:endParaRPr lang="zh-CN" altLang="en-US"/>
           </a:p>
@@ -3603,7 +3603,7 @@
           <a:p>
             <a:fld id="{02E60DA2-A0BC-48C9-AA88-75C78721B420}" type="datetimeFigureOut">
               <a:rPr lang="zh-CN" altLang="en-US" smtClean="0"/>
-              <a:t>2018/3/1</a:t>
+              <a:t>2018/3/3</a:t>
             </a:fld>
             <a:endParaRPr lang="zh-CN" altLang="en-US"/>
           </a:p>
@@ -3924,7 +3924,7 @@
           <a:p>
             <a:fld id="{02E60DA2-A0BC-48C9-AA88-75C78721B420}" type="datetimeFigureOut">
               <a:rPr lang="zh-CN" altLang="en-US" smtClean="0"/>
-              <a:t>2018/3/1</a:t>
+              <a:t>2018/3/3</a:t>
             </a:fld>
             <a:endParaRPr lang="zh-CN" altLang="en-US"/>
           </a:p>
@@ -4162,7 +4162,7 @@
           <a:p>
             <a:fld id="{02E60DA2-A0BC-48C9-AA88-75C78721B420}" type="datetimeFigureOut">
               <a:rPr lang="zh-CN" altLang="en-US" smtClean="0"/>
-              <a:t>2018/3/1</a:t>
+              <a:t>2018/3/3</a:t>
             </a:fld>
             <a:endParaRPr lang="zh-CN" altLang="en-US"/>
           </a:p>
@@ -4400,7 +4400,7 @@
           <a:p>
             <a:fld id="{02E60DA2-A0BC-48C9-AA88-75C78721B420}" type="datetimeFigureOut">
               <a:rPr lang="zh-CN" altLang="en-US" smtClean="0"/>
-              <a:t>2018/3/1</a:t>
+              <a:t>2018/3/3</a:t>
             </a:fld>
             <a:endParaRPr lang="zh-CN" altLang="en-US"/>
           </a:p>
@@ -4699,7 +4699,7 @@
           <a:p>
             <a:fld id="{02E60DA2-A0BC-48C9-AA88-75C78721B420}" type="datetimeFigureOut">
               <a:rPr lang="zh-CN" altLang="en-US" smtClean="0"/>
-              <a:t>2018/3/1</a:t>
+              <a:t>2018/3/3</a:t>
             </a:fld>
             <a:endParaRPr lang="zh-CN" altLang="en-US"/>
           </a:p>
@@ -4988,7 +4988,7 @@
           <a:p>
             <a:fld id="{02E60DA2-A0BC-48C9-AA88-75C78721B420}" type="datetimeFigureOut">
               <a:rPr lang="zh-CN" altLang="en-US" smtClean="0"/>
-              <a:t>2018/3/1</a:t>
+              <a:t>2018/3/3</a:t>
             </a:fld>
             <a:endParaRPr lang="zh-CN" altLang="en-US"/>
           </a:p>
@@ -5424,7 +5424,7 @@
           <a:p>
             <a:fld id="{02E60DA2-A0BC-48C9-AA88-75C78721B420}" type="datetimeFigureOut">
               <a:rPr lang="zh-CN" altLang="en-US" smtClean="0"/>
-              <a:t>2018/3/1</a:t>
+              <a:t>2018/3/3</a:t>
             </a:fld>
             <a:endParaRPr lang="zh-CN" altLang="en-US"/>
           </a:p>
@@ -5589,7 +5589,7 @@
           <a:p>
             <a:fld id="{02E60DA2-A0BC-48C9-AA88-75C78721B420}" type="datetimeFigureOut">
               <a:rPr lang="zh-CN" altLang="en-US" smtClean="0"/>
-              <a:t>2018/3/1</a:t>
+              <a:t>2018/3/3</a:t>
             </a:fld>
             <a:endParaRPr lang="zh-CN" altLang="en-US"/>
           </a:p>
@@ -5726,7 +5726,7 @@
           <a:p>
             <a:fld id="{02E60DA2-A0BC-48C9-AA88-75C78721B420}" type="datetimeFigureOut">
               <a:rPr lang="zh-CN" altLang="en-US" smtClean="0"/>
-              <a:t>2018/3/1</a:t>
+              <a:t>2018/3/3</a:t>
             </a:fld>
             <a:endParaRPr lang="zh-CN" altLang="en-US"/>
           </a:p>
@@ -6061,7 +6061,7 @@
           <a:p>
             <a:fld id="{02E60DA2-A0BC-48C9-AA88-75C78721B420}" type="datetimeFigureOut">
               <a:rPr lang="zh-CN" altLang="en-US" smtClean="0"/>
-              <a:t>2018/3/1</a:t>
+              <a:t>2018/3/3</a:t>
             </a:fld>
             <a:endParaRPr lang="zh-CN" altLang="en-US"/>
           </a:p>
@@ -6373,7 +6373,7 @@
           <a:p>
             <a:fld id="{02E60DA2-A0BC-48C9-AA88-75C78721B420}" type="datetimeFigureOut">
               <a:rPr lang="zh-CN" altLang="en-US" smtClean="0"/>
-              <a:t>2018/3/1</a:t>
+              <a:t>2018/3/3</a:t>
             </a:fld>
             <a:endParaRPr lang="zh-CN" altLang="en-US"/>
           </a:p>
@@ -7520,22 +7520,15 @@
           <a:lstStyle/>
           <a:p>
             <a:r>
-              <a:rPr lang="zh-CN" altLang="en-US" sz="3600">
+              <a:rPr lang="zh-CN" altLang="en-US" sz="3600" dirty="0">
                 <a:solidFill>
-                  <a:schemeClr val="tx2">
-                    <a:lumMod val="50000"/>
+                  <a:schemeClr val="tx1">
+                    <a:lumMod val="95000"/>
+                    <a:lumOff val="5000"/>
                   </a:schemeClr>
                 </a:solidFill>
               </a:rPr>
-              <a:t>第八讲 </a:t>
-            </a:r>
-            <a:r>
-              <a:rPr lang="zh-CN" altLang="en-US" sz="3600" dirty="0">
-                <a:solidFill>
-                  <a:srgbClr val="C00000"/>
-                </a:solidFill>
-              </a:rPr>
-              <a:t>文件管理</a:t>
+              <a:t>第八讲 文件管理</a:t>
             </a:r>
           </a:p>
         </p:txBody>

--- a/materials/slides/ch08-file-management.pptx
+++ b/materials/slides/ch08-file-management.pptx
@@ -220,7 +220,7 @@
           <a:p>
             <a:fld id="{7367A9EC-59FC-4705-AAF4-46D667D19B05}" type="datetimeFigureOut">
               <a:rPr lang="zh-CN" altLang="en-US" smtClean="0"/>
-              <a:t>2018/3/3</a:t>
+              <a:t>2018/3/19</a:t>
             </a:fld>
             <a:endParaRPr lang="zh-CN" altLang="en-US"/>
           </a:p>
@@ -726,7 +726,7 @@
           <a:p>
             <a:fld id="{02E60DA2-A0BC-48C9-AA88-75C78721B420}" type="datetimeFigureOut">
               <a:rPr lang="zh-CN" altLang="en-US" smtClean="0"/>
-              <a:t>2018/3/3</a:t>
+              <a:t>2018/3/19</a:t>
             </a:fld>
             <a:endParaRPr lang="zh-CN" altLang="en-US"/>
           </a:p>
@@ -948,7 +948,7 @@
           <a:p>
             <a:fld id="{02E60DA2-A0BC-48C9-AA88-75C78721B420}" type="datetimeFigureOut">
               <a:rPr lang="zh-CN" altLang="en-US" smtClean="0"/>
-              <a:t>2018/3/3</a:t>
+              <a:t>2018/3/19</a:t>
             </a:fld>
             <a:endParaRPr lang="zh-CN" altLang="en-US"/>
           </a:p>
@@ -1180,7 +1180,7 @@
           <a:p>
             <a:fld id="{02E60DA2-A0BC-48C9-AA88-75C78721B420}" type="datetimeFigureOut">
               <a:rPr lang="zh-CN" altLang="en-US" smtClean="0"/>
-              <a:t>2018/3/3</a:t>
+              <a:t>2018/3/19</a:t>
             </a:fld>
             <a:endParaRPr lang="zh-CN" altLang="en-US"/>
           </a:p>
@@ -1430,7 +1430,7 @@
           <a:p>
             <a:fld id="{02E60DA2-A0BC-48C9-AA88-75C78721B420}" type="datetimeFigureOut">
               <a:rPr lang="zh-CN" altLang="en-US" smtClean="0"/>
-              <a:t>2018/3/3</a:t>
+              <a:t>2018/3/19</a:t>
             </a:fld>
             <a:endParaRPr lang="zh-CN" altLang="en-US"/>
           </a:p>
@@ -1668,7 +1668,7 @@
           <a:p>
             <a:fld id="{02E60DA2-A0BC-48C9-AA88-75C78721B420}" type="datetimeFigureOut">
               <a:rPr lang="zh-CN" altLang="en-US" smtClean="0"/>
-              <a:t>2018/3/3</a:t>
+              <a:t>2018/3/19</a:t>
             </a:fld>
             <a:endParaRPr lang="zh-CN" altLang="en-US"/>
           </a:p>
@@ -1973,7 +1973,7 @@
           <a:p>
             <a:fld id="{02E60DA2-A0BC-48C9-AA88-75C78721B420}" type="datetimeFigureOut">
               <a:rPr lang="zh-CN" altLang="en-US" smtClean="0"/>
-              <a:t>2018/3/3</a:t>
+              <a:t>2018/3/19</a:t>
             </a:fld>
             <a:endParaRPr lang="zh-CN" altLang="en-US"/>
           </a:p>
@@ -2276,7 +2276,7 @@
           <a:p>
             <a:fld id="{02E60DA2-A0BC-48C9-AA88-75C78721B420}" type="datetimeFigureOut">
               <a:rPr lang="zh-CN" altLang="en-US" smtClean="0"/>
-              <a:t>2018/3/3</a:t>
+              <a:t>2018/3/19</a:t>
             </a:fld>
             <a:endParaRPr lang="zh-CN" altLang="en-US"/>
           </a:p>
@@ -2727,7 +2727,7 @@
           <a:p>
             <a:fld id="{02E60DA2-A0BC-48C9-AA88-75C78721B420}" type="datetimeFigureOut">
               <a:rPr lang="zh-CN" altLang="en-US" smtClean="0"/>
-              <a:t>2018/3/3</a:t>
+              <a:t>2018/3/19</a:t>
             </a:fld>
             <a:endParaRPr lang="zh-CN" altLang="en-US"/>
           </a:p>
@@ -2900,7 +2900,7 @@
           <a:p>
             <a:fld id="{02E60DA2-A0BC-48C9-AA88-75C78721B420}" type="datetimeFigureOut">
               <a:rPr lang="zh-CN" altLang="en-US" smtClean="0"/>
-              <a:t>2018/3/3</a:t>
+              <a:t>2018/3/19</a:t>
             </a:fld>
             <a:endParaRPr lang="zh-CN" altLang="en-US"/>
           </a:p>
@@ -3037,7 +3037,7 @@
           <a:p>
             <a:fld id="{02E60DA2-A0BC-48C9-AA88-75C78721B420}" type="datetimeFigureOut">
               <a:rPr lang="zh-CN" altLang="en-US" smtClean="0"/>
-              <a:t>2018/3/3</a:t>
+              <a:t>2018/3/19</a:t>
             </a:fld>
             <a:endParaRPr lang="zh-CN" altLang="en-US"/>
           </a:p>
@@ -3381,7 +3381,7 @@
           <a:p>
             <a:fld id="{02E60DA2-A0BC-48C9-AA88-75C78721B420}" type="datetimeFigureOut">
               <a:rPr lang="zh-CN" altLang="en-US" smtClean="0"/>
-              <a:t>2018/3/3</a:t>
+              <a:t>2018/3/19</a:t>
             </a:fld>
             <a:endParaRPr lang="zh-CN" altLang="en-US"/>
           </a:p>
@@ -3603,7 +3603,7 @@
           <a:p>
             <a:fld id="{02E60DA2-A0BC-48C9-AA88-75C78721B420}" type="datetimeFigureOut">
               <a:rPr lang="zh-CN" altLang="en-US" smtClean="0"/>
-              <a:t>2018/3/3</a:t>
+              <a:t>2018/3/19</a:t>
             </a:fld>
             <a:endParaRPr lang="zh-CN" altLang="en-US"/>
           </a:p>
@@ -3924,7 +3924,7 @@
           <a:p>
             <a:fld id="{02E60DA2-A0BC-48C9-AA88-75C78721B420}" type="datetimeFigureOut">
               <a:rPr lang="zh-CN" altLang="en-US" smtClean="0"/>
-              <a:t>2018/3/3</a:t>
+              <a:t>2018/3/19</a:t>
             </a:fld>
             <a:endParaRPr lang="zh-CN" altLang="en-US"/>
           </a:p>
@@ -4162,7 +4162,7 @@
           <a:p>
             <a:fld id="{02E60DA2-A0BC-48C9-AA88-75C78721B420}" type="datetimeFigureOut">
               <a:rPr lang="zh-CN" altLang="en-US" smtClean="0"/>
-              <a:t>2018/3/3</a:t>
+              <a:t>2018/3/19</a:t>
             </a:fld>
             <a:endParaRPr lang="zh-CN" altLang="en-US"/>
           </a:p>
@@ -4400,7 +4400,7 @@
           <a:p>
             <a:fld id="{02E60DA2-A0BC-48C9-AA88-75C78721B420}" type="datetimeFigureOut">
               <a:rPr lang="zh-CN" altLang="en-US" smtClean="0"/>
-              <a:t>2018/3/3</a:t>
+              <a:t>2018/3/19</a:t>
             </a:fld>
             <a:endParaRPr lang="zh-CN" altLang="en-US"/>
           </a:p>
@@ -4699,7 +4699,7 @@
           <a:p>
             <a:fld id="{02E60DA2-A0BC-48C9-AA88-75C78721B420}" type="datetimeFigureOut">
               <a:rPr lang="zh-CN" altLang="en-US" smtClean="0"/>
-              <a:t>2018/3/3</a:t>
+              <a:t>2018/3/19</a:t>
             </a:fld>
             <a:endParaRPr lang="zh-CN" altLang="en-US"/>
           </a:p>
@@ -4988,7 +4988,7 @@
           <a:p>
             <a:fld id="{02E60DA2-A0BC-48C9-AA88-75C78721B420}" type="datetimeFigureOut">
               <a:rPr lang="zh-CN" altLang="en-US" smtClean="0"/>
-              <a:t>2018/3/3</a:t>
+              <a:t>2018/3/19</a:t>
             </a:fld>
             <a:endParaRPr lang="zh-CN" altLang="en-US"/>
           </a:p>
@@ -5424,7 +5424,7 @@
           <a:p>
             <a:fld id="{02E60DA2-A0BC-48C9-AA88-75C78721B420}" type="datetimeFigureOut">
               <a:rPr lang="zh-CN" altLang="en-US" smtClean="0"/>
-              <a:t>2018/3/3</a:t>
+              <a:t>2018/3/19</a:t>
             </a:fld>
             <a:endParaRPr lang="zh-CN" altLang="en-US"/>
           </a:p>
@@ -5589,7 +5589,7 @@
           <a:p>
             <a:fld id="{02E60DA2-A0BC-48C9-AA88-75C78721B420}" type="datetimeFigureOut">
               <a:rPr lang="zh-CN" altLang="en-US" smtClean="0"/>
-              <a:t>2018/3/3</a:t>
+              <a:t>2018/3/19</a:t>
             </a:fld>
             <a:endParaRPr lang="zh-CN" altLang="en-US"/>
           </a:p>
@@ -5726,7 +5726,7 @@
           <a:p>
             <a:fld id="{02E60DA2-A0BC-48C9-AA88-75C78721B420}" type="datetimeFigureOut">
               <a:rPr lang="zh-CN" altLang="en-US" smtClean="0"/>
-              <a:t>2018/3/3</a:t>
+              <a:t>2018/3/19</a:t>
             </a:fld>
             <a:endParaRPr lang="zh-CN" altLang="en-US"/>
           </a:p>
@@ -6061,7 +6061,7 @@
           <a:p>
             <a:fld id="{02E60DA2-A0BC-48C9-AA88-75C78721B420}" type="datetimeFigureOut">
               <a:rPr lang="zh-CN" altLang="en-US" smtClean="0"/>
-              <a:t>2018/3/3</a:t>
+              <a:t>2018/3/19</a:t>
             </a:fld>
             <a:endParaRPr lang="zh-CN" altLang="en-US"/>
           </a:p>
@@ -6373,7 +6373,7 @@
           <a:p>
             <a:fld id="{02E60DA2-A0BC-48C9-AA88-75C78721B420}" type="datetimeFigureOut">
               <a:rPr lang="zh-CN" altLang="en-US" smtClean="0"/>
-              <a:t>2018/3/3</a:t>
+              <a:t>2018/3/19</a:t>
             </a:fld>
             <a:endParaRPr lang="zh-CN" altLang="en-US"/>
           </a:p>
@@ -7656,7 +7656,7 @@
           <p:nvPr>
             <p:extLst>
               <p:ext uri="{D42A27DB-BD31-4B8C-83A1-F6EECF244321}">
-                <p14:modId xmlns:p14="http://schemas.microsoft.com/office/powerpoint/2010/main" val="1680432910"/>
+                <p14:modId xmlns:p14="http://schemas.microsoft.com/office/powerpoint/2010/main" val="417794974"/>
               </p:ext>
             </p:extLst>
           </p:nvPr>
@@ -7811,7 +7811,7 @@
                       <a:pPr algn="r"/>
                       <a:r>
                         <a:rPr lang="en-US" altLang="zh-CN" dirty="0" err="1"/>
-                        <a:t>chmod</a:t>
+                        <a:t>chown</a:t>
                       </a:r>
                       <a:r>
                         <a:rPr lang="en-US" altLang="zh-CN" dirty="0"/>
@@ -7866,11 +7866,11 @@
                       <a:pPr algn="r"/>
                       <a:r>
                         <a:rPr lang="en-US" altLang="zh-CN" dirty="0" err="1"/>
-                        <a:t>chmod</a:t>
-                      </a:r>
-                      <a:r>
-                        <a:rPr lang="en-US" altLang="zh-CN" dirty="0"/>
-                        <a:t>  </a:t>
+                        <a:t>chown</a:t>
+                      </a:r>
+                      <a:r>
+                        <a:rPr lang="en-US" altLang="zh-CN"/>
+                        <a:t> </a:t>
                       </a:r>
                       <a:r>
                         <a:rPr lang="en-US" altLang="zh-CN" dirty="0" err="1"/>

--- a/materials/slides/ch08-file-management.pptx
+++ b/materials/slides/ch08-file-management.pptx
@@ -6,21 +6,23 @@
     <p:sldMasterId id="2147483660" r:id="rId2"/>
   </p:sldMasterIdLst>
   <p:notesMasterIdLst>
-    <p:notesMasterId r:id="rId15"/>
+    <p:notesMasterId r:id="rId17"/>
   </p:notesMasterIdLst>
   <p:sldIdLst>
     <p:sldId id="260" r:id="rId3"/>
     <p:sldId id="273" r:id="rId4"/>
     <p:sldId id="276" r:id="rId5"/>
-    <p:sldId id="277" r:id="rId6"/>
-    <p:sldId id="282" r:id="rId7"/>
-    <p:sldId id="281" r:id="rId8"/>
-    <p:sldId id="269" r:id="rId9"/>
-    <p:sldId id="272" r:id="rId10"/>
-    <p:sldId id="279" r:id="rId11"/>
-    <p:sldId id="266" r:id="rId12"/>
-    <p:sldId id="271" r:id="rId13"/>
-    <p:sldId id="280" r:id="rId14"/>
+    <p:sldId id="283" r:id="rId6"/>
+    <p:sldId id="277" r:id="rId7"/>
+    <p:sldId id="282" r:id="rId8"/>
+    <p:sldId id="281" r:id="rId9"/>
+    <p:sldId id="269" r:id="rId10"/>
+    <p:sldId id="272" r:id="rId11"/>
+    <p:sldId id="279" r:id="rId12"/>
+    <p:sldId id="266" r:id="rId13"/>
+    <p:sldId id="271" r:id="rId14"/>
+    <p:sldId id="280" r:id="rId15"/>
+    <p:sldId id="284" r:id="rId16"/>
   </p:sldIdLst>
   <p:sldSz cx="12192000" cy="6858000"/>
   <p:notesSz cx="6858000" cy="9144000"/>
@@ -220,7 +222,7 @@
           <a:p>
             <a:fld id="{7367A9EC-59FC-4705-AAF4-46D667D19B05}" type="datetimeFigureOut">
               <a:rPr lang="zh-CN" altLang="en-US" smtClean="0"/>
-              <a:t>2018/3/19</a:t>
+              <a:t>2018/4/22</a:t>
             </a:fld>
             <a:endParaRPr lang="zh-CN" altLang="en-US"/>
           </a:p>
@@ -571,6 +573,90 @@
 </p:notes>
 </file>
 
+<file path=ppt/notesSlides/notesSlide2.xml><?xml version="1.0" encoding="utf-8"?>
+<p:notes xmlns:a="http://schemas.openxmlformats.org/drawingml/2006/main" xmlns:r="http://schemas.openxmlformats.org/officeDocument/2006/relationships" xmlns:p="http://schemas.openxmlformats.org/presentationml/2006/main">
+  <p:cSld>
+    <p:spTree>
+      <p:nvGrpSpPr>
+        <p:cNvPr id="1" name=""/>
+        <p:cNvGrpSpPr/>
+        <p:nvPr/>
+      </p:nvGrpSpPr>
+      <p:grpSpPr>
+        <a:xfrm>
+          <a:off x="0" y="0"/>
+          <a:ext cx="0" cy="0"/>
+          <a:chOff x="0" y="0"/>
+          <a:chExt cx="0" cy="0"/>
+        </a:xfrm>
+      </p:grpSpPr>
+      <p:sp>
+        <p:nvSpPr>
+          <p:cNvPr id="2" name="幻灯片图像占位符 1"/>
+          <p:cNvSpPr>
+            <a:spLocks noGrp="1" noRot="1" noChangeAspect="1"/>
+          </p:cNvSpPr>
+          <p:nvPr>
+            <p:ph type="sldImg"/>
+          </p:nvPr>
+        </p:nvSpPr>
+        <p:spPr/>
+      </p:sp>
+      <p:sp>
+        <p:nvSpPr>
+          <p:cNvPr id="3" name="备注占位符 2"/>
+          <p:cNvSpPr>
+            <a:spLocks noGrp="1"/>
+          </p:cNvSpPr>
+          <p:nvPr>
+            <p:ph type="body" idx="1"/>
+          </p:nvPr>
+        </p:nvSpPr>
+        <p:spPr/>
+        <p:txBody>
+          <a:bodyPr/>
+          <a:lstStyle/>
+          <a:p>
+            <a:endParaRPr lang="zh-CN" altLang="en-US" dirty="0"/>
+          </a:p>
+        </p:txBody>
+      </p:sp>
+      <p:sp>
+        <p:nvSpPr>
+          <p:cNvPr id="4" name="灯片编号占位符 3"/>
+          <p:cNvSpPr>
+            <a:spLocks noGrp="1"/>
+          </p:cNvSpPr>
+          <p:nvPr>
+            <p:ph type="sldNum" sz="quarter" idx="10"/>
+          </p:nvPr>
+        </p:nvSpPr>
+        <p:spPr/>
+        <p:txBody>
+          <a:bodyPr/>
+          <a:lstStyle/>
+          <a:p>
+            <a:fld id="{EF2BBB61-4DD5-4F5D-BB5F-C938FD6F5862}" type="slidenum">
+              <a:rPr lang="zh-CN" altLang="en-US" smtClean="0"/>
+              <a:t>4</a:t>
+            </a:fld>
+            <a:endParaRPr lang="zh-CN" altLang="en-US"/>
+          </a:p>
+        </p:txBody>
+      </p:sp>
+    </p:spTree>
+    <p:extLst>
+      <p:ext uri="{BB962C8B-B14F-4D97-AF65-F5344CB8AC3E}">
+        <p14:creationId xmlns:p14="http://schemas.microsoft.com/office/powerpoint/2010/main" val="2795266211"/>
+      </p:ext>
+    </p:extLst>
+  </p:cSld>
+  <p:clrMapOvr>
+    <a:masterClrMapping/>
+  </p:clrMapOvr>
+</p:notes>
+</file>
+
 <file path=ppt/slideLayouts/slideLayout1.xml><?xml version="1.0" encoding="utf-8"?>
 <p:sldLayout xmlns:a="http://schemas.openxmlformats.org/drawingml/2006/main" xmlns:r="http://schemas.openxmlformats.org/officeDocument/2006/relationships" xmlns:p="http://schemas.openxmlformats.org/presentationml/2006/main" type="title" preserve="1">
   <p:cSld name="标题幻灯片">
@@ -726,7 +812,7 @@
           <a:p>
             <a:fld id="{02E60DA2-A0BC-48C9-AA88-75C78721B420}" type="datetimeFigureOut">
               <a:rPr lang="zh-CN" altLang="en-US" smtClean="0"/>
-              <a:t>2018/3/19</a:t>
+              <a:t>2018/4/22</a:t>
             </a:fld>
             <a:endParaRPr lang="zh-CN" altLang="en-US"/>
           </a:p>
@@ -948,7 +1034,7 @@
           <a:p>
             <a:fld id="{02E60DA2-A0BC-48C9-AA88-75C78721B420}" type="datetimeFigureOut">
               <a:rPr lang="zh-CN" altLang="en-US" smtClean="0"/>
-              <a:t>2018/3/19</a:t>
+              <a:t>2018/4/22</a:t>
             </a:fld>
             <a:endParaRPr lang="zh-CN" altLang="en-US"/>
           </a:p>
@@ -1180,7 +1266,7 @@
           <a:p>
             <a:fld id="{02E60DA2-A0BC-48C9-AA88-75C78721B420}" type="datetimeFigureOut">
               <a:rPr lang="zh-CN" altLang="en-US" smtClean="0"/>
-              <a:t>2018/3/19</a:t>
+              <a:t>2018/4/22</a:t>
             </a:fld>
             <a:endParaRPr lang="zh-CN" altLang="en-US"/>
           </a:p>
@@ -1430,7 +1516,7 @@
           <a:p>
             <a:fld id="{02E60DA2-A0BC-48C9-AA88-75C78721B420}" type="datetimeFigureOut">
               <a:rPr lang="zh-CN" altLang="en-US" smtClean="0"/>
-              <a:t>2018/3/19</a:t>
+              <a:t>2018/4/22</a:t>
             </a:fld>
             <a:endParaRPr lang="zh-CN" altLang="en-US"/>
           </a:p>
@@ -1668,7 +1754,7 @@
           <a:p>
             <a:fld id="{02E60DA2-A0BC-48C9-AA88-75C78721B420}" type="datetimeFigureOut">
               <a:rPr lang="zh-CN" altLang="en-US" smtClean="0"/>
-              <a:t>2018/3/19</a:t>
+              <a:t>2018/4/22</a:t>
             </a:fld>
             <a:endParaRPr lang="zh-CN" altLang="en-US"/>
           </a:p>
@@ -1973,7 +2059,7 @@
           <a:p>
             <a:fld id="{02E60DA2-A0BC-48C9-AA88-75C78721B420}" type="datetimeFigureOut">
               <a:rPr lang="zh-CN" altLang="en-US" smtClean="0"/>
-              <a:t>2018/3/19</a:t>
+              <a:t>2018/4/22</a:t>
             </a:fld>
             <a:endParaRPr lang="zh-CN" altLang="en-US"/>
           </a:p>
@@ -2276,7 +2362,7 @@
           <a:p>
             <a:fld id="{02E60DA2-A0BC-48C9-AA88-75C78721B420}" type="datetimeFigureOut">
               <a:rPr lang="zh-CN" altLang="en-US" smtClean="0"/>
-              <a:t>2018/3/19</a:t>
+              <a:t>2018/4/22</a:t>
             </a:fld>
             <a:endParaRPr lang="zh-CN" altLang="en-US"/>
           </a:p>
@@ -2727,7 +2813,7 @@
           <a:p>
             <a:fld id="{02E60DA2-A0BC-48C9-AA88-75C78721B420}" type="datetimeFigureOut">
               <a:rPr lang="zh-CN" altLang="en-US" smtClean="0"/>
-              <a:t>2018/3/19</a:t>
+              <a:t>2018/4/22</a:t>
             </a:fld>
             <a:endParaRPr lang="zh-CN" altLang="en-US"/>
           </a:p>
@@ -2900,7 +2986,7 @@
           <a:p>
             <a:fld id="{02E60DA2-A0BC-48C9-AA88-75C78721B420}" type="datetimeFigureOut">
               <a:rPr lang="zh-CN" altLang="en-US" smtClean="0"/>
-              <a:t>2018/3/19</a:t>
+              <a:t>2018/4/22</a:t>
             </a:fld>
             <a:endParaRPr lang="zh-CN" altLang="en-US"/>
           </a:p>
@@ -3037,7 +3123,7 @@
           <a:p>
             <a:fld id="{02E60DA2-A0BC-48C9-AA88-75C78721B420}" type="datetimeFigureOut">
               <a:rPr lang="zh-CN" altLang="en-US" smtClean="0"/>
-              <a:t>2018/3/19</a:t>
+              <a:t>2018/4/22</a:t>
             </a:fld>
             <a:endParaRPr lang="zh-CN" altLang="en-US"/>
           </a:p>
@@ -3381,7 +3467,7 @@
           <a:p>
             <a:fld id="{02E60DA2-A0BC-48C9-AA88-75C78721B420}" type="datetimeFigureOut">
               <a:rPr lang="zh-CN" altLang="en-US" smtClean="0"/>
-              <a:t>2018/3/19</a:t>
+              <a:t>2018/4/22</a:t>
             </a:fld>
             <a:endParaRPr lang="zh-CN" altLang="en-US"/>
           </a:p>
@@ -3603,7 +3689,7 @@
           <a:p>
             <a:fld id="{02E60DA2-A0BC-48C9-AA88-75C78721B420}" type="datetimeFigureOut">
               <a:rPr lang="zh-CN" altLang="en-US" smtClean="0"/>
-              <a:t>2018/3/19</a:t>
+              <a:t>2018/4/22</a:t>
             </a:fld>
             <a:endParaRPr lang="zh-CN" altLang="en-US"/>
           </a:p>
@@ -3924,7 +4010,7 @@
           <a:p>
             <a:fld id="{02E60DA2-A0BC-48C9-AA88-75C78721B420}" type="datetimeFigureOut">
               <a:rPr lang="zh-CN" altLang="en-US" smtClean="0"/>
-              <a:t>2018/3/19</a:t>
+              <a:t>2018/4/22</a:t>
             </a:fld>
             <a:endParaRPr lang="zh-CN" altLang="en-US"/>
           </a:p>
@@ -4162,7 +4248,7 @@
           <a:p>
             <a:fld id="{02E60DA2-A0BC-48C9-AA88-75C78721B420}" type="datetimeFigureOut">
               <a:rPr lang="zh-CN" altLang="en-US" smtClean="0"/>
-              <a:t>2018/3/19</a:t>
+              <a:t>2018/4/22</a:t>
             </a:fld>
             <a:endParaRPr lang="zh-CN" altLang="en-US"/>
           </a:p>
@@ -4400,7 +4486,7 @@
           <a:p>
             <a:fld id="{02E60DA2-A0BC-48C9-AA88-75C78721B420}" type="datetimeFigureOut">
               <a:rPr lang="zh-CN" altLang="en-US" smtClean="0"/>
-              <a:t>2018/3/19</a:t>
+              <a:t>2018/4/22</a:t>
             </a:fld>
             <a:endParaRPr lang="zh-CN" altLang="en-US"/>
           </a:p>
@@ -4699,7 +4785,7 @@
           <a:p>
             <a:fld id="{02E60DA2-A0BC-48C9-AA88-75C78721B420}" type="datetimeFigureOut">
               <a:rPr lang="zh-CN" altLang="en-US" smtClean="0"/>
-              <a:t>2018/3/19</a:t>
+              <a:t>2018/4/22</a:t>
             </a:fld>
             <a:endParaRPr lang="zh-CN" altLang="en-US"/>
           </a:p>
@@ -4988,7 +5074,7 @@
           <a:p>
             <a:fld id="{02E60DA2-A0BC-48C9-AA88-75C78721B420}" type="datetimeFigureOut">
               <a:rPr lang="zh-CN" altLang="en-US" smtClean="0"/>
-              <a:t>2018/3/19</a:t>
+              <a:t>2018/4/22</a:t>
             </a:fld>
             <a:endParaRPr lang="zh-CN" altLang="en-US"/>
           </a:p>
@@ -5424,7 +5510,7 @@
           <a:p>
             <a:fld id="{02E60DA2-A0BC-48C9-AA88-75C78721B420}" type="datetimeFigureOut">
               <a:rPr lang="zh-CN" altLang="en-US" smtClean="0"/>
-              <a:t>2018/3/19</a:t>
+              <a:t>2018/4/22</a:t>
             </a:fld>
             <a:endParaRPr lang="zh-CN" altLang="en-US"/>
           </a:p>
@@ -5589,7 +5675,7 @@
           <a:p>
             <a:fld id="{02E60DA2-A0BC-48C9-AA88-75C78721B420}" type="datetimeFigureOut">
               <a:rPr lang="zh-CN" altLang="en-US" smtClean="0"/>
-              <a:t>2018/3/19</a:t>
+              <a:t>2018/4/22</a:t>
             </a:fld>
             <a:endParaRPr lang="zh-CN" altLang="en-US"/>
           </a:p>
@@ -5726,7 +5812,7 @@
           <a:p>
             <a:fld id="{02E60DA2-A0BC-48C9-AA88-75C78721B420}" type="datetimeFigureOut">
               <a:rPr lang="zh-CN" altLang="en-US" smtClean="0"/>
-              <a:t>2018/3/19</a:t>
+              <a:t>2018/4/22</a:t>
             </a:fld>
             <a:endParaRPr lang="zh-CN" altLang="en-US"/>
           </a:p>
@@ -6061,7 +6147,7 @@
           <a:p>
             <a:fld id="{02E60DA2-A0BC-48C9-AA88-75C78721B420}" type="datetimeFigureOut">
               <a:rPr lang="zh-CN" altLang="en-US" smtClean="0"/>
-              <a:t>2018/3/19</a:t>
+              <a:t>2018/4/22</a:t>
             </a:fld>
             <a:endParaRPr lang="zh-CN" altLang="en-US"/>
           </a:p>
@@ -6373,7 +6459,7 @@
           <a:p>
             <a:fld id="{02E60DA2-A0BC-48C9-AA88-75C78721B420}" type="datetimeFigureOut">
               <a:rPr lang="zh-CN" altLang="en-US" smtClean="0"/>
-              <a:t>2018/3/19</a:t>
+              <a:t>2018/4/22</a:t>
             </a:fld>
             <a:endParaRPr lang="zh-CN" altLang="en-US"/>
           </a:p>
@@ -7586,7 +7672,7 @@
           <a:p>
             <a:r>
               <a:rPr lang="zh-CN" altLang="en-US" dirty="0"/>
-              <a:t>更改文件所属用户与所属组</a:t>
+              <a:t>更改文件权限</a:t>
             </a:r>
           </a:p>
         </p:txBody>
@@ -7609,29 +7695,39 @@
         </p:nvSpPr>
         <p:spPr/>
         <p:txBody>
-          <a:bodyPr/>
+          <a:bodyPr>
+            <a:normAutofit/>
+          </a:bodyPr>
           <a:lstStyle/>
           <a:p>
             <a:r>
-              <a:rPr lang="zh-CN" altLang="en-US" sz="2000" dirty="0"/>
+              <a:rPr lang="zh-CN" altLang="en-US" sz="2400" dirty="0"/>
               <a:t>使用</a:t>
             </a:r>
             <a:r>
-              <a:rPr lang="en-US" altLang="zh-CN" sz="2000" dirty="0" err="1"/>
-              <a:t>chown</a:t>
-            </a:r>
-            <a:r>
-              <a:rPr lang="zh-CN" altLang="en-US" sz="2000" dirty="0"/>
-              <a:t>更改文件所属用户和用户组。</a:t>
-            </a:r>
-            <a:endParaRPr lang="en-US" altLang="zh-CN" sz="2000" dirty="0"/>
-          </a:p>
-          <a:p>
-            <a:r>
-              <a:rPr lang="zh-CN" altLang="en-US" sz="2000" dirty="0"/>
-              <a:t>示例：</a:t>
-            </a:r>
-            <a:endParaRPr lang="en-US" altLang="zh-CN" sz="2000" dirty="0"/>
+              <a:rPr lang="en-US" altLang="zh-CN" sz="2400" err="1"/>
+              <a:t>chmod</a:t>
+            </a:r>
+            <a:r>
+              <a:rPr lang="zh-CN" altLang="en-US" sz="2400"/>
+              <a:t>命令改变文件</a:t>
+            </a:r>
+            <a:r>
+              <a:rPr lang="zh-CN" altLang="en-US" sz="2400" dirty="0"/>
+              <a:t>与目录</a:t>
+            </a:r>
+            <a:r>
+              <a:rPr lang="zh-CN" altLang="en-US" sz="2400"/>
+              <a:t>的权限。</a:t>
+            </a:r>
+            <a:endParaRPr lang="en-US" altLang="zh-CN" sz="2400" dirty="0"/>
+          </a:p>
+          <a:p>
+            <a:r>
+              <a:rPr lang="zh-CN" altLang="en-US" sz="2400" dirty="0"/>
+              <a:t>使用示例：</a:t>
+            </a:r>
+            <a:endParaRPr lang="en-US" altLang="zh-CN" sz="2400" dirty="0"/>
           </a:p>
           <a:p>
             <a:pPr marL="0" indent="0">
@@ -7646,7 +7742,7 @@
           <p:cNvPr id="4" name="表格 3">
             <a:extLst>
               <a:ext uri="{FF2B5EF4-FFF2-40B4-BE49-F238E27FC236}">
-                <a16:creationId xmlns:a16="http://schemas.microsoft.com/office/drawing/2014/main" id="{02F96D9C-EB42-4B69-982C-E6EE41FB27C2}"/>
+                <a16:creationId xmlns:a16="http://schemas.microsoft.com/office/drawing/2014/main" id="{89CD783E-2149-49EA-8B64-07B7BDB142D2}"/>
               </a:ext>
             </a:extLst>
           </p:cNvPr>
@@ -7656,14 +7752,14 @@
           <p:nvPr>
             <p:extLst>
               <p:ext uri="{D42A27DB-BD31-4B8C-83A1-F6EECF244321}">
-                <p14:modId xmlns:p14="http://schemas.microsoft.com/office/powerpoint/2010/main" val="417794974"/>
+                <p14:modId xmlns:p14="http://schemas.microsoft.com/office/powerpoint/2010/main" val="1549064272"/>
               </p:ext>
             </p:extLst>
           </p:nvPr>
         </p:nvGraphicFramePr>
         <p:xfrm>
-          <a:off x="1304031" y="2583730"/>
-          <a:ext cx="9437950" cy="2845688"/>
+          <a:off x="905608" y="2716894"/>
+          <a:ext cx="10515599" cy="3404428"/>
         </p:xfrm>
         <a:graphic>
           <a:graphicData uri="http://schemas.openxmlformats.org/drawingml/2006/table">
@@ -7672,14 +7768,14 @@
                 <a:tableStyleId>{2D5ABB26-0587-4C30-8999-92F81FD0307C}</a:tableStyleId>
               </a:tblPr>
               <a:tblGrid>
-                <a:gridCol w="3445523">
+                <a:gridCol w="4730261">
                   <a:extLst>
                     <a:ext uri="{9D8B030D-6E8A-4147-A177-3AD203B41FA5}">
                       <a16:colId xmlns:a16="http://schemas.microsoft.com/office/drawing/2014/main" val="2162854718"/>
                     </a:ext>
                   </a:extLst>
                 </a:gridCol>
-                <a:gridCol w="5992427">
+                <a:gridCol w="5785338">
                   <a:extLst>
                     <a:ext uri="{9D8B030D-6E8A-4147-A177-3AD203B41FA5}">
                       <a16:colId xmlns:a16="http://schemas.microsoft.com/office/drawing/2014/main" val="2014640472"/>
@@ -7687,7 +7783,7 @@
                   </a:extLst>
                 </a:gridCol>
               </a:tblGrid>
-              <a:tr h="711422">
+              <a:tr h="789238">
                 <a:tc>
                   <a:txBody>
                     <a:bodyPr/>
@@ -7695,22 +7791,33 @@
                     <a:p>
                       <a:pPr algn="r"/>
                       <a:r>
-                        <a:rPr lang="en-US" altLang="zh-CN" dirty="0" err="1"/>
-                        <a:t>chown</a:t>
-                      </a:r>
-                      <a:r>
-                        <a:rPr lang="en-US" altLang="zh-CN" dirty="0"/>
+                        <a:rPr lang="en-US" altLang="zh-CN" sz="2400" dirty="0" err="1"/>
+                        <a:t>chmod</a:t>
+                      </a:r>
+                      <a:r>
+                        <a:rPr lang="zh-CN" altLang="en-US" sz="2400" dirty="0"/>
+                        <a:t>  </a:t>
+                      </a:r>
+                      <a:r>
+                        <a:rPr lang="en-US" altLang="zh-CN" sz="2400" dirty="0"/>
+                        <a:t>755</a:t>
+                      </a:r>
+                      <a:r>
+                        <a:rPr lang="zh-CN" altLang="en-US" sz="2400" dirty="0"/>
+                        <a:t>  </a:t>
+                      </a:r>
+                      <a:r>
+                        <a:rPr lang="en-US" altLang="zh-CN" sz="2400" dirty="0"/>
+                        <a:t>bin/</a:t>
+                      </a:r>
+                      <a:r>
+                        <a:rPr lang="en-US" altLang="zh-CN" sz="2400" dirty="0" err="1"/>
+                        <a:t>pse</a:t>
+                      </a:r>
+                      <a:r>
+                        <a:rPr lang="zh-CN" altLang="en-US" sz="2400" dirty="0"/>
                         <a:t> </a:t>
                       </a:r>
-                      <a:r>
-                        <a:rPr lang="en-US" altLang="zh-CN" dirty="0" err="1"/>
-                        <a:t>oklinux:oklinux</a:t>
-                      </a:r>
-                      <a:r>
-                        <a:rPr lang="en-US" altLang="zh-CN" dirty="0"/>
-                        <a:t>  hd1</a:t>
-                      </a:r>
-                      <a:endParaRPr lang="zh-CN" altLang="en-US" dirty="0"/>
                     </a:p>
                   </a:txBody>
                   <a:tcPr anchor="ctr"/>
@@ -7721,30 +7828,22 @@
                     <a:lstStyle/>
                     <a:p>
                       <a:r>
-                        <a:rPr lang="zh-CN" altLang="en-US" dirty="0"/>
-                        <a:t>更改</a:t>
-                      </a:r>
-                      <a:r>
-                        <a:rPr lang="en-US" altLang="zh-CN" dirty="0"/>
-                        <a:t>hd1</a:t>
-                      </a:r>
-                      <a:r>
-                        <a:rPr lang="zh-CN" altLang="en-US" dirty="0"/>
-                        <a:t>文件所属用户为</a:t>
-                      </a:r>
-                      <a:r>
-                        <a:rPr lang="en-US" altLang="zh-CN" dirty="0" err="1"/>
-                        <a:t>oklinux</a:t>
-                      </a:r>
-                      <a:r>
-                        <a:rPr lang="zh-CN" altLang="en-US" dirty="0"/>
-                        <a:t>，所属用户组为</a:t>
-                      </a:r>
-                      <a:r>
-                        <a:rPr lang="en-US" altLang="zh-CN" dirty="0" err="1"/>
-                        <a:t>oklinux</a:t>
-                      </a:r>
-                      <a:endParaRPr lang="zh-CN" altLang="en-US" dirty="0"/>
+                        <a:rPr lang="en-US" altLang="zh-CN" sz="2400" dirty="0" err="1"/>
+                        <a:t>rwxr</a:t>
+                      </a:r>
+                      <a:r>
+                        <a:rPr lang="en-US" altLang="zh-CN" sz="2400" dirty="0"/>
+                        <a:t>-</a:t>
+                      </a:r>
+                      <a:r>
+                        <a:rPr lang="en-US" altLang="zh-CN" sz="2400" dirty="0" err="1"/>
+                        <a:t>xr</a:t>
+                      </a:r>
+                      <a:r>
+                        <a:rPr lang="en-US" altLang="zh-CN" sz="2400" dirty="0"/>
+                        <a:t>-x</a:t>
+                      </a:r>
+                      <a:endParaRPr lang="zh-CN" altLang="en-US" sz="2400" dirty="0"/>
                     </a:p>
                   </a:txBody>
                   <a:tcPr anchor="ctr"/>
@@ -7755,7 +7854,7 @@
                   </a:ext>
                 </a:extLst>
               </a:tr>
-              <a:tr h="711422">
+              <a:tr h="912976">
                 <a:tc>
                   <a:txBody>
                     <a:bodyPr/>
@@ -7763,14 +7862,18 @@
                     <a:p>
                       <a:pPr algn="r"/>
                       <a:r>
-                        <a:rPr lang="en-US" altLang="zh-CN" dirty="0" err="1"/>
-                        <a:t>chown</a:t>
-                      </a:r>
-                      <a:r>
-                        <a:rPr lang="en-US" altLang="zh-CN" dirty="0"/>
-                        <a:t>  :brave  hd1</a:t>
-                      </a:r>
-                      <a:endParaRPr lang="zh-CN" altLang="en-US" dirty="0"/>
+                        <a:rPr lang="en-US" altLang="zh-CN" sz="2400" dirty="0" err="1"/>
+                        <a:t>chmod</a:t>
+                      </a:r>
+                      <a:r>
+                        <a:rPr lang="en-US" altLang="zh-CN" sz="2400" dirty="0"/>
+                        <a:t>  +x  bin/</a:t>
+                      </a:r>
+                      <a:r>
+                        <a:rPr lang="en-US" altLang="zh-CN" sz="2400" dirty="0" err="1"/>
+                        <a:t>pse</a:t>
+                      </a:r>
+                      <a:endParaRPr lang="zh-CN" altLang="en-US" sz="2400" dirty="0"/>
                     </a:p>
                   </a:txBody>
                   <a:tcPr anchor="ctr"/>
@@ -7781,16 +7884,8 @@
                     <a:lstStyle/>
                     <a:p>
                       <a:r>
-                        <a:rPr lang="zh-CN" altLang="en-US" dirty="0"/>
-                        <a:t>更改</a:t>
-                      </a:r>
-                      <a:r>
-                        <a:rPr lang="en-US" altLang="zh-CN" dirty="0"/>
-                        <a:t>hd1</a:t>
-                      </a:r>
-                      <a:r>
-                        <a:rPr lang="zh-CN" altLang="en-US" dirty="0"/>
-                        <a:t>文件所属用户组</a:t>
+                        <a:rPr lang="zh-CN" altLang="en-US" sz="2400" dirty="0"/>
+                        <a:t>添加可执行权限，所属用户与用户组具备可执行权限</a:t>
                       </a:r>
                     </a:p>
                   </a:txBody>
@@ -7802,7 +7897,7 @@
                   </a:ext>
                 </a:extLst>
               </a:tr>
-              <a:tr h="711422">
+              <a:tr h="912976">
                 <a:tc>
                   <a:txBody>
                     <a:bodyPr/>
@@ -7810,30 +7905,18 @@
                     <a:p>
                       <a:pPr algn="r"/>
                       <a:r>
-                        <a:rPr lang="en-US" altLang="zh-CN" dirty="0" err="1"/>
-                        <a:t>chown</a:t>
-                      </a:r>
-                      <a:r>
-                        <a:rPr lang="en-US" altLang="zh-CN" dirty="0"/>
-                        <a:t>  </a:t>
-                      </a:r>
-                      <a:r>
-                        <a:rPr lang="en-US" altLang="zh-CN" dirty="0" err="1"/>
-                        <a:t>oklinux</a:t>
-                      </a:r>
-                      <a:r>
-                        <a:rPr lang="en-US" altLang="zh-CN" dirty="0"/>
-                        <a:t>:</a:t>
-                      </a:r>
-                      <a:r>
-                        <a:rPr lang="zh-CN" altLang="en-US" dirty="0"/>
-                        <a:t>  </a:t>
-                      </a:r>
-                      <a:r>
-                        <a:rPr lang="en-US" altLang="zh-CN" dirty="0"/>
-                        <a:t>hd1</a:t>
-                      </a:r>
-                      <a:endParaRPr lang="zh-CN" altLang="en-US" dirty="0"/>
+                        <a:rPr lang="en-US" altLang="zh-CN" sz="2400" dirty="0" err="1"/>
+                        <a:t>chmod</a:t>
+                      </a:r>
+                      <a:r>
+                        <a:rPr lang="en-US" altLang="zh-CN" sz="2400" dirty="0"/>
+                        <a:t>  -w  bin/</a:t>
+                      </a:r>
+                      <a:r>
+                        <a:rPr lang="en-US" altLang="zh-CN" sz="2400" dirty="0" err="1"/>
+                        <a:t>pse</a:t>
+                      </a:r>
+                      <a:endParaRPr lang="zh-CN" altLang="en-US" sz="2400" dirty="0"/>
                     </a:p>
                   </a:txBody>
                   <a:tcPr anchor="ctr"/>
@@ -7844,8 +7927,8 @@
                     <a:lstStyle/>
                     <a:p>
                       <a:r>
-                        <a:rPr lang="zh-CN" altLang="en-US" dirty="0"/>
-                        <a:t>更改文件所属用户</a:t>
+                        <a:rPr lang="zh-CN" altLang="en-US" sz="2400" dirty="0"/>
+                        <a:t>去掉写权限，用户，用户组，其他用户都会去掉写权限</a:t>
                       </a:r>
                     </a:p>
                   </a:txBody>
@@ -7857,7 +7940,7 @@
                   </a:ext>
                 </a:extLst>
               </a:tr>
-              <a:tr h="711422">
+              <a:tr h="789238">
                 <a:tc>
                   <a:txBody>
                     <a:bodyPr/>
@@ -7865,30 +7948,34 @@
                     <a:p>
                       <a:pPr algn="r"/>
                       <a:r>
-                        <a:rPr lang="en-US" altLang="zh-CN" dirty="0" err="1"/>
-                        <a:t>chown</a:t>
-                      </a:r>
-                      <a:r>
-                        <a:rPr lang="en-US" altLang="zh-CN"/>
-                        <a:t> </a:t>
-                      </a:r>
-                      <a:r>
-                        <a:rPr lang="en-US" altLang="zh-CN" dirty="0" err="1"/>
-                        <a:t>oklinux:oklinux</a:t>
-                      </a:r>
-                      <a:r>
-                        <a:rPr lang="en-US" altLang="zh-CN" dirty="0"/>
-                        <a:t>  </a:t>
-                      </a:r>
-                      <a:r>
-                        <a:rPr lang="en-US" altLang="zh-CN" dirty="0" err="1"/>
-                        <a:t>tmp</a:t>
-                      </a:r>
-                      <a:r>
-                        <a:rPr lang="en-US" altLang="zh-CN" dirty="0"/>
-                        <a:t>/ -R</a:t>
-                      </a:r>
-                      <a:endParaRPr lang="zh-CN" altLang="en-US" dirty="0"/>
+                        <a:rPr lang="en-US" altLang="zh-CN" sz="2400" dirty="0" err="1"/>
+                        <a:t>chmod</a:t>
+                      </a:r>
+                      <a:r>
+                        <a:rPr lang="en-US" altLang="zh-CN" sz="2400" dirty="0"/>
+                        <a:t>  u=</a:t>
+                      </a:r>
+                      <a:r>
+                        <a:rPr lang="en-US" altLang="zh-CN" sz="2400" dirty="0" err="1"/>
+                        <a:t>rwx,g</a:t>
+                      </a:r>
+                      <a:r>
+                        <a:rPr lang="en-US" altLang="zh-CN" sz="2400" dirty="0"/>
+                        <a:t>=</a:t>
+                      </a:r>
+                      <a:r>
+                        <a:rPr lang="en-US" altLang="zh-CN" sz="2400" dirty="0" err="1"/>
+                        <a:t>rx,o</a:t>
+                      </a:r>
+                      <a:r>
+                        <a:rPr lang="en-US" altLang="zh-CN" sz="2400" dirty="0"/>
+                        <a:t>=r  bin/</a:t>
+                      </a:r>
+                      <a:r>
+                        <a:rPr lang="en-US" altLang="zh-CN" sz="2400" dirty="0" err="1"/>
+                        <a:t>pse</a:t>
+                      </a:r>
+                      <a:endParaRPr lang="zh-CN" altLang="en-US" sz="2400" dirty="0"/>
                     </a:p>
                   </a:txBody>
                   <a:tcPr anchor="ctr"/>
@@ -7899,15 +7986,411 @@
                     <a:lstStyle/>
                     <a:p>
                       <a:r>
-                        <a:rPr lang="zh-CN" altLang="en-US" dirty="0"/>
+                        <a:rPr lang="zh-CN" altLang="en-US" sz="2400" dirty="0"/>
+                        <a:t>相当于</a:t>
+                      </a:r>
+                      <a:r>
+                        <a:rPr lang="en-US" altLang="zh-CN" sz="2400" dirty="0" err="1"/>
+                        <a:t>chmod</a:t>
+                      </a:r>
+                      <a:r>
+                        <a:rPr lang="en-US" altLang="zh-CN" sz="2400" dirty="0"/>
+                        <a:t>  754  bin/</a:t>
+                      </a:r>
+                      <a:r>
+                        <a:rPr lang="en-US" altLang="zh-CN" sz="2400" dirty="0" err="1"/>
+                        <a:t>pse</a:t>
+                      </a:r>
+                      <a:endParaRPr lang="zh-CN" altLang="en-US" sz="2400" dirty="0"/>
+                    </a:p>
+                  </a:txBody>
+                  <a:tcPr anchor="ctr"/>
+                </a:tc>
+                <a:extLst>
+                  <a:ext uri="{0D108BD9-81ED-4DB2-BD59-A6C34878D82A}">
+                    <a16:rowId xmlns:a16="http://schemas.microsoft.com/office/drawing/2014/main" val="796428836"/>
+                  </a:ext>
+                </a:extLst>
+              </a:tr>
+            </a:tbl>
+          </a:graphicData>
+        </a:graphic>
+      </p:graphicFrame>
+    </p:spTree>
+    <p:extLst>
+      <p:ext uri="{BB962C8B-B14F-4D97-AF65-F5344CB8AC3E}">
+        <p14:creationId xmlns:p14="http://schemas.microsoft.com/office/powerpoint/2010/main" val="3473480686"/>
+      </p:ext>
+    </p:extLst>
+  </p:cSld>
+  <p:clrMapOvr>
+    <a:masterClrMapping/>
+  </p:clrMapOvr>
+</p:sld>
+</file>
+
+<file path=ppt/slides/slide11.xml><?xml version="1.0" encoding="utf-8"?>
+<p:sld xmlns:a="http://schemas.openxmlformats.org/drawingml/2006/main" xmlns:r="http://schemas.openxmlformats.org/officeDocument/2006/relationships" xmlns:p="http://schemas.openxmlformats.org/presentationml/2006/main">
+  <p:cSld>
+    <p:spTree>
+      <p:nvGrpSpPr>
+        <p:cNvPr id="1" name=""/>
+        <p:cNvGrpSpPr/>
+        <p:nvPr/>
+      </p:nvGrpSpPr>
+      <p:grpSpPr>
+        <a:xfrm>
+          <a:off x="0" y="0"/>
+          <a:ext cx="0" cy="0"/>
+          <a:chOff x="0" y="0"/>
+          <a:chExt cx="0" cy="0"/>
+        </a:xfrm>
+      </p:grpSpPr>
+      <p:sp>
+        <p:nvSpPr>
+          <p:cNvPr id="2" name="标题 1">
+            <a:extLst>
+              <a:ext uri="{FF2B5EF4-FFF2-40B4-BE49-F238E27FC236}">
+                <a16:creationId xmlns:a16="http://schemas.microsoft.com/office/drawing/2014/main" id="{8B88BACC-24DE-4087-9AB3-A099CF573089}"/>
+              </a:ext>
+            </a:extLst>
+          </p:cNvPr>
+          <p:cNvSpPr>
+            <a:spLocks noGrp="1"/>
+          </p:cNvSpPr>
+          <p:nvPr>
+            <p:ph type="title"/>
+          </p:nvPr>
+        </p:nvSpPr>
+        <p:spPr/>
+        <p:txBody>
+          <a:bodyPr/>
+          <a:lstStyle/>
+          <a:p>
+            <a:r>
+              <a:rPr lang="zh-CN" altLang="en-US" dirty="0"/>
+              <a:t>更改文件所属用户与所属组</a:t>
+            </a:r>
+          </a:p>
+        </p:txBody>
+      </p:sp>
+      <p:sp>
+        <p:nvSpPr>
+          <p:cNvPr id="3" name="内容占位符 2">
+            <a:extLst>
+              <a:ext uri="{FF2B5EF4-FFF2-40B4-BE49-F238E27FC236}">
+                <a16:creationId xmlns:a16="http://schemas.microsoft.com/office/drawing/2014/main" id="{0A1C6B17-780B-4799-8193-E52FD817AC0E}"/>
+              </a:ext>
+            </a:extLst>
+          </p:cNvPr>
+          <p:cNvSpPr>
+            <a:spLocks noGrp="1"/>
+          </p:cNvSpPr>
+          <p:nvPr>
+            <p:ph idx="1"/>
+          </p:nvPr>
+        </p:nvSpPr>
+        <p:spPr/>
+        <p:txBody>
+          <a:bodyPr/>
+          <a:lstStyle/>
+          <a:p>
+            <a:r>
+              <a:rPr lang="zh-CN" altLang="en-US" sz="2400" dirty="0"/>
+              <a:t>使用</a:t>
+            </a:r>
+            <a:r>
+              <a:rPr lang="en-US" altLang="zh-CN" sz="2400" dirty="0" err="1"/>
+              <a:t>chown</a:t>
+            </a:r>
+            <a:r>
+              <a:rPr lang="zh-CN" altLang="en-US" sz="2400" dirty="0"/>
+              <a:t>更改文件所属用户和用户组。</a:t>
+            </a:r>
+            <a:endParaRPr lang="en-US" altLang="zh-CN" sz="2400" dirty="0"/>
+          </a:p>
+          <a:p>
+            <a:r>
+              <a:rPr lang="zh-CN" altLang="en-US" sz="2400" dirty="0"/>
+              <a:t>示例：</a:t>
+            </a:r>
+            <a:endParaRPr lang="en-US" altLang="zh-CN" sz="2400" dirty="0"/>
+          </a:p>
+          <a:p>
+            <a:pPr marL="0" indent="0">
+              <a:buNone/>
+            </a:pPr>
+            <a:endParaRPr lang="en-US" altLang="zh-CN" sz="2000" dirty="0"/>
+          </a:p>
+        </p:txBody>
+      </p:sp>
+      <p:graphicFrame>
+        <p:nvGraphicFramePr>
+          <p:cNvPr id="4" name="表格 3">
+            <a:extLst>
+              <a:ext uri="{FF2B5EF4-FFF2-40B4-BE49-F238E27FC236}">
+                <a16:creationId xmlns:a16="http://schemas.microsoft.com/office/drawing/2014/main" id="{02F96D9C-EB42-4B69-982C-E6EE41FB27C2}"/>
+              </a:ext>
+            </a:extLst>
+          </p:cNvPr>
+          <p:cNvGraphicFramePr>
+            <a:graphicFrameLocks noGrp="1"/>
+          </p:cNvGraphicFramePr>
+          <p:nvPr>
+            <p:extLst>
+              <p:ext uri="{D42A27DB-BD31-4B8C-83A1-F6EECF244321}">
+                <p14:modId xmlns:p14="http://schemas.microsoft.com/office/powerpoint/2010/main" val="2768328695"/>
+              </p:ext>
+            </p:extLst>
+          </p:nvPr>
+        </p:nvGraphicFramePr>
+        <p:xfrm>
+          <a:off x="838200" y="2583730"/>
+          <a:ext cx="10515599" cy="3254361"/>
+        </p:xfrm>
+        <a:graphic>
+          <a:graphicData uri="http://schemas.openxmlformats.org/drawingml/2006/table">
+            <a:tbl>
+              <a:tblPr firstRow="1" bandRow="1">
+                <a:tableStyleId>{2D5ABB26-0587-4C30-8999-92F81FD0307C}</a:tableStyleId>
+              </a:tblPr>
+              <a:tblGrid>
+                <a:gridCol w="4322885">
+                  <a:extLst>
+                    <a:ext uri="{9D8B030D-6E8A-4147-A177-3AD203B41FA5}">
+                      <a16:colId xmlns:a16="http://schemas.microsoft.com/office/drawing/2014/main" val="2162854718"/>
+                    </a:ext>
+                  </a:extLst>
+                </a:gridCol>
+                <a:gridCol w="6192714">
+                  <a:extLst>
+                    <a:ext uri="{9D8B030D-6E8A-4147-A177-3AD203B41FA5}">
+                      <a16:colId xmlns:a16="http://schemas.microsoft.com/office/drawing/2014/main" val="2014640472"/>
+                    </a:ext>
+                  </a:extLst>
+                </a:gridCol>
+              </a:tblGrid>
+              <a:tr h="905649">
+                <a:tc>
+                  <a:txBody>
+                    <a:bodyPr/>
+                    <a:lstStyle/>
+                    <a:p>
+                      <a:pPr algn="r"/>
+                      <a:r>
+                        <a:rPr lang="en-US" altLang="zh-CN" sz="2400" dirty="0" err="1"/>
+                        <a:t>chown</a:t>
+                      </a:r>
+                      <a:r>
+                        <a:rPr lang="en-US" altLang="zh-CN" sz="2400" dirty="0"/>
+                        <a:t> </a:t>
+                      </a:r>
+                      <a:r>
+                        <a:rPr lang="en-US" altLang="zh-CN" sz="2400" dirty="0" err="1"/>
+                        <a:t>oklinux:oklinux</a:t>
+                      </a:r>
+                      <a:r>
+                        <a:rPr lang="en-US" altLang="zh-CN" sz="2400" dirty="0"/>
+                        <a:t>  hd1</a:t>
+                      </a:r>
+                      <a:endParaRPr lang="zh-CN" altLang="en-US" sz="2400" dirty="0"/>
+                    </a:p>
+                  </a:txBody>
+                  <a:tcPr anchor="ctr"/>
+                </a:tc>
+                <a:tc>
+                  <a:txBody>
+                    <a:bodyPr/>
+                    <a:lstStyle/>
+                    <a:p>
+                      <a:r>
+                        <a:rPr lang="zh-CN" altLang="en-US" sz="2400" dirty="0"/>
+                        <a:t>更改</a:t>
+                      </a:r>
+                      <a:r>
+                        <a:rPr lang="en-US" altLang="zh-CN" sz="2400" dirty="0"/>
+                        <a:t>hd1</a:t>
+                      </a:r>
+                      <a:r>
+                        <a:rPr lang="zh-CN" altLang="en-US" sz="2400" dirty="0"/>
+                        <a:t>文件所属用户为</a:t>
+                      </a:r>
+                      <a:r>
+                        <a:rPr lang="en-US" altLang="zh-CN" sz="2400" dirty="0" err="1"/>
+                        <a:t>oklinux</a:t>
+                      </a:r>
+                      <a:r>
+                        <a:rPr lang="zh-CN" altLang="en-US" sz="2400" dirty="0"/>
+                        <a:t>，所属用户组为</a:t>
+                      </a:r>
+                      <a:r>
+                        <a:rPr lang="en-US" altLang="zh-CN" sz="2400" dirty="0" err="1"/>
+                        <a:t>oklinux</a:t>
+                      </a:r>
+                      <a:endParaRPr lang="zh-CN" altLang="en-US" sz="2400" dirty="0"/>
+                    </a:p>
+                  </a:txBody>
+                  <a:tcPr anchor="ctr"/>
+                </a:tc>
+                <a:extLst>
+                  <a:ext uri="{0D108BD9-81ED-4DB2-BD59-A6C34878D82A}">
+                    <a16:rowId xmlns:a16="http://schemas.microsoft.com/office/drawing/2014/main" val="1111758609"/>
+                  </a:ext>
+                </a:extLst>
+              </a:tr>
+              <a:tr h="782904">
+                <a:tc>
+                  <a:txBody>
+                    <a:bodyPr/>
+                    <a:lstStyle/>
+                    <a:p>
+                      <a:pPr algn="r"/>
+                      <a:r>
+                        <a:rPr lang="en-US" altLang="zh-CN" sz="2400" dirty="0" err="1"/>
+                        <a:t>chown</a:t>
+                      </a:r>
+                      <a:r>
+                        <a:rPr lang="en-US" altLang="zh-CN" sz="2400" dirty="0"/>
+                        <a:t>  :brave  hd1</a:t>
+                      </a:r>
+                      <a:endParaRPr lang="zh-CN" altLang="en-US" sz="2400" dirty="0"/>
+                    </a:p>
+                  </a:txBody>
+                  <a:tcPr anchor="ctr"/>
+                </a:tc>
+                <a:tc>
+                  <a:txBody>
+                    <a:bodyPr/>
+                    <a:lstStyle/>
+                    <a:p>
+                      <a:r>
+                        <a:rPr lang="zh-CN" altLang="en-US" sz="2400" dirty="0"/>
+                        <a:t>更改</a:t>
+                      </a:r>
+                      <a:r>
+                        <a:rPr lang="en-US" altLang="zh-CN" sz="2400" dirty="0"/>
+                        <a:t>hd1</a:t>
+                      </a:r>
+                      <a:r>
+                        <a:rPr lang="zh-CN" altLang="en-US" sz="2400" dirty="0"/>
+                        <a:t>文件所属用户组</a:t>
+                      </a:r>
+                    </a:p>
+                  </a:txBody>
+                  <a:tcPr anchor="ctr"/>
+                </a:tc>
+                <a:extLst>
+                  <a:ext uri="{0D108BD9-81ED-4DB2-BD59-A6C34878D82A}">
+                    <a16:rowId xmlns:a16="http://schemas.microsoft.com/office/drawing/2014/main" val="3971643624"/>
+                  </a:ext>
+                </a:extLst>
+              </a:tr>
+              <a:tr h="782904">
+                <a:tc>
+                  <a:txBody>
+                    <a:bodyPr/>
+                    <a:lstStyle/>
+                    <a:p>
+                      <a:pPr algn="r"/>
+                      <a:r>
+                        <a:rPr lang="en-US" altLang="zh-CN" sz="2400" dirty="0" err="1"/>
+                        <a:t>chown</a:t>
+                      </a:r>
+                      <a:r>
+                        <a:rPr lang="en-US" altLang="zh-CN" sz="2400" dirty="0"/>
+                        <a:t>  </a:t>
+                      </a:r>
+                      <a:r>
+                        <a:rPr lang="en-US" altLang="zh-CN" sz="2400" dirty="0" err="1"/>
+                        <a:t>oklinux</a:t>
+                      </a:r>
+                      <a:r>
+                        <a:rPr lang="en-US" altLang="zh-CN" sz="2400" dirty="0"/>
+                        <a:t>:</a:t>
+                      </a:r>
+                      <a:r>
+                        <a:rPr lang="zh-CN" altLang="en-US" sz="2400" dirty="0"/>
+                        <a:t>  </a:t>
+                      </a:r>
+                      <a:r>
+                        <a:rPr lang="en-US" altLang="zh-CN" sz="2400" dirty="0"/>
+                        <a:t>hd1</a:t>
+                      </a:r>
+                      <a:endParaRPr lang="zh-CN" altLang="en-US" sz="2400" dirty="0"/>
+                    </a:p>
+                  </a:txBody>
+                  <a:tcPr anchor="ctr"/>
+                </a:tc>
+                <a:tc>
+                  <a:txBody>
+                    <a:bodyPr/>
+                    <a:lstStyle/>
+                    <a:p>
+                      <a:r>
+                        <a:rPr lang="zh-CN" altLang="en-US" sz="2400" dirty="0"/>
+                        <a:t>更改文件所属用户</a:t>
+                      </a:r>
+                    </a:p>
+                  </a:txBody>
+                  <a:tcPr anchor="ctr"/>
+                </a:tc>
+                <a:extLst>
+                  <a:ext uri="{0D108BD9-81ED-4DB2-BD59-A6C34878D82A}">
+                    <a16:rowId xmlns:a16="http://schemas.microsoft.com/office/drawing/2014/main" val="3882208218"/>
+                  </a:ext>
+                </a:extLst>
+              </a:tr>
+              <a:tr h="782904">
+                <a:tc>
+                  <a:txBody>
+                    <a:bodyPr/>
+                    <a:lstStyle/>
+                    <a:p>
+                      <a:pPr algn="r"/>
+                      <a:r>
+                        <a:rPr lang="en-US" altLang="zh-CN" sz="2400" dirty="0" err="1"/>
+                        <a:t>chown</a:t>
+                      </a:r>
+                      <a:r>
+                        <a:rPr lang="en-US" altLang="zh-CN" sz="2400"/>
+                        <a:t> </a:t>
+                      </a:r>
+                      <a:r>
+                        <a:rPr lang="en-US" altLang="zh-CN" sz="2400" dirty="0" err="1"/>
+                        <a:t>oklinux:oklinux</a:t>
+                      </a:r>
+                      <a:r>
+                        <a:rPr lang="en-US" altLang="zh-CN" sz="2400" dirty="0"/>
+                        <a:t>  </a:t>
+                      </a:r>
+                      <a:r>
+                        <a:rPr lang="en-US" altLang="zh-CN" sz="2400" dirty="0" err="1"/>
+                        <a:t>tmp</a:t>
+                      </a:r>
+                      <a:r>
+                        <a:rPr lang="en-US" altLang="zh-CN" sz="2400" dirty="0"/>
+                        <a:t>/ -R</a:t>
+                      </a:r>
+                      <a:endParaRPr lang="zh-CN" altLang="en-US" sz="2400" dirty="0"/>
+                    </a:p>
+                  </a:txBody>
+                  <a:tcPr anchor="ctr"/>
+                </a:tc>
+                <a:tc>
+                  <a:txBody>
+                    <a:bodyPr/>
+                    <a:lstStyle/>
+                    <a:p>
+                      <a:r>
+                        <a:rPr lang="zh-CN" altLang="en-US" sz="2400" dirty="0"/>
                         <a:t>递归更改所有文件</a:t>
                       </a:r>
                       <a:r>
-                        <a:rPr lang="en-US" altLang="zh-CN" dirty="0"/>
+                        <a:rPr lang="en-US" altLang="zh-CN" sz="2400" dirty="0"/>
                         <a:t>/</a:t>
                       </a:r>
                       <a:r>
-                        <a:rPr lang="zh-CN" altLang="en-US" dirty="0"/>
+                        <a:rPr lang="zh-CN" altLang="en-US" sz="2400" dirty="0"/>
                         <a:t>目录的用户以及用户组</a:t>
                       </a:r>
                     </a:p>
@@ -7937,258 +8420,6 @@
 </p:sld>
 </file>
 
-<file path=ppt/slides/slide11.xml><?xml version="1.0" encoding="utf-8"?>
-<p:sld xmlns:a="http://schemas.openxmlformats.org/drawingml/2006/main" xmlns:r="http://schemas.openxmlformats.org/officeDocument/2006/relationships" xmlns:p="http://schemas.openxmlformats.org/presentationml/2006/main">
-  <p:cSld>
-    <p:spTree>
-      <p:nvGrpSpPr>
-        <p:cNvPr id="1" name=""/>
-        <p:cNvGrpSpPr/>
-        <p:nvPr/>
-      </p:nvGrpSpPr>
-      <p:grpSpPr>
-        <a:xfrm>
-          <a:off x="0" y="0"/>
-          <a:ext cx="0" cy="0"/>
-          <a:chOff x="0" y="0"/>
-          <a:chExt cx="0" cy="0"/>
-        </a:xfrm>
-      </p:grpSpPr>
-      <p:sp>
-        <p:nvSpPr>
-          <p:cNvPr id="2" name="标题 1">
-            <a:extLst>
-              <a:ext uri="{FF2B5EF4-FFF2-40B4-BE49-F238E27FC236}">
-                <a16:creationId xmlns:a16="http://schemas.microsoft.com/office/drawing/2014/main" id="{8B88BACC-24DE-4087-9AB3-A099CF573089}"/>
-              </a:ext>
-            </a:extLst>
-          </p:cNvPr>
-          <p:cNvSpPr>
-            <a:spLocks noGrp="1"/>
-          </p:cNvSpPr>
-          <p:nvPr>
-            <p:ph type="title"/>
-          </p:nvPr>
-        </p:nvSpPr>
-        <p:spPr/>
-        <p:txBody>
-          <a:bodyPr/>
-          <a:lstStyle/>
-          <a:p>
-            <a:r>
-              <a:rPr lang="zh-CN" altLang="en-US" dirty="0"/>
-              <a:t>硬链接（</a:t>
-            </a:r>
-            <a:r>
-              <a:rPr lang="en-US" altLang="zh-CN" dirty="0"/>
-              <a:t>hard link</a:t>
-            </a:r>
-            <a:r>
-              <a:rPr lang="zh-CN" altLang="en-US" dirty="0"/>
-              <a:t>）</a:t>
-            </a:r>
-          </a:p>
-        </p:txBody>
-      </p:sp>
-      <p:sp>
-        <p:nvSpPr>
-          <p:cNvPr id="3" name="内容占位符 2">
-            <a:extLst>
-              <a:ext uri="{FF2B5EF4-FFF2-40B4-BE49-F238E27FC236}">
-                <a16:creationId xmlns:a16="http://schemas.microsoft.com/office/drawing/2014/main" id="{0A1C6B17-780B-4799-8193-E52FD817AC0E}"/>
-              </a:ext>
-            </a:extLst>
-          </p:cNvPr>
-          <p:cNvSpPr>
-            <a:spLocks noGrp="1"/>
-          </p:cNvSpPr>
-          <p:nvPr>
-            <p:ph idx="1"/>
-          </p:nvPr>
-        </p:nvSpPr>
-        <p:spPr/>
-        <p:txBody>
-          <a:bodyPr>
-            <a:normAutofit/>
-          </a:bodyPr>
-          <a:lstStyle/>
-          <a:p>
-            <a:r>
-              <a:rPr lang="en-US" altLang="zh-CN" sz="2000" dirty="0"/>
-              <a:t>ln  [TARGET] [LINK NAME]  </a:t>
-            </a:r>
-            <a:r>
-              <a:rPr lang="zh-CN" altLang="en-US" sz="2000" dirty="0"/>
-              <a:t>默认创建硬连接。</a:t>
-            </a:r>
-            <a:endParaRPr lang="en-US" altLang="zh-CN" sz="2000" dirty="0"/>
-          </a:p>
-          <a:p>
-            <a:endParaRPr lang="en-US" altLang="zh-CN" sz="2000" dirty="0"/>
-          </a:p>
-          <a:p>
-            <a:r>
-              <a:rPr lang="zh-CN" altLang="en-US" sz="2000" dirty="0"/>
-              <a:t>示例：</a:t>
-            </a:r>
-            <a:r>
-              <a:rPr lang="en-US" altLang="zh-CN" sz="2000" dirty="0"/>
-              <a:t>ln  $PWD/hd1 hd2 </a:t>
-            </a:r>
-            <a:r>
-              <a:rPr lang="zh-CN" altLang="en-US" sz="2000" dirty="0"/>
-              <a:t>会在当前目录创建文件的硬链接</a:t>
-            </a:r>
-            <a:r>
-              <a:rPr lang="en-US" altLang="zh-CN" sz="2000" dirty="0"/>
-              <a:t>hd2</a:t>
-            </a:r>
-            <a:r>
-              <a:rPr lang="zh-CN" altLang="en-US" sz="2000" dirty="0"/>
-              <a:t>。</a:t>
-            </a:r>
-            <a:endParaRPr lang="en-US" altLang="zh-CN" sz="2000" dirty="0"/>
-          </a:p>
-          <a:p>
-            <a:endParaRPr lang="en-US" altLang="zh-CN" sz="2000" dirty="0"/>
-          </a:p>
-          <a:p>
-            <a:r>
-              <a:rPr lang="zh-CN" altLang="en-US" sz="2000" dirty="0"/>
-              <a:t>在执行连接之前，存放连接的目录中不能有与链接名同名的文件。如果创建硬连接，则</a:t>
-            </a:r>
-            <a:r>
-              <a:rPr lang="en-US" altLang="zh-CN" sz="2000" dirty="0"/>
-              <a:t>TARGET</a:t>
-            </a:r>
-            <a:r>
-              <a:rPr lang="zh-CN" altLang="en-US" sz="2000" dirty="0"/>
-              <a:t>文件必须存在，并且</a:t>
-            </a:r>
-            <a:r>
-              <a:rPr lang="zh-CN" altLang="en-US" sz="2000" dirty="0">
-                <a:solidFill>
-                  <a:srgbClr val="C00000"/>
-                </a:solidFill>
-              </a:rPr>
-              <a:t>不能是目录</a:t>
-            </a:r>
-            <a:r>
-              <a:rPr lang="zh-CN" altLang="en-US" sz="2000" dirty="0"/>
-              <a:t>。</a:t>
-            </a:r>
-            <a:endParaRPr lang="en-US" altLang="zh-CN" sz="2000" dirty="0"/>
-          </a:p>
-          <a:p>
-            <a:endParaRPr lang="en-US" altLang="zh-CN" sz="2000" dirty="0"/>
-          </a:p>
-          <a:p>
-            <a:r>
-              <a:rPr lang="zh-CN" altLang="en-US" sz="2000" dirty="0">
-                <a:solidFill>
-                  <a:srgbClr val="C00000"/>
-                </a:solidFill>
-              </a:rPr>
-              <a:t>硬链接并没有建立新文件。</a:t>
-            </a:r>
-            <a:r>
-              <a:rPr lang="zh-CN" altLang="en-US" sz="2000" dirty="0"/>
-              <a:t>相当于文件有一个别名，多个文件名使用一个</a:t>
-            </a:r>
-            <a:r>
-              <a:rPr lang="en-US" altLang="zh-CN" sz="2000" dirty="0" err="1"/>
-              <a:t>inode</a:t>
-            </a:r>
-            <a:r>
-              <a:rPr lang="zh-CN" altLang="en-US" sz="2000" dirty="0"/>
-              <a:t>，增加了文件的硬链接计数。</a:t>
-            </a:r>
-            <a:r>
-              <a:rPr lang="en-US" altLang="zh-CN" sz="2000" dirty="0" err="1"/>
-              <a:t>rm</a:t>
-            </a:r>
-            <a:r>
-              <a:rPr lang="zh-CN" altLang="en-US" sz="2000" dirty="0"/>
-              <a:t>删除文件会减少硬链接计数，计数为</a:t>
-            </a:r>
-            <a:r>
-              <a:rPr lang="en-US" altLang="zh-CN" sz="2000" dirty="0"/>
-              <a:t>0</a:t>
-            </a:r>
-            <a:r>
-              <a:rPr lang="zh-CN" altLang="en-US" sz="2000" dirty="0"/>
-              <a:t>才会从文件系统中删除。</a:t>
-            </a:r>
-            <a:endParaRPr lang="en-US" altLang="zh-CN" sz="2000" dirty="0"/>
-          </a:p>
-          <a:p>
-            <a:endParaRPr lang="en-US" altLang="zh-CN" sz="2000" dirty="0"/>
-          </a:p>
-          <a:p>
-            <a:r>
-              <a:rPr lang="en-US" altLang="zh-CN" sz="2000" dirty="0" err="1"/>
-              <a:t>inode</a:t>
-            </a:r>
-            <a:r>
-              <a:rPr lang="en-US" altLang="zh-CN" sz="2000" dirty="0"/>
-              <a:t> </a:t>
-            </a:r>
-            <a:r>
-              <a:rPr lang="zh-CN" altLang="en-US" sz="2000" dirty="0"/>
-              <a:t>号仅在各文件系统下是唯一的，当 </a:t>
-            </a:r>
-            <a:r>
-              <a:rPr lang="en-US" altLang="zh-CN" sz="2000" dirty="0"/>
-              <a:t>Linux </a:t>
-            </a:r>
-            <a:r>
-              <a:rPr lang="zh-CN" altLang="en-US" sz="2000" dirty="0"/>
-              <a:t>挂载多个文件系统后将出现 </a:t>
-            </a:r>
-            <a:r>
-              <a:rPr lang="en-US" altLang="zh-CN" sz="2000" dirty="0" err="1"/>
-              <a:t>inode</a:t>
-            </a:r>
-            <a:r>
-              <a:rPr lang="en-US" altLang="zh-CN" sz="2000" dirty="0"/>
-              <a:t> </a:t>
-            </a:r>
-            <a:r>
-              <a:rPr lang="zh-CN" altLang="en-US" sz="2000" dirty="0"/>
-              <a:t>号重复的现象。所以</a:t>
-            </a:r>
-            <a:r>
-              <a:rPr lang="zh-CN" altLang="en-US" sz="2000" dirty="0">
-                <a:solidFill>
-                  <a:srgbClr val="C00000"/>
-                </a:solidFill>
-              </a:rPr>
-              <a:t>创建硬链接不能跨文件系统也不能跨分区</a:t>
-            </a:r>
-            <a:r>
-              <a:rPr lang="zh-CN" altLang="en-US" sz="2000" dirty="0"/>
-              <a:t>。</a:t>
-            </a:r>
-            <a:endParaRPr lang="en-US" altLang="zh-CN" sz="2000" dirty="0"/>
-          </a:p>
-          <a:p>
-            <a:endParaRPr lang="en-US" altLang="zh-CN" sz="2000" dirty="0"/>
-          </a:p>
-        </p:txBody>
-      </p:sp>
-    </p:spTree>
-    <p:extLst>
-      <p:ext uri="{BB962C8B-B14F-4D97-AF65-F5344CB8AC3E}">
-        <p14:creationId xmlns:p14="http://schemas.microsoft.com/office/powerpoint/2010/main" val="2532742619"/>
-      </p:ext>
-    </p:extLst>
-  </p:cSld>
-  <p:clrMapOvr>
-    <a:masterClrMapping/>
-  </p:clrMapOvr>
-</p:sld>
-</file>
-
 <file path=ppt/slides/slide12.xml><?xml version="1.0" encoding="utf-8"?>
 <p:sld xmlns:a="http://schemas.openxmlformats.org/drawingml/2006/main" xmlns:r="http://schemas.openxmlformats.org/officeDocument/2006/relationships" xmlns:p="http://schemas.openxmlformats.org/presentationml/2006/main">
   <p:cSld>
@@ -8229,19 +8460,11 @@
           <a:p>
             <a:r>
               <a:rPr lang="zh-CN" altLang="en-US" dirty="0"/>
-              <a:t>软链接</a:t>
+              <a:t>硬链接（</a:t>
             </a:r>
             <a:r>
               <a:rPr lang="en-US" altLang="zh-CN" dirty="0"/>
-              <a:t>/</a:t>
-            </a:r>
-            <a:r>
-              <a:rPr lang="zh-CN" altLang="en-US" dirty="0"/>
-              <a:t>符号链接（</a:t>
-            </a:r>
-            <a:r>
-              <a:rPr lang="en-US" altLang="zh-CN" dirty="0"/>
-              <a:t>soft link / symbolic link</a:t>
+              <a:t>hard link</a:t>
             </a:r>
             <a:r>
               <a:rPr lang="zh-CN" altLang="en-US" dirty="0"/>
@@ -8274,120 +8497,593 @@
           <a:lstStyle/>
           <a:p>
             <a:r>
-              <a:rPr lang="zh-CN" altLang="en-US" sz="2000" dirty="0"/>
+              <a:rPr lang="en-US" altLang="zh-CN" sz="2400">
+                <a:latin typeface="Roboto Mono Light" pitchFamily="2" charset="0"/>
+              </a:rPr>
+              <a:t>ln [</a:t>
+            </a:r>
+            <a:r>
+              <a:rPr lang="en-US" altLang="zh-CN" sz="2400" dirty="0">
+                <a:latin typeface="Roboto Mono Light" pitchFamily="2" charset="0"/>
+              </a:rPr>
+              <a:t>TARGET] [LINK NAME]  </a:t>
+            </a:r>
+            <a:r>
+              <a:rPr lang="zh-CN" altLang="en-US" sz="2400" dirty="0">
+                <a:latin typeface="Roboto Mono Light" pitchFamily="2" charset="0"/>
+              </a:rPr>
+              <a:t>默认创建硬</a:t>
+            </a:r>
+            <a:r>
+              <a:rPr lang="zh-CN" altLang="en-US" sz="2400">
+                <a:latin typeface="Roboto Mono Light" pitchFamily="2" charset="0"/>
+              </a:rPr>
+              <a:t>连接。</a:t>
+            </a:r>
+            <a:endParaRPr lang="en-US" altLang="zh-CN" sz="2400" dirty="0">
+              <a:latin typeface="Roboto Mono Light" pitchFamily="2" charset="0"/>
+            </a:endParaRPr>
+          </a:p>
+          <a:p>
+            <a:r>
+              <a:rPr lang="zh-CN" altLang="en-US" sz="2400" dirty="0">
+                <a:latin typeface="Roboto Mono Light" pitchFamily="2" charset="0"/>
+              </a:rPr>
+              <a:t>示例：</a:t>
+            </a:r>
+            <a:r>
+              <a:rPr lang="en-US" altLang="zh-CN" sz="2400">
+                <a:latin typeface="Roboto Mono Light" pitchFamily="2" charset="0"/>
+              </a:rPr>
+              <a:t>ln $</a:t>
+            </a:r>
+            <a:r>
+              <a:rPr lang="en-US" altLang="zh-CN" sz="2400" dirty="0">
+                <a:latin typeface="Roboto Mono Light" pitchFamily="2" charset="0"/>
+              </a:rPr>
+              <a:t>PWD/hd1 hd2 </a:t>
+            </a:r>
+            <a:r>
+              <a:rPr lang="zh-CN" altLang="en-US" sz="2400" dirty="0">
+                <a:latin typeface="Roboto Mono Light" pitchFamily="2" charset="0"/>
+              </a:rPr>
+              <a:t>会在当前目录创建文件的硬链接</a:t>
+            </a:r>
+            <a:r>
+              <a:rPr lang="en-US" altLang="zh-CN" sz="2400">
+                <a:latin typeface="Roboto Mono Light" pitchFamily="2" charset="0"/>
+              </a:rPr>
+              <a:t>hd2</a:t>
+            </a:r>
+            <a:r>
+              <a:rPr lang="zh-CN" altLang="en-US" sz="2400">
+                <a:latin typeface="Roboto Mono Light" pitchFamily="2" charset="0"/>
+              </a:rPr>
+              <a:t>。</a:t>
+            </a:r>
+            <a:endParaRPr lang="en-US" altLang="zh-CN" sz="2400" dirty="0">
+              <a:latin typeface="Roboto Mono Light" pitchFamily="2" charset="0"/>
+            </a:endParaRPr>
+          </a:p>
+          <a:p>
+            <a:r>
+              <a:rPr lang="zh-CN" altLang="en-US" sz="2400" dirty="0">
+                <a:latin typeface="Roboto Mono Light" pitchFamily="2" charset="0"/>
+              </a:rPr>
+              <a:t>在执行连接之前，存放连接的目录中不能有与链接名同名的文件。如果创建硬连接，则</a:t>
+            </a:r>
+            <a:r>
+              <a:rPr lang="en-US" altLang="zh-CN" sz="2400" dirty="0">
+                <a:latin typeface="Roboto Mono Light" pitchFamily="2" charset="0"/>
+              </a:rPr>
+              <a:t>TARGET</a:t>
+            </a:r>
+            <a:r>
+              <a:rPr lang="zh-CN" altLang="en-US" sz="2400" dirty="0">
+                <a:latin typeface="Roboto Mono Light" pitchFamily="2" charset="0"/>
+              </a:rPr>
+              <a:t>文件必须存在，并且</a:t>
+            </a:r>
+            <a:r>
+              <a:rPr lang="zh-CN" altLang="en-US" sz="2400" dirty="0">
+                <a:solidFill>
+                  <a:srgbClr val="C00000"/>
+                </a:solidFill>
+                <a:latin typeface="Roboto Mono Light" pitchFamily="2" charset="0"/>
+              </a:rPr>
+              <a:t>不能是目录</a:t>
+            </a:r>
+            <a:r>
+              <a:rPr lang="zh-CN" altLang="en-US" sz="2400" dirty="0">
+                <a:latin typeface="Roboto Mono Light" pitchFamily="2" charset="0"/>
+              </a:rPr>
+              <a:t>。</a:t>
+            </a:r>
+            <a:endParaRPr lang="en-US" altLang="zh-CN" sz="2400" dirty="0">
+              <a:latin typeface="Roboto Mono Light" pitchFamily="2" charset="0"/>
+            </a:endParaRPr>
+          </a:p>
+          <a:p>
+            <a:endParaRPr lang="en-US" altLang="zh-CN" sz="2400" dirty="0">
+              <a:latin typeface="Roboto Mono Light" pitchFamily="2" charset="0"/>
+            </a:endParaRPr>
+          </a:p>
+          <a:p>
+            <a:r>
+              <a:rPr lang="zh-CN" altLang="en-US" sz="2400" dirty="0">
+                <a:solidFill>
+                  <a:srgbClr val="C00000"/>
+                </a:solidFill>
+                <a:latin typeface="Roboto Mono Light" pitchFamily="2" charset="0"/>
+              </a:rPr>
+              <a:t>硬链接并没有建立新文件。</a:t>
+            </a:r>
+            <a:r>
+              <a:rPr lang="zh-CN" altLang="en-US" sz="2400" dirty="0">
+                <a:latin typeface="Roboto Mono Light" pitchFamily="2" charset="0"/>
+              </a:rPr>
+              <a:t>相当于文件有一个别名，多个文件名使用一个</a:t>
+            </a:r>
+            <a:r>
+              <a:rPr lang="en-US" altLang="zh-CN" sz="2400" dirty="0" err="1">
+                <a:latin typeface="Roboto Mono Light" pitchFamily="2" charset="0"/>
+              </a:rPr>
+              <a:t>inode</a:t>
+            </a:r>
+            <a:r>
+              <a:rPr lang="zh-CN" altLang="en-US" sz="2400" dirty="0">
+                <a:latin typeface="Roboto Mono Light" pitchFamily="2" charset="0"/>
+              </a:rPr>
+              <a:t>，增加了文件的硬链接计数。</a:t>
+            </a:r>
+            <a:r>
+              <a:rPr lang="en-US" altLang="zh-CN" sz="2400" dirty="0" err="1">
+                <a:latin typeface="Roboto Mono Light" pitchFamily="2" charset="0"/>
+              </a:rPr>
+              <a:t>rm</a:t>
+            </a:r>
+            <a:r>
+              <a:rPr lang="zh-CN" altLang="en-US" sz="2400" dirty="0">
+                <a:latin typeface="Roboto Mono Light" pitchFamily="2" charset="0"/>
+              </a:rPr>
+              <a:t>删除文件会减少硬链接计数，计数为</a:t>
+            </a:r>
+            <a:r>
+              <a:rPr lang="en-US" altLang="zh-CN" sz="2400" dirty="0">
+                <a:latin typeface="Roboto Mono Light" pitchFamily="2" charset="0"/>
+              </a:rPr>
+              <a:t>0</a:t>
+            </a:r>
+            <a:r>
+              <a:rPr lang="zh-CN" altLang="en-US" sz="2400" dirty="0">
+                <a:latin typeface="Roboto Mono Light" pitchFamily="2" charset="0"/>
+              </a:rPr>
+              <a:t>才会从文件系统中</a:t>
+            </a:r>
+            <a:r>
+              <a:rPr lang="zh-CN" altLang="en-US" sz="2400">
+                <a:latin typeface="Roboto Mono Light" pitchFamily="2" charset="0"/>
+              </a:rPr>
+              <a:t>删除。</a:t>
+            </a:r>
+            <a:endParaRPr lang="en-US" altLang="zh-CN" sz="2400" dirty="0">
+              <a:latin typeface="Roboto Mono Light" pitchFamily="2" charset="0"/>
+            </a:endParaRPr>
+          </a:p>
+          <a:p>
+            <a:r>
+              <a:rPr lang="en-US" altLang="zh-CN" sz="2400" dirty="0" err="1">
+                <a:latin typeface="Roboto Mono Light" pitchFamily="2" charset="0"/>
+              </a:rPr>
+              <a:t>inode</a:t>
+            </a:r>
+            <a:r>
+              <a:rPr lang="en-US" altLang="zh-CN" sz="2400" dirty="0">
+                <a:latin typeface="Roboto Mono Light" pitchFamily="2" charset="0"/>
+              </a:rPr>
+              <a:t> </a:t>
+            </a:r>
+            <a:r>
+              <a:rPr lang="zh-CN" altLang="en-US" sz="2400" dirty="0">
+                <a:latin typeface="Roboto Mono Light" pitchFamily="2" charset="0"/>
+              </a:rPr>
+              <a:t>号仅在各文件系统下是唯一的，当 </a:t>
+            </a:r>
+            <a:r>
+              <a:rPr lang="en-US" altLang="zh-CN" sz="2400" dirty="0">
+                <a:latin typeface="Roboto Mono Light" pitchFamily="2" charset="0"/>
+              </a:rPr>
+              <a:t>Linux </a:t>
+            </a:r>
+            <a:r>
+              <a:rPr lang="zh-CN" altLang="en-US" sz="2400" dirty="0">
+                <a:latin typeface="Roboto Mono Light" pitchFamily="2" charset="0"/>
+              </a:rPr>
+              <a:t>挂载多个文件系统后将出现 </a:t>
+            </a:r>
+            <a:r>
+              <a:rPr lang="en-US" altLang="zh-CN" sz="2400" dirty="0" err="1">
+                <a:latin typeface="Roboto Mono Light" pitchFamily="2" charset="0"/>
+              </a:rPr>
+              <a:t>inode</a:t>
+            </a:r>
+            <a:r>
+              <a:rPr lang="en-US" altLang="zh-CN" sz="2400" dirty="0">
+                <a:latin typeface="Roboto Mono Light" pitchFamily="2" charset="0"/>
+              </a:rPr>
+              <a:t> </a:t>
+            </a:r>
+            <a:r>
+              <a:rPr lang="zh-CN" altLang="en-US" sz="2400" dirty="0">
+                <a:latin typeface="Roboto Mono Light" pitchFamily="2" charset="0"/>
+              </a:rPr>
+              <a:t>号重复的现象。所以</a:t>
+            </a:r>
+            <a:r>
+              <a:rPr lang="zh-CN" altLang="en-US" sz="2400" dirty="0">
+                <a:solidFill>
+                  <a:srgbClr val="C00000"/>
+                </a:solidFill>
+                <a:latin typeface="Roboto Mono Light" pitchFamily="2" charset="0"/>
+              </a:rPr>
+              <a:t>创建硬链接不能跨文件系统也不能跨分区</a:t>
+            </a:r>
+            <a:r>
+              <a:rPr lang="zh-CN" altLang="en-US" sz="2400" dirty="0">
+                <a:latin typeface="Roboto Mono Light" pitchFamily="2" charset="0"/>
+              </a:rPr>
+              <a:t>。</a:t>
+            </a:r>
+            <a:endParaRPr lang="en-US" altLang="zh-CN" sz="2400" dirty="0">
+              <a:latin typeface="Roboto Mono Light" pitchFamily="2" charset="0"/>
+            </a:endParaRPr>
+          </a:p>
+          <a:p>
+            <a:endParaRPr lang="en-US" altLang="zh-CN" sz="2000" dirty="0">
+              <a:latin typeface="Roboto Mono Light" pitchFamily="2" charset="0"/>
+            </a:endParaRPr>
+          </a:p>
+        </p:txBody>
+      </p:sp>
+    </p:spTree>
+    <p:extLst>
+      <p:ext uri="{BB962C8B-B14F-4D97-AF65-F5344CB8AC3E}">
+        <p14:creationId xmlns:p14="http://schemas.microsoft.com/office/powerpoint/2010/main" val="2532742619"/>
+      </p:ext>
+    </p:extLst>
+  </p:cSld>
+  <p:clrMapOvr>
+    <a:masterClrMapping/>
+  </p:clrMapOvr>
+</p:sld>
+</file>
+
+<file path=ppt/slides/slide13.xml><?xml version="1.0" encoding="utf-8"?>
+<p:sld xmlns:a="http://schemas.openxmlformats.org/drawingml/2006/main" xmlns:r="http://schemas.openxmlformats.org/officeDocument/2006/relationships" xmlns:p="http://schemas.openxmlformats.org/presentationml/2006/main">
+  <p:cSld>
+    <p:spTree>
+      <p:nvGrpSpPr>
+        <p:cNvPr id="1" name=""/>
+        <p:cNvGrpSpPr/>
+        <p:nvPr/>
+      </p:nvGrpSpPr>
+      <p:grpSpPr>
+        <a:xfrm>
+          <a:off x="0" y="0"/>
+          <a:ext cx="0" cy="0"/>
+          <a:chOff x="0" y="0"/>
+          <a:chExt cx="0" cy="0"/>
+        </a:xfrm>
+      </p:grpSpPr>
+      <p:sp>
+        <p:nvSpPr>
+          <p:cNvPr id="2" name="标题 1">
+            <a:extLst>
+              <a:ext uri="{FF2B5EF4-FFF2-40B4-BE49-F238E27FC236}">
+                <a16:creationId xmlns:a16="http://schemas.microsoft.com/office/drawing/2014/main" id="{8B88BACC-24DE-4087-9AB3-A099CF573089}"/>
+              </a:ext>
+            </a:extLst>
+          </p:cNvPr>
+          <p:cNvSpPr>
+            <a:spLocks noGrp="1"/>
+          </p:cNvSpPr>
+          <p:nvPr>
+            <p:ph type="title"/>
+          </p:nvPr>
+        </p:nvSpPr>
+        <p:spPr/>
+        <p:txBody>
+          <a:bodyPr/>
+          <a:lstStyle/>
+          <a:p>
+            <a:r>
+              <a:rPr lang="zh-CN" altLang="en-US" dirty="0"/>
+              <a:t>软链接</a:t>
+            </a:r>
+            <a:r>
+              <a:rPr lang="en-US" altLang="zh-CN" dirty="0"/>
+              <a:t>/</a:t>
+            </a:r>
+            <a:r>
+              <a:rPr lang="zh-CN" altLang="en-US" dirty="0"/>
+              <a:t>符号链接（</a:t>
+            </a:r>
+            <a:r>
+              <a:rPr lang="en-US" altLang="zh-CN" dirty="0"/>
+              <a:t>soft link / symbolic link</a:t>
+            </a:r>
+            <a:r>
+              <a:rPr lang="zh-CN" altLang="en-US" dirty="0"/>
+              <a:t>）</a:t>
+            </a:r>
+          </a:p>
+        </p:txBody>
+      </p:sp>
+      <p:sp>
+        <p:nvSpPr>
+          <p:cNvPr id="3" name="内容占位符 2">
+            <a:extLst>
+              <a:ext uri="{FF2B5EF4-FFF2-40B4-BE49-F238E27FC236}">
+                <a16:creationId xmlns:a16="http://schemas.microsoft.com/office/drawing/2014/main" id="{0A1C6B17-780B-4799-8193-E52FD817AC0E}"/>
+              </a:ext>
+            </a:extLst>
+          </p:cNvPr>
+          <p:cNvSpPr>
+            <a:spLocks noGrp="1"/>
+          </p:cNvSpPr>
+          <p:nvPr>
+            <p:ph idx="1"/>
+          </p:nvPr>
+        </p:nvSpPr>
+        <p:spPr/>
+        <p:txBody>
+          <a:bodyPr>
+            <a:normAutofit lnSpcReduction="10000"/>
+          </a:bodyPr>
+          <a:lstStyle/>
+          <a:p>
+            <a:r>
+              <a:rPr lang="zh-CN" altLang="en-US" sz="2400" dirty="0">
+                <a:latin typeface="Roboto Mono Light" pitchFamily="2" charset="0"/>
+              </a:rPr>
               <a:t>符号链接类似于</a:t>
             </a:r>
             <a:r>
-              <a:rPr lang="en-US" altLang="zh-CN" sz="2000" dirty="0"/>
+              <a:rPr lang="en-US" altLang="zh-CN" sz="2400" dirty="0">
+                <a:latin typeface="Roboto Mono Light" pitchFamily="2" charset="0"/>
+              </a:rPr>
               <a:t>Windows</a:t>
             </a:r>
             <a:r>
-              <a:rPr lang="zh-CN" altLang="en-US" sz="2000" dirty="0"/>
+              <a:rPr lang="zh-CN" altLang="en-US" sz="2400" dirty="0">
+                <a:latin typeface="Roboto Mono Light" pitchFamily="2" charset="0"/>
+              </a:rPr>
               <a:t>上的快捷方式。</a:t>
             </a:r>
-            <a:endParaRPr lang="en-US" altLang="zh-CN" sz="2000" dirty="0"/>
-          </a:p>
-          <a:p>
-            <a:r>
-              <a:rPr lang="en-US" altLang="zh-CN" sz="2000" dirty="0"/>
-              <a:t>ln  –s  [TARGET]  [LINK NAME]</a:t>
-            </a:r>
-            <a:r>
-              <a:rPr lang="zh-CN" altLang="en-US" sz="2000" dirty="0"/>
+            <a:endParaRPr lang="en-US" altLang="zh-CN" sz="2400" dirty="0">
+              <a:latin typeface="Roboto Mono Light" pitchFamily="2" charset="0"/>
+            </a:endParaRPr>
+          </a:p>
+          <a:p>
+            <a:r>
+              <a:rPr lang="en-US" altLang="zh-CN" sz="2400">
+                <a:latin typeface="Roboto Mono Light" pitchFamily="2" charset="0"/>
+              </a:rPr>
+              <a:t>ln –s [</a:t>
+            </a:r>
+            <a:r>
+              <a:rPr lang="en-US" altLang="zh-CN" sz="2400" dirty="0">
+                <a:latin typeface="Roboto Mono Light" pitchFamily="2" charset="0"/>
+              </a:rPr>
+              <a:t>TARGET</a:t>
+            </a:r>
+            <a:r>
+              <a:rPr lang="en-US" altLang="zh-CN" sz="2400">
+                <a:latin typeface="Roboto Mono Light" pitchFamily="2" charset="0"/>
+              </a:rPr>
+              <a:t>] [</a:t>
+            </a:r>
+            <a:r>
+              <a:rPr lang="en-US" altLang="zh-CN" sz="2400" dirty="0">
+                <a:latin typeface="Roboto Mono Light" pitchFamily="2" charset="0"/>
+              </a:rPr>
+              <a:t>LINK NAME]</a:t>
+            </a:r>
+            <a:r>
+              <a:rPr lang="zh-CN" altLang="en-US" sz="2400" dirty="0">
+                <a:latin typeface="Roboto Mono Light" pitchFamily="2" charset="0"/>
+              </a:rPr>
               <a:t>。用</a:t>
             </a:r>
             <a:r>
-              <a:rPr lang="en-US" altLang="zh-CN" sz="2000" dirty="0"/>
+              <a:rPr lang="en-US" altLang="zh-CN" sz="2400" dirty="0">
+                <a:latin typeface="Roboto Mono Light" pitchFamily="2" charset="0"/>
+              </a:rPr>
               <a:t>ln -s</a:t>
             </a:r>
             <a:r>
-              <a:rPr lang="zh-CN" altLang="en-US" sz="2000" dirty="0"/>
+              <a:rPr lang="zh-CN" altLang="en-US" sz="2400" dirty="0">
+                <a:latin typeface="Roboto Mono Light" pitchFamily="2" charset="0"/>
+              </a:rPr>
               <a:t>命令建立符号连接时，</a:t>
             </a:r>
             <a:r>
-              <a:rPr lang="en-US" altLang="zh-CN" sz="2000" dirty="0"/>
+              <a:rPr lang="en-US" altLang="zh-CN" sz="2400" dirty="0">
+                <a:latin typeface="Roboto Mono Light" pitchFamily="2" charset="0"/>
+              </a:rPr>
               <a:t>TARGET</a:t>
             </a:r>
             <a:r>
-              <a:rPr lang="zh-CN" altLang="en-US" sz="2000" dirty="0"/>
-              <a:t>最好用绝对路径。</a:t>
-            </a:r>
-            <a:endParaRPr lang="en-US" altLang="zh-CN" sz="2000" dirty="0"/>
-          </a:p>
-          <a:p>
-            <a:endParaRPr lang="en-US" altLang="zh-CN" sz="2000" dirty="0"/>
-          </a:p>
-          <a:p>
-            <a:r>
-              <a:rPr lang="zh-CN" altLang="en-US" sz="2000" dirty="0"/>
+              <a:rPr lang="zh-CN" altLang="en-US" sz="2400" dirty="0">
+                <a:latin typeface="Roboto Mono Light" pitchFamily="2" charset="0"/>
+              </a:rPr>
+              <a:t>最好用绝对</a:t>
+            </a:r>
+            <a:r>
+              <a:rPr lang="zh-CN" altLang="en-US" sz="2400">
+                <a:latin typeface="Roboto Mono Light" pitchFamily="2" charset="0"/>
+              </a:rPr>
+              <a:t>路径。</a:t>
+            </a:r>
+            <a:endParaRPr lang="en-US" altLang="zh-CN" sz="2400" dirty="0">
+              <a:latin typeface="Roboto Mono Light" pitchFamily="2" charset="0"/>
+            </a:endParaRPr>
+          </a:p>
+          <a:p>
+            <a:r>
+              <a:rPr lang="zh-CN" altLang="en-US" sz="2400" dirty="0">
+                <a:latin typeface="Roboto Mono Light" pitchFamily="2" charset="0"/>
+              </a:rPr>
               <a:t>示例：</a:t>
             </a:r>
             <a:r>
-              <a:rPr lang="en-US" altLang="zh-CN" sz="2000" dirty="0"/>
-              <a:t>ln  -s  /bin/date  $HOME/bin/t</a:t>
-            </a:r>
-            <a:r>
-              <a:rPr lang="zh-CN" altLang="en-US" sz="2000" dirty="0"/>
+              <a:rPr lang="en-US" altLang="zh-CN" sz="2400">
+                <a:latin typeface="Roboto Mono Light" pitchFamily="2" charset="0"/>
+              </a:rPr>
+              <a:t>ln -s /</a:t>
+            </a:r>
+            <a:r>
+              <a:rPr lang="en-US" altLang="zh-CN" sz="2400" dirty="0">
+                <a:latin typeface="Roboto Mono Light" pitchFamily="2" charset="0"/>
+              </a:rPr>
+              <a:t>bin/</a:t>
+            </a:r>
+            <a:r>
+              <a:rPr lang="en-US" altLang="zh-CN" sz="2400">
+                <a:latin typeface="Roboto Mono Light" pitchFamily="2" charset="0"/>
+              </a:rPr>
+              <a:t>date $</a:t>
+            </a:r>
+            <a:r>
+              <a:rPr lang="en-US" altLang="zh-CN" sz="2400" dirty="0">
+                <a:latin typeface="Roboto Mono Light" pitchFamily="2" charset="0"/>
+              </a:rPr>
+              <a:t>HOME/bin/t</a:t>
+            </a:r>
+            <a:r>
+              <a:rPr lang="zh-CN" altLang="en-US" sz="2400" dirty="0">
+                <a:latin typeface="Roboto Mono Light" pitchFamily="2" charset="0"/>
+              </a:rPr>
               <a:t>。在主目录下的</a:t>
             </a:r>
             <a:r>
-              <a:rPr lang="en-US" altLang="zh-CN" sz="2000" dirty="0"/>
+              <a:rPr lang="en-US" altLang="zh-CN" sz="2400" dirty="0">
+                <a:latin typeface="Roboto Mono Light" pitchFamily="2" charset="0"/>
+              </a:rPr>
               <a:t>bin</a:t>
             </a:r>
             <a:r>
-              <a:rPr lang="zh-CN" altLang="en-US" sz="2000" dirty="0"/>
+              <a:rPr lang="zh-CN" altLang="en-US" sz="2400" dirty="0">
+                <a:latin typeface="Roboto Mono Light" pitchFamily="2" charset="0"/>
+              </a:rPr>
               <a:t>目录创建符号链接</a:t>
             </a:r>
             <a:r>
-              <a:rPr lang="en-US" altLang="zh-CN" sz="2000" dirty="0"/>
+              <a:rPr lang="en-US" altLang="zh-CN" sz="2400" dirty="0">
+                <a:latin typeface="Roboto Mono Light" pitchFamily="2" charset="0"/>
+              </a:rPr>
               <a:t>t</a:t>
             </a:r>
             <a:r>
-              <a:rPr lang="zh-CN" altLang="en-US" sz="2000" dirty="0"/>
+              <a:rPr lang="zh-CN" altLang="en-US" sz="2400" dirty="0">
+                <a:latin typeface="Roboto Mono Light" pitchFamily="2" charset="0"/>
+              </a:rPr>
               <a:t>指向</a:t>
             </a:r>
             <a:r>
-              <a:rPr lang="en-US" altLang="zh-CN" sz="2000" dirty="0"/>
+              <a:rPr lang="en-US" altLang="zh-CN" sz="2400" dirty="0">
+                <a:latin typeface="Roboto Mono Light" pitchFamily="2" charset="0"/>
+              </a:rPr>
               <a:t>/bin/date</a:t>
             </a:r>
             <a:r>
-              <a:rPr lang="zh-CN" altLang="en-US" sz="2000" dirty="0"/>
+              <a:rPr lang="zh-CN" altLang="en-US" sz="2400" dirty="0">
+                <a:latin typeface="Roboto Mono Light" pitchFamily="2" charset="0"/>
+              </a:rPr>
               <a:t>。</a:t>
             </a:r>
-            <a:endParaRPr lang="en-US" altLang="zh-CN" sz="2000" dirty="0"/>
-          </a:p>
-          <a:p>
-            <a:endParaRPr lang="en-US" altLang="zh-CN" sz="2000" dirty="0"/>
-          </a:p>
-          <a:p>
-            <a:r>
-              <a:rPr lang="zh-CN" altLang="en-US" sz="2000" dirty="0"/>
-              <a:t>创建符号链接就会创建一个文件，此文件记录的是另一个文件的路径。删除源文件或目录，只删除了数据，不会删除软链接。一旦以同样文件名创建了源文件，连接将继续指向该文件的新数据。</a:t>
-            </a:r>
-            <a:endParaRPr lang="en-US" altLang="zh-CN" sz="2000" dirty="0"/>
-          </a:p>
-          <a:p>
-            <a:endParaRPr lang="en-US" altLang="zh-CN" sz="2000" dirty="0"/>
-          </a:p>
-          <a:p>
-            <a:r>
-              <a:rPr lang="zh-CN" altLang="en-US" sz="2000" dirty="0"/>
-              <a:t>符号链接的大小是其指向文件名称的字节数。</a:t>
-            </a:r>
-            <a:endParaRPr lang="en-US" altLang="zh-CN" sz="2000" dirty="0"/>
-          </a:p>
-          <a:p>
-            <a:pPr marL="0" indent="0">
-              <a:buNone/>
-            </a:pPr>
-            <a:endParaRPr lang="en-US" altLang="zh-CN" sz="2000" dirty="0"/>
-          </a:p>
-          <a:p>
-            <a:r>
-              <a:rPr lang="zh-CN" altLang="en-US" sz="2000" dirty="0"/>
+            <a:endParaRPr lang="en-US" altLang="zh-CN" sz="2400" dirty="0">
+              <a:latin typeface="Roboto Mono Light" pitchFamily="2" charset="0"/>
+            </a:endParaRPr>
+          </a:p>
+          <a:p>
+            <a:endParaRPr lang="en-US" altLang="zh-CN" sz="2400" dirty="0">
+              <a:latin typeface="Roboto Mono Light" pitchFamily="2" charset="0"/>
+            </a:endParaRPr>
+          </a:p>
+          <a:p>
+            <a:r>
+              <a:rPr lang="zh-CN" altLang="en-US" sz="2400" dirty="0">
+                <a:solidFill>
+                  <a:srgbClr val="C00000"/>
+                </a:solidFill>
+                <a:latin typeface="Roboto Mono Light" pitchFamily="2" charset="0"/>
+              </a:rPr>
+              <a:t>创建符号链接就会创建一个文件，此文件记录的是另一个文件的路径。</a:t>
+            </a:r>
+            <a:r>
+              <a:rPr lang="zh-CN" altLang="en-US" sz="2400" dirty="0">
+                <a:latin typeface="Roboto Mono Light" pitchFamily="2" charset="0"/>
+              </a:rPr>
+              <a:t>删除源文件或目录，只删除了数据，</a:t>
+            </a:r>
+            <a:r>
+              <a:rPr lang="zh-CN" altLang="en-US" sz="2400" dirty="0">
+                <a:solidFill>
+                  <a:srgbClr val="C00000"/>
+                </a:solidFill>
+                <a:latin typeface="Roboto Mono Light" pitchFamily="2" charset="0"/>
+              </a:rPr>
+              <a:t>不会删除软链接。</a:t>
+            </a:r>
+            <a:r>
+              <a:rPr lang="zh-CN" altLang="en-US" sz="2400" dirty="0">
+                <a:latin typeface="Roboto Mono Light" pitchFamily="2" charset="0"/>
+              </a:rPr>
+              <a:t>一旦以同样文件名创建了源文件，连接将继续指向</a:t>
+            </a:r>
+            <a:r>
+              <a:rPr lang="zh-CN" altLang="en-US" sz="2400">
+                <a:latin typeface="Roboto Mono Light" pitchFamily="2" charset="0"/>
+              </a:rPr>
+              <a:t>该文件。</a:t>
+            </a:r>
+            <a:endParaRPr lang="en-US" altLang="zh-CN" sz="2400" dirty="0">
+              <a:latin typeface="Roboto Mono Light" pitchFamily="2" charset="0"/>
+            </a:endParaRPr>
+          </a:p>
+          <a:p>
+            <a:endParaRPr lang="en-US" altLang="zh-CN" sz="2400" dirty="0">
+              <a:latin typeface="Roboto Mono Light" pitchFamily="2" charset="0"/>
+            </a:endParaRPr>
+          </a:p>
+          <a:p>
+            <a:r>
+              <a:rPr lang="zh-CN" altLang="en-US" sz="2400" dirty="0">
+                <a:latin typeface="Roboto Mono Light" pitchFamily="2" charset="0"/>
+              </a:rPr>
+              <a:t>符号链接的大小是其指向文件名称的字节</a:t>
+            </a:r>
+            <a:r>
+              <a:rPr lang="zh-CN" altLang="en-US" sz="2400">
+                <a:latin typeface="Roboto Mono Light" pitchFamily="2" charset="0"/>
+              </a:rPr>
+              <a:t>数。</a:t>
+            </a:r>
+            <a:endParaRPr lang="en-US" altLang="zh-CN" sz="2400" dirty="0">
+              <a:latin typeface="Roboto Mono Light" pitchFamily="2" charset="0"/>
+            </a:endParaRPr>
+          </a:p>
+          <a:p>
+            <a:r>
+              <a:rPr lang="zh-CN" altLang="en-US" sz="2400" dirty="0">
+                <a:latin typeface="Roboto Mono Light" pitchFamily="2" charset="0"/>
+              </a:rPr>
               <a:t>符号链接可以跨分区跨文件系统，在实际使用中，符号链接很普遍。</a:t>
             </a:r>
-            <a:endParaRPr lang="en-US" altLang="zh-CN" sz="2000" dirty="0"/>
+            <a:endParaRPr lang="en-US" altLang="zh-CN" sz="2400" dirty="0">
+              <a:latin typeface="Roboto Mono Light" pitchFamily="2" charset="0"/>
+            </a:endParaRPr>
           </a:p>
         </p:txBody>
       </p:sp>
@@ -8395,6 +9091,233 @@
     <p:extLst>
       <p:ext uri="{BB962C8B-B14F-4D97-AF65-F5344CB8AC3E}">
         <p14:creationId xmlns:p14="http://schemas.microsoft.com/office/powerpoint/2010/main" val="3646439135"/>
+      </p:ext>
+    </p:extLst>
+  </p:cSld>
+  <p:clrMapOvr>
+    <a:masterClrMapping/>
+  </p:clrMapOvr>
+</p:sld>
+</file>
+
+<file path=ppt/slides/slide14.xml><?xml version="1.0" encoding="utf-8"?>
+<p:sld xmlns:a="http://schemas.openxmlformats.org/drawingml/2006/main" xmlns:r="http://schemas.openxmlformats.org/officeDocument/2006/relationships" xmlns:p="http://schemas.openxmlformats.org/presentationml/2006/main">
+  <p:cSld>
+    <p:spTree>
+      <p:nvGrpSpPr>
+        <p:cNvPr id="1" name=""/>
+        <p:cNvGrpSpPr/>
+        <p:nvPr/>
+      </p:nvGrpSpPr>
+      <p:grpSpPr>
+        <a:xfrm>
+          <a:off x="0" y="0"/>
+          <a:ext cx="0" cy="0"/>
+          <a:chOff x="0" y="0"/>
+          <a:chExt cx="0" cy="0"/>
+        </a:xfrm>
+      </p:grpSpPr>
+      <p:sp>
+        <p:nvSpPr>
+          <p:cNvPr id="2" name="标题 1">
+            <a:extLst>
+              <a:ext uri="{FF2B5EF4-FFF2-40B4-BE49-F238E27FC236}">
+                <a16:creationId xmlns:a16="http://schemas.microsoft.com/office/drawing/2014/main" id="{8B88BACC-24DE-4087-9AB3-A099CF573089}"/>
+              </a:ext>
+            </a:extLst>
+          </p:cNvPr>
+          <p:cNvSpPr>
+            <a:spLocks noGrp="1"/>
+          </p:cNvSpPr>
+          <p:nvPr>
+            <p:ph type="title"/>
+          </p:nvPr>
+        </p:nvSpPr>
+        <p:spPr/>
+        <p:txBody>
+          <a:bodyPr/>
+          <a:lstStyle/>
+          <a:p>
+            <a:r>
+              <a:rPr lang="zh-CN" altLang="en-US"/>
+              <a:t>本节课任务</a:t>
+            </a:r>
+            <a:endParaRPr lang="zh-CN" altLang="en-US" dirty="0"/>
+          </a:p>
+        </p:txBody>
+      </p:sp>
+      <p:sp>
+        <p:nvSpPr>
+          <p:cNvPr id="3" name="内容占位符 2">
+            <a:extLst>
+              <a:ext uri="{FF2B5EF4-FFF2-40B4-BE49-F238E27FC236}">
+                <a16:creationId xmlns:a16="http://schemas.microsoft.com/office/drawing/2014/main" id="{0A1C6B17-780B-4799-8193-E52FD817AC0E}"/>
+              </a:ext>
+            </a:extLst>
+          </p:cNvPr>
+          <p:cNvSpPr>
+            <a:spLocks noGrp="1"/>
+          </p:cNvSpPr>
+          <p:nvPr>
+            <p:ph idx="1"/>
+          </p:nvPr>
+        </p:nvSpPr>
+        <p:spPr/>
+        <p:txBody>
+          <a:bodyPr>
+            <a:normAutofit/>
+          </a:bodyPr>
+          <a:lstStyle/>
+          <a:p>
+            <a:r>
+              <a:rPr lang="zh-CN" altLang="en-US" sz="2400"/>
+              <a:t>在当前用户主目录创建目录：</a:t>
+            </a:r>
+            <a:r>
+              <a:rPr lang="en-US" altLang="zh-CN" sz="2400"/>
+              <a:t>stu</a:t>
+            </a:r>
+          </a:p>
+          <a:p>
+            <a:r>
+              <a:rPr lang="zh-CN" altLang="en-US" sz="2400"/>
+              <a:t>使用</a:t>
+            </a:r>
+            <a:r>
+              <a:rPr lang="en-US" altLang="zh-CN" sz="2400"/>
+              <a:t>vim</a:t>
+            </a:r>
+            <a:r>
+              <a:rPr lang="zh-CN" altLang="en-US" sz="2400"/>
+              <a:t>创建文件 </a:t>
+            </a:r>
+            <a:r>
+              <a:rPr lang="en-US" altLang="zh-CN" sz="2400"/>
+              <a:t>stu/a.sh</a:t>
+            </a:r>
+            <a:r>
+              <a:rPr lang="zh-CN" altLang="en-US" sz="2400"/>
+              <a:t>，并写入以下内容：</a:t>
+            </a:r>
+            <a:endParaRPr lang="en-US" altLang="zh-CN" sz="2400"/>
+          </a:p>
+          <a:p>
+            <a:pPr marL="457200" lvl="1" indent="0">
+              <a:buNone/>
+            </a:pPr>
+            <a:r>
+              <a:rPr lang="en-US" altLang="zh-CN" sz="2000">
+                <a:latin typeface="Roboto Mono Light" pitchFamily="2" charset="0"/>
+              </a:rPr>
+              <a:t>#!/bin/bash</a:t>
+            </a:r>
+          </a:p>
+          <a:p>
+            <a:pPr marL="457200" lvl="1" indent="0">
+              <a:buNone/>
+            </a:pPr>
+            <a:r>
+              <a:rPr lang="en-US" altLang="zh-CN" sz="2000">
+                <a:latin typeface="Roboto Mono Light" pitchFamily="2" charset="0"/>
+              </a:rPr>
+              <a:t>echo ‘Hello, this is my first shell program’</a:t>
+            </a:r>
+          </a:p>
+          <a:p>
+            <a:pPr marL="457200" lvl="1" indent="0">
+              <a:buNone/>
+            </a:pPr>
+            <a:r>
+              <a:rPr lang="en-US" altLang="zh-CN" sz="2000">
+                <a:latin typeface="Roboto Mono Light" pitchFamily="2" charset="0"/>
+              </a:rPr>
+              <a:t>echo ‘Your system info:’</a:t>
+            </a:r>
+          </a:p>
+          <a:p>
+            <a:pPr marL="457200" lvl="1" indent="0">
+              <a:buNone/>
+            </a:pPr>
+            <a:r>
+              <a:rPr lang="en-US" altLang="zh-CN" sz="2000">
+                <a:latin typeface="Roboto Mono Light" pitchFamily="2" charset="0"/>
+              </a:rPr>
+              <a:t>uname -a</a:t>
+            </a:r>
+          </a:p>
+          <a:p>
+            <a:r>
+              <a:rPr lang="zh-CN" altLang="en-US" sz="2400"/>
+              <a:t>给</a:t>
+            </a:r>
+            <a:r>
+              <a:rPr lang="en-US" altLang="zh-CN" sz="2400"/>
+              <a:t>stu/a.sh</a:t>
+            </a:r>
+            <a:r>
+              <a:rPr lang="zh-CN" altLang="en-US" sz="2400"/>
+              <a:t>文件加入可执行权限，并运行</a:t>
+            </a:r>
+            <a:r>
+              <a:rPr lang="en-US" altLang="zh-CN" sz="2400"/>
+              <a:t>stu/a.sh</a:t>
+            </a:r>
+          </a:p>
+          <a:p>
+            <a:r>
+              <a:rPr lang="zh-CN" altLang="en-US" sz="2400"/>
+              <a:t>用户主目录创建</a:t>
+            </a:r>
+            <a:r>
+              <a:rPr lang="en-US" altLang="zh-CN" sz="2400"/>
+              <a:t>bin</a:t>
+            </a:r>
+          </a:p>
+          <a:p>
+            <a:r>
+              <a:rPr lang="zh-CN" altLang="en-US" sz="2400"/>
+              <a:t>对</a:t>
+            </a:r>
+            <a:r>
+              <a:rPr lang="en-US" altLang="zh-CN" sz="2400"/>
+              <a:t>stu/a.sh</a:t>
+            </a:r>
+            <a:r>
+              <a:rPr lang="zh-CN" altLang="en-US" sz="2400"/>
+              <a:t>创建符号链接：</a:t>
+            </a:r>
+            <a:r>
+              <a:rPr lang="en-US" altLang="zh-CN" sz="2400"/>
+              <a:t>bin/fi</a:t>
+            </a:r>
+          </a:p>
+          <a:p>
+            <a:r>
+              <a:rPr lang="zh-CN" altLang="en-US" sz="2400"/>
+              <a:t>运行 </a:t>
+            </a:r>
+            <a:r>
+              <a:rPr lang="en-US" altLang="zh-CN" sz="2400"/>
+              <a:t>source  .profile</a:t>
+            </a:r>
+          </a:p>
+          <a:p>
+            <a:r>
+              <a:rPr lang="zh-CN" altLang="en-US" sz="2400"/>
+              <a:t>运行</a:t>
+            </a:r>
+            <a:r>
+              <a:rPr lang="en-US" altLang="zh-CN" sz="2400"/>
+              <a:t>fi  </a:t>
+            </a:r>
+            <a:endParaRPr lang="en-US" altLang="zh-CN" sz="2400" dirty="0"/>
+          </a:p>
+        </p:txBody>
+      </p:sp>
+    </p:spTree>
+    <p:extLst>
+      <p:ext uri="{BB962C8B-B14F-4D97-AF65-F5344CB8AC3E}">
+        <p14:creationId xmlns:p14="http://schemas.microsoft.com/office/powerpoint/2010/main" val="2004039917"/>
       </p:ext>
     </p:extLst>
   </p:cSld>
@@ -8476,18 +9399,54 @@
               </a:lnSpc>
             </a:pPr>
             <a:r>
-              <a:rPr lang="zh-CN" altLang="en-US" sz="2000" dirty="0"/>
+              <a:rPr lang="zh-CN" altLang="en-US" sz="2400" dirty="0">
+                <a:solidFill>
+                  <a:srgbClr val="C00000"/>
+                </a:solidFill>
+              </a:rPr>
               <a:t>在</a:t>
             </a:r>
             <a:r>
-              <a:rPr lang="en-US" altLang="zh-CN" sz="2000" dirty="0"/>
+              <a:rPr lang="en-US" altLang="zh-CN" sz="2400" dirty="0">
+                <a:solidFill>
+                  <a:srgbClr val="C00000"/>
+                </a:solidFill>
+              </a:rPr>
               <a:t>Linux</a:t>
             </a:r>
             <a:r>
-              <a:rPr lang="zh-CN" altLang="en-US" sz="2000" dirty="0"/>
-              <a:t>上，一切皆是文件。</a:t>
-            </a:r>
-            <a:endParaRPr lang="en-US" altLang="zh-CN" sz="2000" dirty="0"/>
+              <a:rPr lang="zh-CN" altLang="en-US" sz="2400" dirty="0">
+                <a:solidFill>
+                  <a:srgbClr val="C00000"/>
+                </a:solidFill>
+              </a:rPr>
+              <a:t>上，一切皆是</a:t>
+            </a:r>
+            <a:r>
+              <a:rPr lang="zh-CN" altLang="en-US" sz="2400">
+                <a:solidFill>
+                  <a:srgbClr val="C00000"/>
+                </a:solidFill>
+              </a:rPr>
+              <a:t>文件。</a:t>
+            </a:r>
+            <a:r>
+              <a:rPr lang="zh-CN" altLang="en-US" sz="2400"/>
+              <a:t>外</a:t>
+            </a:r>
+            <a:r>
+              <a:rPr lang="zh-CN" altLang="en-US" sz="2400" dirty="0"/>
+              <a:t>接设备也会被映射为文件，在</a:t>
+            </a:r>
+            <a:r>
+              <a:rPr lang="en-US" altLang="zh-CN" sz="2400" dirty="0"/>
+              <a:t>/dev</a:t>
+            </a:r>
+            <a:r>
+              <a:rPr lang="zh-CN" altLang="en-US" sz="2400" dirty="0"/>
+              <a:t>目录下。</a:t>
+            </a:r>
+            <a:endParaRPr lang="en-US" altLang="zh-CN" sz="2400" dirty="0"/>
           </a:p>
           <a:p>
             <a:pPr>
@@ -8495,7 +9454,7 @@
                 <a:spcPct val="100000"/>
               </a:lnSpc>
             </a:pPr>
-            <a:endParaRPr lang="en-US" altLang="zh-CN" sz="2000" dirty="0"/>
+            <a:endParaRPr lang="en-US" altLang="zh-CN" sz="2400" dirty="0"/>
           </a:p>
           <a:p>
             <a:pPr>
@@ -8504,18 +9463,19 @@
               </a:lnSpc>
             </a:pPr>
             <a:r>
-              <a:rPr lang="zh-CN" altLang="en-US" sz="2000" dirty="0"/>
-              <a:t>外接设备也会被映射为文件，在</a:t>
-            </a:r>
-            <a:r>
-              <a:rPr lang="en-US" altLang="zh-CN" sz="2000" dirty="0"/>
-              <a:t>/dev</a:t>
-            </a:r>
-            <a:r>
-              <a:rPr lang="zh-CN" altLang="en-US" sz="2000" dirty="0"/>
-              <a:t>目录下。</a:t>
-            </a:r>
-            <a:endParaRPr lang="en-US" altLang="zh-CN" sz="2000" dirty="0"/>
+              <a:rPr lang="zh-CN" altLang="en-US" sz="2400" dirty="0"/>
+              <a:t>目录也是文件，一种特殊的文件，记录的是其他文件的信息。</a:t>
+            </a:r>
+            <a:endParaRPr lang="en-US" altLang="zh-CN" sz="2400" dirty="0"/>
+          </a:p>
+          <a:p>
+            <a:pPr marL="0" indent="0">
+              <a:lnSpc>
+                <a:spcPct val="100000"/>
+              </a:lnSpc>
+              <a:buNone/>
+            </a:pPr>
+            <a:endParaRPr lang="en-US" altLang="zh-CN" sz="2400" dirty="0"/>
           </a:p>
           <a:p>
             <a:pPr>
@@ -8523,7 +9483,19 @@
                 <a:spcPct val="100000"/>
               </a:lnSpc>
             </a:pPr>
-            <a:endParaRPr lang="en-US" altLang="zh-CN" sz="2000" dirty="0"/>
+            <a:r>
+              <a:rPr lang="zh-CN" altLang="en-US" sz="2400" dirty="0"/>
+              <a:t>这是从</a:t>
+            </a:r>
+            <a:r>
+              <a:rPr lang="en-US" altLang="zh-CN" sz="2400" dirty="0"/>
+              <a:t>Unix</a:t>
+            </a:r>
+            <a:r>
+              <a:rPr lang="zh-CN" altLang="en-US" sz="2400" dirty="0"/>
+              <a:t>继承过来的思想，具有统一性的设计理念，对开发以及平常使用都具备统一的操作方式。</a:t>
+            </a:r>
+            <a:endParaRPr lang="en-US" altLang="zh-CN" sz="2400" dirty="0"/>
           </a:p>
           <a:p>
             <a:pPr>
@@ -8531,20 +9503,7 @@
                 <a:spcPct val="100000"/>
               </a:lnSpc>
             </a:pPr>
-            <a:r>
-              <a:rPr lang="zh-CN" altLang="en-US" sz="2000" dirty="0"/>
-              <a:t>目录也是文件，一种特殊的文件，记录的是其他文件的信息。</a:t>
-            </a:r>
-            <a:endParaRPr lang="en-US" altLang="zh-CN" sz="2000" dirty="0"/>
-          </a:p>
-          <a:p>
-            <a:pPr marL="0" indent="0">
-              <a:lnSpc>
-                <a:spcPct val="100000"/>
-              </a:lnSpc>
-              <a:buNone/>
-            </a:pPr>
-            <a:endParaRPr lang="en-US" altLang="zh-CN" sz="2000" dirty="0"/>
+            <a:endParaRPr lang="en-US" altLang="zh-CN" sz="2400" dirty="0"/>
           </a:p>
           <a:p>
             <a:pPr>
@@ -8553,58 +9512,34 @@
               </a:lnSpc>
             </a:pPr>
             <a:r>
-              <a:rPr lang="zh-CN" altLang="en-US" sz="2000" dirty="0"/>
-              <a:t>这是从</a:t>
-            </a:r>
-            <a:r>
-              <a:rPr lang="en-US" altLang="zh-CN" sz="2000" dirty="0"/>
-              <a:t>Unix</a:t>
-            </a:r>
-            <a:r>
-              <a:rPr lang="zh-CN" altLang="en-US" sz="2000" dirty="0"/>
-              <a:t>继承过来的思想，具有统一性的设计理念，对开发以及平常使用都具备统一的操作方式。</a:t>
-            </a:r>
-            <a:endParaRPr lang="en-US" altLang="zh-CN" sz="2000" dirty="0"/>
-          </a:p>
-          <a:p>
-            <a:pPr>
-              <a:lnSpc>
-                <a:spcPct val="100000"/>
-              </a:lnSpc>
-            </a:pPr>
-            <a:endParaRPr lang="en-US" altLang="zh-CN" sz="2000" dirty="0"/>
-          </a:p>
-          <a:p>
-            <a:pPr>
-              <a:lnSpc>
-                <a:spcPct val="100000"/>
-              </a:lnSpc>
-            </a:pPr>
-            <a:r>
-              <a:rPr lang="en-US" altLang="zh-CN" sz="2000" dirty="0"/>
+              <a:rPr lang="en-US" altLang="zh-CN" sz="2400" dirty="0"/>
               <a:t>Linux</a:t>
             </a:r>
             <a:r>
-              <a:rPr lang="zh-CN" altLang="en-US" sz="2000" dirty="0"/>
+              <a:rPr lang="zh-CN" altLang="en-US" sz="2400" dirty="0"/>
               <a:t>上的文件名称区分大小写，这点和</a:t>
             </a:r>
             <a:r>
-              <a:rPr lang="en-US" altLang="zh-CN" sz="2000" dirty="0"/>
+              <a:rPr lang="en-US" altLang="zh-CN" sz="2400" dirty="0"/>
               <a:t>Windows</a:t>
             </a:r>
             <a:r>
-              <a:rPr lang="zh-CN" altLang="en-US" sz="2000" dirty="0"/>
-              <a:t>不同，</a:t>
-            </a:r>
-            <a:r>
-              <a:rPr lang="en-US" altLang="zh-CN" sz="2000" dirty="0" err="1"/>
-              <a:t>WIndows</a:t>
-            </a:r>
-            <a:r>
-              <a:rPr lang="zh-CN" altLang="en-US" sz="2000"/>
+              <a:rPr lang="zh-CN" altLang="en-US" sz="2400" dirty="0"/>
+              <a:t>不同</a:t>
+            </a:r>
+            <a:r>
+              <a:rPr lang="zh-CN" altLang="en-US" sz="2400"/>
+              <a:t>，</a:t>
+            </a:r>
+            <a:r>
+              <a:rPr lang="en-US" altLang="zh-CN" sz="2400"/>
+              <a:t>Windows</a:t>
+            </a:r>
+            <a:r>
+              <a:rPr lang="zh-CN" altLang="en-US" sz="2400"/>
               <a:t>是不区分的。</a:t>
             </a:r>
-            <a:endParaRPr lang="en-US" altLang="zh-CN" sz="2000" dirty="0"/>
+            <a:endParaRPr lang="en-US" altLang="zh-CN" sz="2400" dirty="0"/>
           </a:p>
           <a:p>
             <a:pPr>
@@ -8712,172 +9647,128 @@
         </p:nvSpPr>
         <p:spPr/>
         <p:txBody>
-          <a:bodyPr/>
+          <a:bodyPr>
+            <a:normAutofit/>
+          </a:bodyPr>
           <a:lstStyle/>
           <a:p>
             <a:r>
-              <a:rPr lang="zh-CN" altLang="en-US" sz="2000" dirty="0"/>
+              <a:rPr lang="zh-CN" altLang="en-US" sz="2400" dirty="0"/>
               <a:t>磁盘被分割成块进行存储，称为扇区。一般一个扇区</a:t>
             </a:r>
             <a:r>
-              <a:rPr lang="en-US" altLang="zh-CN" sz="2000" dirty="0"/>
+              <a:rPr lang="en-US" altLang="zh-CN" sz="2400" dirty="0"/>
               <a:t>512</a:t>
             </a:r>
             <a:r>
-              <a:rPr lang="zh-CN" altLang="en-US" sz="2000" dirty="0"/>
+              <a:rPr lang="zh-CN" altLang="en-US" sz="2400" dirty="0"/>
               <a:t>字节。文件系统在此基础上把数据存储分为</a:t>
             </a:r>
             <a:r>
-              <a:rPr lang="en-US" altLang="zh-CN" sz="2000" dirty="0"/>
+              <a:rPr lang="en-US" altLang="zh-CN" sz="2400" dirty="0"/>
               <a:t>Boot block</a:t>
             </a:r>
             <a:r>
-              <a:rPr lang="zh-CN" altLang="en-US" sz="2000" dirty="0"/>
+              <a:rPr lang="zh-CN" altLang="en-US" sz="2400" dirty="0"/>
               <a:t>，</a:t>
             </a:r>
             <a:r>
-              <a:rPr lang="en-US" altLang="zh-CN" sz="2000" dirty="0"/>
+              <a:rPr lang="en-US" altLang="zh-CN" sz="2400" dirty="0"/>
               <a:t>Super block</a:t>
             </a:r>
             <a:r>
-              <a:rPr lang="zh-CN" altLang="en-US" sz="2000" dirty="0"/>
+              <a:rPr lang="zh-CN" altLang="en-US" sz="2400"/>
               <a:t>，</a:t>
             </a:r>
             <a:r>
-              <a:rPr lang="en-US" altLang="zh-CN" sz="2000" dirty="0" err="1"/>
-              <a:t>inodes</a:t>
-            </a:r>
-            <a:r>
-              <a:rPr lang="zh-CN" altLang="en-US" sz="2000" dirty="0"/>
+              <a:rPr lang="en-US" altLang="zh-CN" sz="2400"/>
+              <a:t>i-node table</a:t>
+            </a:r>
+            <a:r>
+              <a:rPr lang="zh-CN" altLang="en-US" sz="2400"/>
               <a:t>，</a:t>
             </a:r>
             <a:r>
-              <a:rPr lang="en-US" altLang="zh-CN" sz="2000" dirty="0"/>
+              <a:rPr lang="en-US" altLang="zh-CN" sz="2400" dirty="0"/>
               <a:t>Data blocks</a:t>
             </a:r>
             <a:r>
-              <a:rPr lang="zh-CN" altLang="en-US" sz="2000" dirty="0"/>
+              <a:rPr lang="zh-CN" altLang="en-US" sz="2400" dirty="0"/>
               <a:t>几个区域。实际存储数据的是</a:t>
             </a:r>
             <a:r>
-              <a:rPr lang="en-US" altLang="zh-CN" sz="2000" dirty="0"/>
+              <a:rPr lang="en-US" altLang="zh-CN" sz="2400"/>
               <a:t>Data blocks</a:t>
             </a:r>
             <a:r>
-              <a:rPr lang="zh-CN" altLang="en-US" sz="2000" dirty="0"/>
-              <a:t>，</a:t>
-            </a:r>
-            <a:r>
-              <a:rPr lang="en-US" altLang="zh-CN" sz="2000" dirty="0" err="1"/>
-              <a:t>inodes</a:t>
-            </a:r>
-            <a:r>
-              <a:rPr lang="en-US" altLang="zh-CN" sz="2000" dirty="0"/>
-              <a:t> </a:t>
-            </a:r>
-            <a:r>
-              <a:rPr lang="zh-CN" altLang="en-US" sz="2000" dirty="0"/>
-              <a:t>记录文件的类型，</a:t>
-            </a:r>
-            <a:r>
-              <a:rPr lang="en-US" altLang="zh-CN" sz="2000" dirty="0"/>
-              <a:t>Data blocks</a:t>
-            </a:r>
-            <a:r>
-              <a:rPr lang="zh-CN" altLang="en-US" sz="2000" dirty="0"/>
-              <a:t>存放位置等信息。</a:t>
-            </a:r>
-            <a:r>
-              <a:rPr lang="en-US" altLang="zh-CN" sz="2000" dirty="0"/>
+              <a:rPr lang="zh-CN" altLang="en-US" sz="2400"/>
+              <a:t>。</a:t>
+            </a:r>
+            <a:endParaRPr lang="en-US" altLang="zh-CN" sz="2400"/>
+          </a:p>
+          <a:p>
+            <a:r>
+              <a:rPr lang="en-US" altLang="zh-CN" sz="2400"/>
               <a:t>Super block</a:t>
             </a:r>
             <a:r>
-              <a:rPr lang="zh-CN" altLang="en-US" sz="2000" dirty="0"/>
-              <a:t>存储文件系统类型等信息。</a:t>
-            </a:r>
-            <a:endParaRPr lang="en-US" altLang="zh-CN" sz="2000" dirty="0"/>
-          </a:p>
-          <a:p>
-            <a:r>
-              <a:rPr lang="en-US" altLang="zh-CN" sz="2000" dirty="0"/>
-              <a:t>Linux</a:t>
-            </a:r>
-            <a:r>
-              <a:rPr lang="zh-CN" altLang="en-US" sz="2000" dirty="0"/>
-              <a:t>目前默认的文件系统是</a:t>
-            </a:r>
-            <a:r>
-              <a:rPr lang="en-US" altLang="zh-CN" sz="2000" dirty="0"/>
-              <a:t>ext4</a:t>
-            </a:r>
-            <a:r>
-              <a:rPr lang="zh-CN" altLang="en-US" sz="2000" dirty="0"/>
-              <a:t>。但是</a:t>
-            </a:r>
-            <a:r>
-              <a:rPr lang="en-US" altLang="zh-CN" sz="2000" dirty="0"/>
-              <a:t>Linux</a:t>
-            </a:r>
-            <a:r>
-              <a:rPr lang="zh-CN" altLang="en-US" sz="2000" dirty="0"/>
-              <a:t>支持大部分常用的文件系统。</a:t>
-            </a:r>
-            <a:endParaRPr lang="en-US" altLang="zh-CN" sz="2000" dirty="0"/>
-          </a:p>
-          <a:p>
-            <a:r>
-              <a:rPr lang="en-US" altLang="zh-CN" sz="2000" dirty="0"/>
+              <a:rPr lang="zh-CN" altLang="en-US" sz="2400"/>
+              <a:t>存储文件系统类型、</a:t>
+            </a:r>
+            <a:r>
+              <a:rPr lang="en-US" altLang="zh-CN" sz="2400"/>
+              <a:t>i-node table</a:t>
+            </a:r>
+            <a:r>
+              <a:rPr lang="zh-CN" altLang="en-US" sz="2400"/>
+              <a:t>大小等信息。 </a:t>
+            </a:r>
+            <a:r>
+              <a:rPr lang="en-US" altLang="zh-CN" sz="2400"/>
+              <a:t>i-node</a:t>
+            </a:r>
+            <a:r>
+              <a:rPr lang="zh-CN" altLang="en-US" sz="2400"/>
+              <a:t>记录文件在</a:t>
+            </a:r>
+            <a:r>
+              <a:rPr lang="en-US" altLang="zh-CN" sz="2400"/>
+              <a:t>DataBlocks</a:t>
+            </a:r>
+            <a:r>
+              <a:rPr lang="zh-CN" altLang="en-US" sz="2400"/>
+              <a:t>的存储位置。</a:t>
+            </a:r>
+            <a:endParaRPr lang="en-US" altLang="zh-CN" sz="2400" dirty="0"/>
+          </a:p>
+          <a:p>
+            <a:r>
+              <a:rPr lang="en-US" altLang="zh-CN" sz="2400" dirty="0"/>
               <a:t>Boot block</a:t>
             </a:r>
             <a:r>
-              <a:rPr lang="zh-CN" altLang="en-US" sz="2000" dirty="0"/>
-              <a:t>对于可启动分区有用。如果系统安装在此分区，则此区域存储启动信息。</a:t>
-            </a:r>
-            <a:endParaRPr lang="en-US" altLang="zh-CN" sz="2000" dirty="0"/>
-          </a:p>
-          <a:p>
-            <a:r>
-              <a:rPr lang="zh-CN" altLang="en-US" sz="2000" dirty="0"/>
-              <a:t>在系统层面来说，实际是通过文件路径名称找到文件的</a:t>
-            </a:r>
-            <a:r>
-              <a:rPr lang="en-US" altLang="zh-CN" sz="2000" dirty="0" err="1"/>
-              <a:t>inode</a:t>
-            </a:r>
-            <a:r>
-              <a:rPr lang="zh-CN" altLang="en-US" sz="2000" dirty="0"/>
-              <a:t>然后对文件数据进行操作。目录文件记录了其他文件的文件名与</a:t>
-            </a:r>
-            <a:r>
-              <a:rPr lang="en-US" altLang="zh-CN" sz="2000" dirty="0" err="1"/>
-              <a:t>inode</a:t>
-            </a:r>
-            <a:r>
-              <a:rPr lang="zh-CN" altLang="en-US" sz="2000" dirty="0"/>
-              <a:t>，对于用户使用来说，这些都是透明的，用户并不需要关心这些。</a:t>
-            </a:r>
-            <a:endParaRPr lang="en-US" altLang="zh-CN" sz="2000" dirty="0"/>
-          </a:p>
-          <a:p>
-            <a:r>
-              <a:rPr lang="zh-CN" altLang="en-US" sz="2000" dirty="0"/>
-              <a:t>了解这些，对后面讲到的软链接与硬链接有帮助。</a:t>
-            </a:r>
-            <a:endParaRPr lang="en-US" altLang="zh-CN" sz="2000" dirty="0"/>
+              <a:rPr lang="zh-CN" altLang="en-US" sz="2400" dirty="0"/>
+              <a:t>对于可启动分区有用。如果系统安装在此分区，则此区域存储启动</a:t>
+            </a:r>
+            <a:r>
+              <a:rPr lang="zh-CN" altLang="en-US" sz="2400"/>
+              <a:t>信息。</a:t>
+            </a:r>
+            <a:endParaRPr lang="en-US" altLang="zh-CN" sz="2400" dirty="0"/>
           </a:p>
         </p:txBody>
       </p:sp>
       <p:pic>
         <p:nvPicPr>
-          <p:cNvPr id="5" name="Picture 2" descr="https://images0.cnblogs.com/blog/413416/201402/250221581092754.png">
-            <a:extLst>
-              <a:ext uri="{FF2B5EF4-FFF2-40B4-BE49-F238E27FC236}">
-                <a16:creationId xmlns:a16="http://schemas.microsoft.com/office/drawing/2014/main" id="{2B8CE52F-F6E5-4E33-83CB-1FC5A83CF75B}"/>
+          <p:cNvPr id="6" name="图片 5">
+            <a:extLst>
+              <a:ext uri="{FF2B5EF4-FFF2-40B4-BE49-F238E27FC236}">
+                <a16:creationId xmlns:a16="http://schemas.microsoft.com/office/drawing/2014/main" id="{A044ED56-56ED-42F2-826E-F2167912F789}"/>
               </a:ext>
             </a:extLst>
           </p:cNvPr>
           <p:cNvPicPr>
-            <a:picLocks noChangeAspect="1" noChangeArrowheads="1"/>
+            <a:picLocks noChangeAspect="1"/>
           </p:cNvPicPr>
           <p:nvPr/>
         </p:nvPicPr>
@@ -8889,29 +9780,18 @@
               </a:ext>
             </a:extLst>
           </a:blip>
-          <a:srcRect/>
           <a:stretch>
             <a:fillRect/>
           </a:stretch>
         </p:blipFill>
-        <p:spPr bwMode="auto">
+        <p:spPr>
           <a:xfrm>
-            <a:off x="3909874" y="5158150"/>
-            <a:ext cx="7879672" cy="1699850"/>
+            <a:off x="2610435" y="4139739"/>
+            <a:ext cx="8414315" cy="2569699"/>
           </a:xfrm>
           <a:prstGeom prst="rect">
             <a:avLst/>
           </a:prstGeom>
-          <a:noFill/>
-          <a:extLst>
-            <a:ext uri="{909E8E84-426E-40DD-AFC4-6F175D3DCCD1}">
-              <a14:hiddenFill xmlns:a14="http://schemas.microsoft.com/office/drawing/2010/main">
-                <a:solidFill>
-                  <a:srgbClr val="FFFFFF"/>
-                </a:solidFill>
-              </a14:hiddenFill>
-            </a:ext>
-          </a:extLst>
         </p:spPr>
       </p:pic>
     </p:spTree>
@@ -8966,368 +9846,129 @@
           <a:lstStyle/>
           <a:p>
             <a:r>
+              <a:rPr lang="en-US" altLang="zh-CN" dirty="0"/>
+              <a:t>Linux</a:t>
+            </a:r>
+            <a:r>
               <a:rPr lang="zh-CN" altLang="en-US" dirty="0"/>
-              <a:t>相关命令</a:t>
-            </a:r>
-          </a:p>
-        </p:txBody>
-      </p:sp>
-      <p:graphicFrame>
-        <p:nvGraphicFramePr>
-          <p:cNvPr id="4" name="内容占位符 3">
-            <a:extLst>
-              <a:ext uri="{FF2B5EF4-FFF2-40B4-BE49-F238E27FC236}">
-                <a16:creationId xmlns:a16="http://schemas.microsoft.com/office/drawing/2014/main" id="{E8C225D2-10AD-4070-9362-93C68E572D81}"/>
-              </a:ext>
-            </a:extLst>
-          </p:cNvPr>
-          <p:cNvGraphicFramePr>
-            <a:graphicFrameLocks noGrp="1"/>
-          </p:cNvGraphicFramePr>
+              <a:t>文件系统简明解释</a:t>
+            </a:r>
+          </a:p>
+        </p:txBody>
+      </p:sp>
+      <p:sp>
+        <p:nvSpPr>
+          <p:cNvPr id="3" name="内容占位符 2">
+            <a:extLst>
+              <a:ext uri="{FF2B5EF4-FFF2-40B4-BE49-F238E27FC236}">
+                <a16:creationId xmlns:a16="http://schemas.microsoft.com/office/drawing/2014/main" id="{0A1C6B17-780B-4799-8193-E52FD817AC0E}"/>
+              </a:ext>
+            </a:extLst>
+          </p:cNvPr>
+          <p:cNvSpPr>
+            <a:spLocks noGrp="1"/>
+          </p:cNvSpPr>
           <p:nvPr>
             <p:ph idx="1"/>
-            <p:extLst>
-              <p:ext uri="{D42A27DB-BD31-4B8C-83A1-F6EECF244321}">
-                <p14:modId xmlns:p14="http://schemas.microsoft.com/office/powerpoint/2010/main" val="1993321569"/>
-              </p:ext>
-            </p:extLst>
-          </p:nvPr>
-        </p:nvGraphicFramePr>
-        <p:xfrm>
-          <a:off x="838200" y="1703388"/>
-          <a:ext cx="10515600" cy="4608632"/>
-        </p:xfrm>
-        <a:graphic>
-          <a:graphicData uri="http://schemas.openxmlformats.org/drawingml/2006/table">
-            <a:tbl>
-              <a:tblPr firstRow="1" bandRow="1">
-                <a:tableStyleId>{2D5ABB26-0587-4C30-8999-92F81FD0307C}</a:tableStyleId>
-              </a:tblPr>
-              <a:tblGrid>
-                <a:gridCol w="2934810">
-                  <a:extLst>
-                    <a:ext uri="{9D8B030D-6E8A-4147-A177-3AD203B41FA5}">
-                      <a16:colId xmlns:a16="http://schemas.microsoft.com/office/drawing/2014/main" val="2543207105"/>
-                    </a:ext>
-                  </a:extLst>
-                </a:gridCol>
-                <a:gridCol w="7580790">
-                  <a:extLst>
-                    <a:ext uri="{9D8B030D-6E8A-4147-A177-3AD203B41FA5}">
-                      <a16:colId xmlns:a16="http://schemas.microsoft.com/office/drawing/2014/main" val="484249098"/>
-                    </a:ext>
-                  </a:extLst>
-                </a:gridCol>
-              </a:tblGrid>
-              <a:tr h="658376">
-                <a:tc>
-                  <a:txBody>
-                    <a:bodyPr/>
-                    <a:lstStyle/>
-                    <a:p>
-                      <a:pPr algn="r"/>
-                      <a:r>
-                        <a:rPr lang="en-US" altLang="zh-CN" dirty="0"/>
-                        <a:t>ls</a:t>
-                      </a:r>
-                      <a:endParaRPr lang="zh-CN" altLang="en-US" dirty="0"/>
-                    </a:p>
-                  </a:txBody>
-                  <a:tcPr anchor="ctr"/>
-                </a:tc>
-                <a:tc>
-                  <a:txBody>
-                    <a:bodyPr/>
-                    <a:lstStyle/>
-                    <a:p>
-                      <a:r>
-                        <a:rPr lang="zh-CN" altLang="en-US" dirty="0"/>
-                        <a:t>列出文件</a:t>
-                      </a:r>
-                      <a:r>
-                        <a:rPr lang="en-US" altLang="zh-CN" dirty="0"/>
-                        <a:t>/</a:t>
-                      </a:r>
-                      <a:r>
-                        <a:rPr lang="zh-CN" altLang="en-US" dirty="0"/>
-                        <a:t>目录信息</a:t>
-                      </a:r>
-                    </a:p>
-                  </a:txBody>
-                  <a:tcPr anchor="ctr"/>
-                </a:tc>
-                <a:extLst>
-                  <a:ext uri="{0D108BD9-81ED-4DB2-BD59-A6C34878D82A}">
-                    <a16:rowId xmlns:a16="http://schemas.microsoft.com/office/drawing/2014/main" val="2145475634"/>
-                  </a:ext>
-                </a:extLst>
-              </a:tr>
-              <a:tr h="658376">
-                <a:tc>
-                  <a:txBody>
-                    <a:bodyPr/>
-                    <a:lstStyle/>
-                    <a:p>
-                      <a:pPr algn="r"/>
-                      <a:r>
-                        <a:rPr lang="en-US" altLang="zh-CN" dirty="0"/>
-                        <a:t>stat</a:t>
-                      </a:r>
-                      <a:endParaRPr lang="zh-CN" altLang="en-US" dirty="0"/>
-                    </a:p>
-                  </a:txBody>
-                  <a:tcPr anchor="ctr"/>
-                </a:tc>
-                <a:tc>
-                  <a:txBody>
-                    <a:bodyPr/>
-                    <a:lstStyle/>
-                    <a:p>
-                      <a:r>
-                        <a:rPr lang="zh-CN" altLang="en-US" dirty="0"/>
-                        <a:t>显示文件详细信息</a:t>
-                      </a:r>
-                    </a:p>
-                  </a:txBody>
-                  <a:tcPr anchor="ctr"/>
-                </a:tc>
-                <a:extLst>
-                  <a:ext uri="{0D108BD9-81ED-4DB2-BD59-A6C34878D82A}">
-                    <a16:rowId xmlns:a16="http://schemas.microsoft.com/office/drawing/2014/main" val="60811268"/>
-                  </a:ext>
-                </a:extLst>
-              </a:tr>
-              <a:tr h="658376">
-                <a:tc>
-                  <a:txBody>
-                    <a:bodyPr/>
-                    <a:lstStyle/>
-                    <a:p>
-                      <a:pPr algn="r"/>
-                      <a:r>
-                        <a:rPr lang="en-US" altLang="zh-CN" dirty="0" err="1"/>
-                        <a:t>cp</a:t>
-                      </a:r>
-                      <a:r>
-                        <a:rPr lang="en-US" altLang="zh-CN" dirty="0"/>
-                        <a:t> , </a:t>
-                      </a:r>
-                      <a:r>
-                        <a:rPr lang="en-US" altLang="zh-CN" dirty="0" err="1"/>
-                        <a:t>rm</a:t>
-                      </a:r>
-                      <a:r>
-                        <a:rPr lang="en-US" altLang="zh-CN" dirty="0"/>
-                        <a:t> , </a:t>
-                      </a:r>
-                      <a:r>
-                        <a:rPr lang="en-US" altLang="zh-CN" dirty="0" err="1"/>
-                        <a:t>rmdir</a:t>
-                      </a:r>
-                      <a:r>
-                        <a:rPr lang="en-US" altLang="zh-CN" dirty="0"/>
-                        <a:t> , mv</a:t>
-                      </a:r>
-                      <a:endParaRPr lang="zh-CN" altLang="en-US" dirty="0"/>
-                    </a:p>
-                  </a:txBody>
-                  <a:tcPr anchor="ctr"/>
-                </a:tc>
-                <a:tc>
-                  <a:txBody>
-                    <a:bodyPr/>
-                    <a:lstStyle/>
-                    <a:p>
-                      <a:r>
-                        <a:rPr lang="zh-CN" altLang="en-US" dirty="0"/>
-                        <a:t>依次为复制，删除，移动</a:t>
-                      </a:r>
-                    </a:p>
-                  </a:txBody>
-                  <a:tcPr anchor="ctr"/>
-                </a:tc>
-                <a:extLst>
-                  <a:ext uri="{0D108BD9-81ED-4DB2-BD59-A6C34878D82A}">
-                    <a16:rowId xmlns:a16="http://schemas.microsoft.com/office/drawing/2014/main" val="1641420983"/>
-                  </a:ext>
-                </a:extLst>
-              </a:tr>
-              <a:tr h="658376">
-                <a:tc>
-                  <a:txBody>
-                    <a:bodyPr/>
-                    <a:lstStyle/>
-                    <a:p>
-                      <a:pPr algn="r"/>
-                      <a:r>
-                        <a:rPr lang="en-US" altLang="zh-CN" dirty="0"/>
-                        <a:t>ln</a:t>
-                      </a:r>
-                      <a:endParaRPr lang="zh-CN" altLang="en-US" dirty="0"/>
-                    </a:p>
-                  </a:txBody>
-                  <a:tcPr anchor="ctr"/>
-                </a:tc>
-                <a:tc>
-                  <a:txBody>
-                    <a:bodyPr/>
-                    <a:lstStyle/>
-                    <a:p>
-                      <a:r>
-                        <a:rPr lang="zh-CN" altLang="en-US" dirty="0"/>
-                        <a:t>创建硬链接或符号链接</a:t>
-                      </a:r>
-                    </a:p>
-                  </a:txBody>
-                  <a:tcPr anchor="ctr"/>
-                </a:tc>
-                <a:extLst>
-                  <a:ext uri="{0D108BD9-81ED-4DB2-BD59-A6C34878D82A}">
-                    <a16:rowId xmlns:a16="http://schemas.microsoft.com/office/drawing/2014/main" val="604199190"/>
-                  </a:ext>
-                </a:extLst>
-              </a:tr>
-              <a:tr h="658376">
-                <a:tc>
-                  <a:txBody>
-                    <a:bodyPr/>
-                    <a:lstStyle/>
-                    <a:p>
-                      <a:pPr algn="r"/>
-                      <a:r>
-                        <a:rPr lang="en-US" altLang="zh-CN" dirty="0" err="1"/>
-                        <a:t>chmod</a:t>
-                      </a:r>
-                      <a:r>
-                        <a:rPr lang="en-US" altLang="zh-CN" dirty="0"/>
-                        <a:t> , </a:t>
-                      </a:r>
-                      <a:r>
-                        <a:rPr lang="en-US" altLang="zh-CN" dirty="0" err="1"/>
-                        <a:t>chown</a:t>
-                      </a:r>
-                      <a:endParaRPr lang="zh-CN" altLang="en-US" dirty="0"/>
-                    </a:p>
-                  </a:txBody>
-                  <a:tcPr anchor="ctr"/>
-                </a:tc>
-                <a:tc>
-                  <a:txBody>
-                    <a:bodyPr/>
-                    <a:lstStyle/>
-                    <a:p>
-                      <a:r>
-                        <a:rPr lang="zh-CN" altLang="en-US" dirty="0"/>
-                        <a:t>更改文件权限以及更改文件所有者</a:t>
-                      </a:r>
-                    </a:p>
-                  </a:txBody>
-                  <a:tcPr anchor="ctr"/>
-                </a:tc>
-                <a:extLst>
-                  <a:ext uri="{0D108BD9-81ED-4DB2-BD59-A6C34878D82A}">
-                    <a16:rowId xmlns:a16="http://schemas.microsoft.com/office/drawing/2014/main" val="4182371833"/>
-                  </a:ext>
-                </a:extLst>
-              </a:tr>
-              <a:tr h="658376">
-                <a:tc>
-                  <a:txBody>
-                    <a:bodyPr/>
-                    <a:lstStyle/>
-                    <a:p>
-                      <a:pPr algn="r"/>
-                      <a:r>
-                        <a:rPr lang="en-US" altLang="zh-CN" dirty="0"/>
-                        <a:t>tar</a:t>
-                      </a:r>
-                      <a:endParaRPr lang="zh-CN" altLang="en-US" dirty="0"/>
-                    </a:p>
-                  </a:txBody>
-                  <a:tcPr anchor="ctr"/>
-                </a:tc>
-                <a:tc>
-                  <a:txBody>
-                    <a:bodyPr/>
-                    <a:lstStyle/>
-                    <a:p>
-                      <a:r>
-                        <a:rPr lang="zh-CN" altLang="en-US" dirty="0"/>
-                        <a:t>文件打包</a:t>
-                      </a:r>
-                      <a:r>
-                        <a:rPr lang="en-US" altLang="zh-CN" dirty="0"/>
-                        <a:t>/</a:t>
-                      </a:r>
-                      <a:r>
-                        <a:rPr lang="zh-CN" altLang="en-US" dirty="0"/>
-                        <a:t>解包</a:t>
-                      </a:r>
-                    </a:p>
-                  </a:txBody>
-                  <a:tcPr anchor="ctr"/>
-                </a:tc>
-                <a:extLst>
-                  <a:ext uri="{0D108BD9-81ED-4DB2-BD59-A6C34878D82A}">
-                    <a16:rowId xmlns:a16="http://schemas.microsoft.com/office/drawing/2014/main" val="794652543"/>
-                  </a:ext>
-                </a:extLst>
-              </a:tr>
-              <a:tr h="658376">
-                <a:tc>
-                  <a:txBody>
-                    <a:bodyPr/>
-                    <a:lstStyle/>
-                    <a:p>
-                      <a:pPr algn="r"/>
-                      <a:r>
-                        <a:rPr lang="en-US" altLang="zh-CN" dirty="0"/>
-                        <a:t>zip/unzip , </a:t>
-                      </a:r>
-                      <a:r>
-                        <a:rPr lang="en-US" altLang="zh-CN" dirty="0" err="1"/>
-                        <a:t>gzip</a:t>
-                      </a:r>
-                      <a:r>
-                        <a:rPr lang="en-US" altLang="zh-CN" dirty="0"/>
-                        <a:t>/</a:t>
-                      </a:r>
-                      <a:r>
-                        <a:rPr lang="en-US" altLang="zh-CN" dirty="0" err="1"/>
-                        <a:t>gunzip</a:t>
-                      </a:r>
-                      <a:endParaRPr lang="zh-CN" altLang="en-US" dirty="0"/>
-                    </a:p>
-                  </a:txBody>
-                  <a:tcPr anchor="ctr"/>
-                </a:tc>
-                <a:tc>
-                  <a:txBody>
-                    <a:bodyPr/>
-                    <a:lstStyle/>
-                    <a:p>
-                      <a:r>
-                        <a:rPr lang="zh-CN" altLang="en-US" dirty="0"/>
-                        <a:t>压缩与解压缩</a:t>
-                      </a:r>
-                    </a:p>
-                  </a:txBody>
-                  <a:tcPr anchor="ctr"/>
-                </a:tc>
-                <a:extLst>
-                  <a:ext uri="{0D108BD9-81ED-4DB2-BD59-A6C34878D82A}">
-                    <a16:rowId xmlns:a16="http://schemas.microsoft.com/office/drawing/2014/main" val="557038662"/>
-                  </a:ext>
-                </a:extLst>
-              </a:tr>
-            </a:tbl>
-          </a:graphicData>
-        </a:graphic>
-      </p:graphicFrame>
+          </p:nvPr>
+        </p:nvSpPr>
+        <p:spPr/>
+        <p:txBody>
+          <a:bodyPr>
+            <a:normAutofit/>
+          </a:bodyPr>
+          <a:lstStyle/>
+          <a:p>
+            <a:r>
+              <a:rPr lang="zh-CN" altLang="en-US" sz="2400"/>
+              <a:t>在</a:t>
+            </a:r>
+            <a:r>
+              <a:rPr lang="zh-CN" altLang="en-US" sz="2400" dirty="0"/>
+              <a:t>系统层面来说，实际是通过文件路径名称找到文件</a:t>
+            </a:r>
+            <a:r>
+              <a:rPr lang="zh-CN" altLang="en-US" sz="2400"/>
+              <a:t>的</a:t>
+            </a:r>
+            <a:r>
+              <a:rPr lang="en-US" altLang="zh-CN" sz="2400"/>
+              <a:t>i-node</a:t>
+            </a:r>
+            <a:r>
+              <a:rPr lang="zh-CN" altLang="en-US" sz="2400" dirty="0"/>
+              <a:t>然后对文件数据进行操作。目录文件记录了其他文件的文件名</a:t>
+            </a:r>
+            <a:r>
+              <a:rPr lang="zh-CN" altLang="en-US" sz="2400"/>
+              <a:t>与</a:t>
+            </a:r>
+            <a:r>
+              <a:rPr lang="en-US" altLang="zh-CN" sz="2400"/>
+              <a:t>i-node</a:t>
+            </a:r>
+            <a:r>
+              <a:rPr lang="zh-CN" altLang="en-US" sz="2400" dirty="0"/>
+              <a:t>，对于用户使用来说，这些都是透明的，用户并不需要关心这些。</a:t>
+            </a:r>
+            <a:endParaRPr lang="en-US" altLang="zh-CN" sz="2400" dirty="0"/>
+          </a:p>
+          <a:p>
+            <a:endParaRPr lang="en-US" altLang="zh-CN" sz="2400"/>
+          </a:p>
+          <a:p>
+            <a:r>
+              <a:rPr lang="zh-CN" altLang="en-US" sz="2400"/>
+              <a:t>了解</a:t>
+            </a:r>
+            <a:r>
+              <a:rPr lang="zh-CN" altLang="en-US" sz="2400" dirty="0"/>
+              <a:t>这些，对后面讲到的软链接与硬链接有帮助。</a:t>
+            </a:r>
+            <a:endParaRPr lang="en-US" altLang="zh-CN" sz="2400" dirty="0"/>
+          </a:p>
+        </p:txBody>
+      </p:sp>
+      <p:pic>
+        <p:nvPicPr>
+          <p:cNvPr id="6" name="图片 5">
+            <a:extLst>
+              <a:ext uri="{FF2B5EF4-FFF2-40B4-BE49-F238E27FC236}">
+                <a16:creationId xmlns:a16="http://schemas.microsoft.com/office/drawing/2014/main" id="{F9D735EA-5FE2-4948-A723-61F17A391478}"/>
+              </a:ext>
+            </a:extLst>
+          </p:cNvPr>
+          <p:cNvPicPr>
+            <a:picLocks noChangeAspect="1"/>
+          </p:cNvPicPr>
+          <p:nvPr/>
+        </p:nvPicPr>
+        <p:blipFill>
+          <a:blip r:embed="rId3">
+            <a:extLst>
+              <a:ext uri="{28A0092B-C50C-407E-A947-70E740481C1C}">
+                <a14:useLocalDpi xmlns:a14="http://schemas.microsoft.com/office/drawing/2010/main" val="0"/>
+              </a:ext>
+            </a:extLst>
+          </a:blip>
+          <a:stretch>
+            <a:fillRect/>
+          </a:stretch>
+        </p:blipFill>
+        <p:spPr>
+          <a:xfrm>
+            <a:off x="1968597" y="3869039"/>
+            <a:ext cx="8414315" cy="2569699"/>
+          </a:xfrm>
+          <a:prstGeom prst="rect">
+            <a:avLst/>
+          </a:prstGeom>
+        </p:spPr>
+      </p:pic>
     </p:spTree>
     <p:extLst>
       <p:ext uri="{BB962C8B-B14F-4D97-AF65-F5344CB8AC3E}">
-        <p14:creationId xmlns:p14="http://schemas.microsoft.com/office/powerpoint/2010/main" val="3145881099"/>
+        <p14:creationId xmlns:p14="http://schemas.microsoft.com/office/powerpoint/2010/main" val="3444204498"/>
       </p:ext>
     </p:extLst>
   </p:cSld>
@@ -9376,10 +10017,9 @@
           <a:lstStyle/>
           <a:p>
             <a:r>
-              <a:rPr lang="en-US" altLang="zh-CN" dirty="0" err="1"/>
-              <a:t>cp,rm,rmdir,mv,stat</a:t>
-            </a:r>
-            <a:endParaRPr lang="zh-CN" altLang="en-US" dirty="0"/>
+              <a:rPr lang="zh-CN" altLang="en-US" dirty="0"/>
+              <a:t>相关命令</a:t>
+            </a:r>
           </a:p>
         </p:txBody>
       </p:sp>
@@ -9399,14 +10039,14 @@
             <p:ph idx="1"/>
             <p:extLst>
               <p:ext uri="{D42A27DB-BD31-4B8C-83A1-F6EECF244321}">
-                <p14:modId xmlns:p14="http://schemas.microsoft.com/office/powerpoint/2010/main" val="2464740984"/>
+                <p14:modId xmlns:p14="http://schemas.microsoft.com/office/powerpoint/2010/main" val="1954216779"/>
               </p:ext>
             </p:extLst>
           </p:nvPr>
         </p:nvGraphicFramePr>
         <p:xfrm>
           <a:off x="838200" y="1703388"/>
-          <a:ext cx="10515600" cy="4829634"/>
+          <a:ext cx="10515600" cy="4557119"/>
         </p:xfrm>
         <a:graphic>
           <a:graphicData uri="http://schemas.openxmlformats.org/drawingml/2006/table">
@@ -9415,14 +10055,14 @@
                 <a:tableStyleId>{2D5ABB26-0587-4C30-8999-92F81FD0307C}</a:tableStyleId>
               </a:tblPr>
               <a:tblGrid>
-                <a:gridCol w="2934810">
+                <a:gridCol w="4243754">
                   <a:extLst>
                     <a:ext uri="{9D8B030D-6E8A-4147-A177-3AD203B41FA5}">
                       <a16:colId xmlns:a16="http://schemas.microsoft.com/office/drawing/2014/main" val="2543207105"/>
                     </a:ext>
                   </a:extLst>
                 </a:gridCol>
-                <a:gridCol w="7580790">
+                <a:gridCol w="6271846">
                   <a:extLst>
                     <a:ext uri="{9D8B030D-6E8A-4147-A177-3AD203B41FA5}">
                       <a16:colId xmlns:a16="http://schemas.microsoft.com/office/drawing/2014/main" val="484249098"/>
@@ -9430,7 +10070,7 @@
                   </a:extLst>
                 </a:gridCol>
               </a:tblGrid>
-              <a:tr h="536626">
+              <a:tr h="651017">
                 <a:tc>
                   <a:txBody>
                     <a:bodyPr/>
@@ -9438,30 +10078,14 @@
                     <a:p>
                       <a:pPr algn="r"/>
                       <a:r>
-                        <a:rPr lang="en-US" altLang="zh-CN" dirty="0" err="1"/>
-                        <a:t>cp</a:t>
-                      </a:r>
-                      <a:r>
-                        <a:rPr lang="en-US" altLang="zh-CN" dirty="0"/>
-                        <a:t>  </a:t>
-                      </a:r>
-                      <a:r>
-                        <a:rPr lang="en-US" altLang="zh-CN" dirty="0" err="1"/>
-                        <a:t>tmp</a:t>
-                      </a:r>
-                      <a:r>
-                        <a:rPr lang="en-US" altLang="zh-CN" dirty="0"/>
-                        <a:t>/a </a:t>
-                      </a:r>
-                      <a:r>
-                        <a:rPr lang="en-US" altLang="zh-CN" dirty="0" err="1"/>
-                        <a:t>tmp</a:t>
-                      </a:r>
-                      <a:r>
-                        <a:rPr lang="en-US" altLang="zh-CN" dirty="0"/>
-                        <a:t>/b </a:t>
-                      </a:r>
-                      <a:endParaRPr lang="zh-CN" altLang="en-US" dirty="0"/>
+                        <a:rPr lang="en-US" altLang="zh-CN" sz="2400" baseline="0" dirty="0">
+                          <a:latin typeface="Roboto Mono Light" pitchFamily="2" charset="0"/>
+                        </a:rPr>
+                        <a:t>ls</a:t>
+                      </a:r>
+                      <a:endParaRPr lang="zh-CN" altLang="en-US" sz="2400" baseline="0" dirty="0">
+                        <a:latin typeface="Roboto Mono Light" pitchFamily="2" charset="0"/>
+                      </a:endParaRPr>
                     </a:p>
                   </a:txBody>
                   <a:tcPr anchor="ctr"/>
@@ -9472,34 +10096,23 @@
                     <a:lstStyle/>
                     <a:p>
                       <a:r>
-                        <a:rPr lang="zh-CN" altLang="en-US" dirty="0"/>
-                        <a:t>复制</a:t>
-                      </a:r>
-                      <a:r>
-                        <a:rPr lang="en-US" altLang="zh-CN" dirty="0" err="1"/>
-                        <a:t>tmp</a:t>
-                      </a:r>
-                      <a:r>
-                        <a:rPr lang="en-US" altLang="zh-CN" dirty="0"/>
-                        <a:t>/a</a:t>
-                      </a:r>
-                      <a:r>
-                        <a:rPr lang="zh-CN" altLang="en-US" dirty="0"/>
-                        <a:t>文件，到</a:t>
-                      </a:r>
-                      <a:r>
-                        <a:rPr lang="en-US" altLang="zh-CN" dirty="0" err="1"/>
-                        <a:t>tmp</a:t>
-                      </a:r>
-                      <a:r>
-                        <a:rPr lang="zh-CN" altLang="en-US" dirty="0"/>
-                        <a:t>目录，命名为</a:t>
-                      </a:r>
-                      <a:r>
-                        <a:rPr lang="en-US" altLang="zh-CN" dirty="0"/>
-                        <a:t>b</a:t>
-                      </a:r>
-                      <a:endParaRPr lang="zh-CN" altLang="en-US" dirty="0"/>
+                        <a:rPr lang="zh-CN" altLang="en-US" sz="2400" baseline="0" dirty="0">
+                          <a:latin typeface="Roboto Mono Light" pitchFamily="2" charset="0"/>
+                        </a:rPr>
+                        <a:t>列出文件</a:t>
+                      </a:r>
+                      <a:r>
+                        <a:rPr lang="en-US" altLang="zh-CN" sz="2400" baseline="0" dirty="0">
+                          <a:latin typeface="Roboto Mono Light" pitchFamily="2" charset="0"/>
+                        </a:rPr>
+                        <a:t>/</a:t>
+                      </a:r>
+                      <a:r>
+                        <a:rPr lang="zh-CN" altLang="en-US" sz="2400" baseline="0" dirty="0">
+                          <a:latin typeface="Roboto Mono Light" pitchFamily="2" charset="0"/>
+                        </a:rPr>
+                        <a:t>目录信息</a:t>
+                      </a:r>
                     </a:p>
                   </a:txBody>
                   <a:tcPr anchor="ctr"/>
@@ -9510,7 +10123,7 @@
                   </a:ext>
                 </a:extLst>
               </a:tr>
-              <a:tr h="536626">
+              <a:tr h="651017">
                 <a:tc>
                   <a:txBody>
                     <a:bodyPr/>
@@ -9518,30 +10131,14 @@
                     <a:p>
                       <a:pPr algn="r"/>
                       <a:r>
-                        <a:rPr lang="en-US" altLang="zh-CN" dirty="0" err="1"/>
-                        <a:t>cp</a:t>
-                      </a:r>
-                      <a:r>
-                        <a:rPr lang="en-US" altLang="zh-CN" dirty="0"/>
-                        <a:t>  c/</a:t>
-                      </a:r>
-                      <a:r>
-                        <a:rPr lang="en-US" altLang="zh-CN" dirty="0" err="1"/>
-                        <a:t>fst.c</a:t>
-                      </a:r>
-                      <a:r>
-                        <a:rPr lang="en-US" altLang="zh-CN" dirty="0"/>
-                        <a:t>  </a:t>
-                      </a:r>
-                      <a:r>
-                        <a:rPr lang="en-US" altLang="zh-CN" dirty="0" err="1"/>
-                        <a:t>tmp</a:t>
-                      </a:r>
-                      <a:r>
-                        <a:rPr lang="en-US" altLang="zh-CN" dirty="0"/>
-                        <a:t>/</a:t>
-                      </a:r>
-                      <a:endParaRPr lang="zh-CN" altLang="en-US" dirty="0"/>
+                        <a:rPr lang="en-US" altLang="zh-CN" sz="2400" baseline="0" dirty="0">
+                          <a:latin typeface="Roboto Mono Light" pitchFamily="2" charset="0"/>
+                        </a:rPr>
+                        <a:t>stat</a:t>
+                      </a:r>
+                      <a:endParaRPr lang="zh-CN" altLang="en-US" sz="2400" baseline="0" dirty="0">
+                        <a:latin typeface="Roboto Mono Light" pitchFamily="2" charset="0"/>
+                      </a:endParaRPr>
                     </a:p>
                   </a:txBody>
                   <a:tcPr anchor="ctr"/>
@@ -9552,28 +10149,10 @@
                     <a:lstStyle/>
                     <a:p>
                       <a:r>
-                        <a:rPr lang="zh-CN" altLang="en-US" dirty="0"/>
-                        <a:t>复制</a:t>
-                      </a:r>
-                      <a:r>
-                        <a:rPr lang="en-US" altLang="zh-CN" dirty="0"/>
-                        <a:t>c/</a:t>
-                      </a:r>
-                      <a:r>
-                        <a:rPr lang="en-US" altLang="zh-CN" dirty="0" err="1"/>
-                        <a:t>fst.c</a:t>
-                      </a:r>
-                      <a:r>
-                        <a:rPr lang="zh-CN" altLang="en-US" dirty="0"/>
-                        <a:t>文件到</a:t>
-                      </a:r>
-                      <a:r>
-                        <a:rPr lang="en-US" altLang="zh-CN" dirty="0" err="1"/>
-                        <a:t>tmp</a:t>
-                      </a:r>
-                      <a:r>
-                        <a:rPr lang="zh-CN" altLang="en-US" dirty="0"/>
-                        <a:t>目录，名称不变</a:t>
+                        <a:rPr lang="zh-CN" altLang="en-US" sz="2400" baseline="0" dirty="0">
+                          <a:latin typeface="Roboto Mono Light" pitchFamily="2" charset="0"/>
+                        </a:rPr>
+                        <a:t>显示文件详细信息</a:t>
                       </a:r>
                     </a:p>
                   </a:txBody>
@@ -9585,7 +10164,7 @@
                   </a:ext>
                 </a:extLst>
               </a:tr>
-              <a:tr h="536626">
+              <a:tr h="651017">
                 <a:tc>
                   <a:txBody>
                     <a:bodyPr/>
@@ -9593,22 +10172,14 @@
                     <a:p>
                       <a:pPr algn="r"/>
                       <a:r>
-                        <a:rPr lang="en-US" altLang="zh-CN" dirty="0" err="1"/>
-                        <a:t>cp</a:t>
-                      </a:r>
-                      <a:r>
-                        <a:rPr lang="en-US" altLang="zh-CN" dirty="0"/>
-                        <a:t> –R  c/  </a:t>
-                      </a:r>
-                      <a:r>
-                        <a:rPr lang="en-US" altLang="zh-CN" dirty="0" err="1"/>
-                        <a:t>tmp</a:t>
-                      </a:r>
-                      <a:r>
-                        <a:rPr lang="en-US" altLang="zh-CN" dirty="0"/>
-                        <a:t>/</a:t>
-                      </a:r>
-                      <a:endParaRPr lang="zh-CN" altLang="en-US" dirty="0"/>
+                        <a:rPr lang="en-US" altLang="zh-CN" sz="2400" baseline="0">
+                          <a:latin typeface="Roboto Mono Light" pitchFamily="2" charset="0"/>
+                        </a:rPr>
+                        <a:t>rmdir</a:t>
+                      </a:r>
+                      <a:endParaRPr lang="zh-CN" altLang="en-US" sz="2400" baseline="0" dirty="0">
+                        <a:latin typeface="Roboto Mono Light" pitchFamily="2" charset="0"/>
+                      </a:endParaRPr>
                     </a:p>
                   </a:txBody>
                   <a:tcPr anchor="ctr"/>
@@ -9619,22 +10190,79 @@
                     <a:lstStyle/>
                     <a:p>
                       <a:r>
-                        <a:rPr lang="zh-CN" altLang="en-US" dirty="0"/>
-                        <a:t>递归复制目录</a:t>
-                      </a:r>
-                      <a:r>
-                        <a:rPr lang="en-US" altLang="zh-CN" dirty="0"/>
-                        <a:t>c</a:t>
-                      </a:r>
-                      <a:r>
-                        <a:rPr lang="zh-CN" altLang="en-US" dirty="0"/>
-                        <a:t>到</a:t>
-                      </a:r>
-                      <a:r>
-                        <a:rPr lang="en-US" altLang="zh-CN" dirty="0" err="1"/>
-                        <a:t>tmp</a:t>
-                      </a:r>
-                      <a:endParaRPr lang="zh-CN" altLang="en-US" dirty="0"/>
+                        <a:rPr lang="zh-CN" altLang="en-US" sz="2400" baseline="0">
+                          <a:latin typeface="Roboto Mono Light" pitchFamily="2" charset="0"/>
+                        </a:rPr>
+                        <a:t>删除空目录</a:t>
+                      </a:r>
+                      <a:endParaRPr lang="zh-CN" altLang="en-US" sz="2400" baseline="0" dirty="0">
+                        <a:latin typeface="Roboto Mono Light" pitchFamily="2" charset="0"/>
+                      </a:endParaRPr>
+                    </a:p>
+                  </a:txBody>
+                  <a:tcPr anchor="ctr"/>
+                </a:tc>
+                <a:extLst>
+                  <a:ext uri="{0D108BD9-81ED-4DB2-BD59-A6C34878D82A}">
+                    <a16:rowId xmlns:a16="http://schemas.microsoft.com/office/drawing/2014/main" val="3547862860"/>
+                  </a:ext>
+                </a:extLst>
+              </a:tr>
+              <a:tr h="651017">
+                <a:tc>
+                  <a:txBody>
+                    <a:bodyPr/>
+                    <a:lstStyle/>
+                    <a:p>
+                      <a:pPr algn="r"/>
+                      <a:r>
+                        <a:rPr lang="en-US" altLang="zh-CN" sz="2400" baseline="0" dirty="0" err="1">
+                          <a:latin typeface="Roboto Mono Light" pitchFamily="2" charset="0"/>
+                        </a:rPr>
+                        <a:t>cp</a:t>
+                      </a:r>
+                      <a:r>
+                        <a:rPr lang="en-US" altLang="zh-CN" sz="2400" baseline="0" dirty="0">
+                          <a:latin typeface="Roboto Mono Light" pitchFamily="2" charset="0"/>
+                        </a:rPr>
+                        <a:t> , </a:t>
+                      </a:r>
+                      <a:r>
+                        <a:rPr lang="en-US" altLang="zh-CN" sz="2400" baseline="0" err="1">
+                          <a:latin typeface="Roboto Mono Light" pitchFamily="2" charset="0"/>
+                        </a:rPr>
+                        <a:t>rm</a:t>
+                      </a:r>
+                      <a:r>
+                        <a:rPr lang="en-US" altLang="zh-CN" sz="2400" baseline="0">
+                          <a:latin typeface="Roboto Mono Light" pitchFamily="2" charset="0"/>
+                        </a:rPr>
+                        <a:t> , </a:t>
+                      </a:r>
+                      <a:r>
+                        <a:rPr lang="en-US" altLang="zh-CN" sz="2400" baseline="0" dirty="0">
+                          <a:latin typeface="Roboto Mono Light" pitchFamily="2" charset="0"/>
+                        </a:rPr>
+                        <a:t>mv</a:t>
+                      </a:r>
+                      <a:endParaRPr lang="zh-CN" altLang="en-US" sz="2400" baseline="0" dirty="0">
+                        <a:latin typeface="Roboto Mono Light" pitchFamily="2" charset="0"/>
+                      </a:endParaRPr>
+                    </a:p>
+                  </a:txBody>
+                  <a:tcPr anchor="ctr"/>
+                </a:tc>
+                <a:tc>
+                  <a:txBody>
+                    <a:bodyPr/>
+                    <a:lstStyle/>
+                    <a:p>
+                      <a:r>
+                        <a:rPr lang="zh-CN" altLang="en-US" sz="2400" baseline="0" dirty="0">
+                          <a:latin typeface="Roboto Mono Light" pitchFamily="2" charset="0"/>
+                        </a:rPr>
+                        <a:t>依次为复制，删除，移动</a:t>
+                      </a:r>
                     </a:p>
                   </a:txBody>
                   <a:tcPr anchor="ctr"/>
@@ -9645,7 +10273,7 @@
                   </a:ext>
                 </a:extLst>
               </a:tr>
-              <a:tr h="536626">
+              <a:tr h="651017">
                 <a:tc>
                   <a:txBody>
                     <a:bodyPr/>
@@ -9653,18 +10281,469 @@
                     <a:p>
                       <a:pPr algn="r"/>
                       <a:r>
-                        <a:rPr lang="en-US" altLang="zh-CN" dirty="0" err="1"/>
+                        <a:rPr lang="en-US" altLang="zh-CN" sz="2400" baseline="0" dirty="0">
+                          <a:latin typeface="Roboto Mono Light" pitchFamily="2" charset="0"/>
+                        </a:rPr>
+                        <a:t>ln</a:t>
+                      </a:r>
+                      <a:endParaRPr lang="zh-CN" altLang="en-US" sz="2400" baseline="0" dirty="0">
+                        <a:latin typeface="Roboto Mono Light" pitchFamily="2" charset="0"/>
+                      </a:endParaRPr>
+                    </a:p>
+                  </a:txBody>
+                  <a:tcPr anchor="ctr"/>
+                </a:tc>
+                <a:tc>
+                  <a:txBody>
+                    <a:bodyPr/>
+                    <a:lstStyle/>
+                    <a:p>
+                      <a:r>
+                        <a:rPr lang="zh-CN" altLang="en-US" sz="2400" baseline="0" dirty="0">
+                          <a:latin typeface="Roboto Mono Light" pitchFamily="2" charset="0"/>
+                        </a:rPr>
+                        <a:t>创建硬链接或符号链接</a:t>
+                      </a:r>
+                    </a:p>
+                  </a:txBody>
+                  <a:tcPr anchor="ctr"/>
+                </a:tc>
+                <a:extLst>
+                  <a:ext uri="{0D108BD9-81ED-4DB2-BD59-A6C34878D82A}">
+                    <a16:rowId xmlns:a16="http://schemas.microsoft.com/office/drawing/2014/main" val="604199190"/>
+                  </a:ext>
+                </a:extLst>
+              </a:tr>
+              <a:tr h="651017">
+                <a:tc>
+                  <a:txBody>
+                    <a:bodyPr/>
+                    <a:lstStyle/>
+                    <a:p>
+                      <a:pPr algn="r"/>
+                      <a:r>
+                        <a:rPr lang="en-US" altLang="zh-CN" sz="2400" baseline="0">
+                          <a:latin typeface="Roboto Mono Light" pitchFamily="2" charset="0"/>
+                        </a:rPr>
+                        <a:t>chmod</a:t>
+                      </a:r>
+                      <a:endParaRPr lang="zh-CN" altLang="en-US" sz="2400" baseline="0" dirty="0">
+                        <a:latin typeface="Roboto Mono Light" pitchFamily="2" charset="0"/>
+                      </a:endParaRPr>
+                    </a:p>
+                  </a:txBody>
+                  <a:tcPr anchor="ctr"/>
+                </a:tc>
+                <a:tc>
+                  <a:txBody>
+                    <a:bodyPr/>
+                    <a:lstStyle/>
+                    <a:p>
+                      <a:r>
+                        <a:rPr lang="zh-CN" altLang="en-US" sz="2400" baseline="0" dirty="0">
+                          <a:latin typeface="Roboto Mono Light" pitchFamily="2" charset="0"/>
+                        </a:rPr>
+                        <a:t>更改文件权限以及更改文件所有者</a:t>
+                      </a:r>
+                    </a:p>
+                  </a:txBody>
+                  <a:tcPr anchor="ctr"/>
+                </a:tc>
+                <a:extLst>
+                  <a:ext uri="{0D108BD9-81ED-4DB2-BD59-A6C34878D82A}">
+                    <a16:rowId xmlns:a16="http://schemas.microsoft.com/office/drawing/2014/main" val="4182371833"/>
+                  </a:ext>
+                </a:extLst>
+              </a:tr>
+              <a:tr h="651017">
+                <a:tc>
+                  <a:txBody>
+                    <a:bodyPr/>
+                    <a:lstStyle/>
+                    <a:p>
+                      <a:pPr algn="r"/>
+                      <a:r>
+                        <a:rPr lang="en-US" altLang="zh-CN" sz="2400" baseline="0">
+                          <a:latin typeface="Roboto Mono Light" pitchFamily="2" charset="0"/>
+                        </a:rPr>
+                        <a:t>chown</a:t>
+                      </a:r>
+                      <a:endParaRPr lang="zh-CN" altLang="en-US" sz="2400" baseline="0" dirty="0">
+                        <a:latin typeface="Roboto Mono Light" pitchFamily="2" charset="0"/>
+                      </a:endParaRPr>
+                    </a:p>
+                  </a:txBody>
+                  <a:tcPr anchor="ctr"/>
+                </a:tc>
+                <a:tc>
+                  <a:txBody>
+                    <a:bodyPr/>
+                    <a:lstStyle/>
+                    <a:p>
+                      <a:r>
+                        <a:rPr lang="zh-CN" altLang="en-US" sz="2400" baseline="0">
+                          <a:latin typeface="Roboto Mono Light" pitchFamily="2" charset="0"/>
+                        </a:rPr>
+                        <a:t>更改文件所有者</a:t>
+                      </a:r>
+                      <a:endParaRPr lang="zh-CN" altLang="en-US" sz="2400" baseline="0" dirty="0">
+                        <a:latin typeface="Roboto Mono Light" pitchFamily="2" charset="0"/>
+                      </a:endParaRPr>
+                    </a:p>
+                  </a:txBody>
+                  <a:tcPr anchor="ctr"/>
+                </a:tc>
+                <a:extLst>
+                  <a:ext uri="{0D108BD9-81ED-4DB2-BD59-A6C34878D82A}">
+                    <a16:rowId xmlns:a16="http://schemas.microsoft.com/office/drawing/2014/main" val="839473954"/>
+                  </a:ext>
+                </a:extLst>
+              </a:tr>
+            </a:tbl>
+          </a:graphicData>
+        </a:graphic>
+      </p:graphicFrame>
+    </p:spTree>
+    <p:extLst>
+      <p:ext uri="{BB962C8B-B14F-4D97-AF65-F5344CB8AC3E}">
+        <p14:creationId xmlns:p14="http://schemas.microsoft.com/office/powerpoint/2010/main" val="3145881099"/>
+      </p:ext>
+    </p:extLst>
+  </p:cSld>
+  <p:clrMapOvr>
+    <a:masterClrMapping/>
+  </p:clrMapOvr>
+</p:sld>
+</file>
+
+<file path=ppt/slides/slide6.xml><?xml version="1.0" encoding="utf-8"?>
+<p:sld xmlns:a="http://schemas.openxmlformats.org/drawingml/2006/main" xmlns:r="http://schemas.openxmlformats.org/officeDocument/2006/relationships" xmlns:p="http://schemas.openxmlformats.org/presentationml/2006/main">
+  <p:cSld>
+    <p:spTree>
+      <p:nvGrpSpPr>
+        <p:cNvPr id="1" name=""/>
+        <p:cNvGrpSpPr/>
+        <p:nvPr/>
+      </p:nvGrpSpPr>
+      <p:grpSpPr>
+        <a:xfrm>
+          <a:off x="0" y="0"/>
+          <a:ext cx="0" cy="0"/>
+          <a:chOff x="0" y="0"/>
+          <a:chExt cx="0" cy="0"/>
+        </a:xfrm>
+      </p:grpSpPr>
+      <p:sp>
+        <p:nvSpPr>
+          <p:cNvPr id="2" name="标题 1">
+            <a:extLst>
+              <a:ext uri="{FF2B5EF4-FFF2-40B4-BE49-F238E27FC236}">
+                <a16:creationId xmlns:a16="http://schemas.microsoft.com/office/drawing/2014/main" id="{8B88BACC-24DE-4087-9AB3-A099CF573089}"/>
+              </a:ext>
+            </a:extLst>
+          </p:cNvPr>
+          <p:cNvSpPr>
+            <a:spLocks noGrp="1"/>
+          </p:cNvSpPr>
+          <p:nvPr>
+            <p:ph type="title"/>
+          </p:nvPr>
+        </p:nvSpPr>
+        <p:spPr/>
+        <p:txBody>
+          <a:bodyPr/>
+          <a:lstStyle/>
+          <a:p>
+            <a:r>
+              <a:rPr lang="en-US" altLang="zh-CN" dirty="0" err="1"/>
+              <a:t>cp,rm,rmdir,mv,stat</a:t>
+            </a:r>
+            <a:endParaRPr lang="zh-CN" altLang="en-US" dirty="0"/>
+          </a:p>
+        </p:txBody>
+      </p:sp>
+      <p:graphicFrame>
+        <p:nvGraphicFramePr>
+          <p:cNvPr id="4" name="内容占位符 3">
+            <a:extLst>
+              <a:ext uri="{FF2B5EF4-FFF2-40B4-BE49-F238E27FC236}">
+                <a16:creationId xmlns:a16="http://schemas.microsoft.com/office/drawing/2014/main" id="{E8C225D2-10AD-4070-9362-93C68E572D81}"/>
+              </a:ext>
+            </a:extLst>
+          </p:cNvPr>
+          <p:cNvGraphicFramePr>
+            <a:graphicFrameLocks noGrp="1"/>
+          </p:cNvGraphicFramePr>
+          <p:nvPr>
+            <p:ph idx="1"/>
+            <p:extLst>
+              <p:ext uri="{D42A27DB-BD31-4B8C-83A1-F6EECF244321}">
+                <p14:modId xmlns:p14="http://schemas.microsoft.com/office/powerpoint/2010/main" val="95800783"/>
+              </p:ext>
+            </p:extLst>
+          </p:nvPr>
+        </p:nvGraphicFramePr>
+        <p:xfrm>
+          <a:off x="838200" y="1703387"/>
+          <a:ext cx="10515600" cy="4952385"/>
+        </p:xfrm>
+        <a:graphic>
+          <a:graphicData uri="http://schemas.openxmlformats.org/drawingml/2006/table">
+            <a:tbl>
+              <a:tblPr firstRow="1" bandRow="1">
+                <a:tableStyleId>{2D5ABB26-0587-4C30-8999-92F81FD0307C}</a:tableStyleId>
+              </a:tblPr>
+              <a:tblGrid>
+                <a:gridCol w="3048000">
+                  <a:extLst>
+                    <a:ext uri="{9D8B030D-6E8A-4147-A177-3AD203B41FA5}">
+                      <a16:colId xmlns:a16="http://schemas.microsoft.com/office/drawing/2014/main" val="2543207105"/>
+                    </a:ext>
+                  </a:extLst>
+                </a:gridCol>
+                <a:gridCol w="7467600">
+                  <a:extLst>
+                    <a:ext uri="{9D8B030D-6E8A-4147-A177-3AD203B41FA5}">
+                      <a16:colId xmlns:a16="http://schemas.microsoft.com/office/drawing/2014/main" val="484249098"/>
+                    </a:ext>
+                  </a:extLst>
+                </a:gridCol>
+              </a:tblGrid>
+              <a:tr h="550265">
+                <a:tc>
+                  <a:txBody>
+                    <a:bodyPr/>
+                    <a:lstStyle/>
+                    <a:p>
+                      <a:pPr algn="r"/>
+                      <a:r>
+                        <a:rPr lang="en-US" altLang="zh-CN" sz="2400" dirty="0" err="1"/>
+                        <a:t>cp</a:t>
+                      </a:r>
+                      <a:r>
+                        <a:rPr lang="en-US" altLang="zh-CN" sz="2400" dirty="0"/>
+                        <a:t>  </a:t>
+                      </a:r>
+                      <a:r>
+                        <a:rPr lang="en-US" altLang="zh-CN" sz="2400" dirty="0" err="1"/>
+                        <a:t>tmp</a:t>
+                      </a:r>
+                      <a:r>
+                        <a:rPr lang="en-US" altLang="zh-CN" sz="2400" dirty="0"/>
+                        <a:t>/a </a:t>
+                      </a:r>
+                      <a:r>
+                        <a:rPr lang="en-US" altLang="zh-CN" sz="2400" dirty="0" err="1"/>
+                        <a:t>tmp</a:t>
+                      </a:r>
+                      <a:r>
+                        <a:rPr lang="en-US" altLang="zh-CN" sz="2400" dirty="0"/>
+                        <a:t>/b </a:t>
+                      </a:r>
+                      <a:endParaRPr lang="zh-CN" altLang="en-US" sz="2400" dirty="0"/>
+                    </a:p>
+                  </a:txBody>
+                  <a:tcPr anchor="ctr"/>
+                </a:tc>
+                <a:tc>
+                  <a:txBody>
+                    <a:bodyPr/>
+                    <a:lstStyle/>
+                    <a:p>
+                      <a:r>
+                        <a:rPr lang="zh-CN" altLang="en-US" sz="2400" dirty="0"/>
+                        <a:t>复制</a:t>
+                      </a:r>
+                      <a:r>
+                        <a:rPr lang="en-US" altLang="zh-CN" sz="2400" dirty="0" err="1"/>
+                        <a:t>tmp</a:t>
+                      </a:r>
+                      <a:r>
+                        <a:rPr lang="en-US" altLang="zh-CN" sz="2400" dirty="0"/>
+                        <a:t>/a</a:t>
+                      </a:r>
+                      <a:r>
+                        <a:rPr lang="zh-CN" altLang="en-US" sz="2400" dirty="0"/>
+                        <a:t>文件，到</a:t>
+                      </a:r>
+                      <a:r>
+                        <a:rPr lang="en-US" altLang="zh-CN" sz="2400" dirty="0" err="1"/>
+                        <a:t>tmp</a:t>
+                      </a:r>
+                      <a:r>
+                        <a:rPr lang="zh-CN" altLang="en-US" sz="2400" dirty="0"/>
+                        <a:t>目录，命名为</a:t>
+                      </a:r>
+                      <a:r>
+                        <a:rPr lang="en-US" altLang="zh-CN" sz="2400" dirty="0"/>
+                        <a:t>b</a:t>
+                      </a:r>
+                      <a:endParaRPr lang="zh-CN" altLang="en-US" sz="2400" dirty="0"/>
+                    </a:p>
+                  </a:txBody>
+                  <a:tcPr anchor="ctr"/>
+                </a:tc>
+                <a:extLst>
+                  <a:ext uri="{0D108BD9-81ED-4DB2-BD59-A6C34878D82A}">
+                    <a16:rowId xmlns:a16="http://schemas.microsoft.com/office/drawing/2014/main" val="2145475634"/>
+                  </a:ext>
+                </a:extLst>
+              </a:tr>
+              <a:tr h="550265">
+                <a:tc>
+                  <a:txBody>
+                    <a:bodyPr/>
+                    <a:lstStyle/>
+                    <a:p>
+                      <a:pPr algn="r"/>
+                      <a:r>
+                        <a:rPr lang="en-US" altLang="zh-CN" sz="2400" dirty="0" err="1"/>
+                        <a:t>cp</a:t>
+                      </a:r>
+                      <a:r>
+                        <a:rPr lang="en-US" altLang="zh-CN" sz="2400" dirty="0"/>
+                        <a:t>  c/</a:t>
+                      </a:r>
+                      <a:r>
+                        <a:rPr lang="en-US" altLang="zh-CN" sz="2400" dirty="0" err="1"/>
+                        <a:t>fst.c</a:t>
+                      </a:r>
+                      <a:r>
+                        <a:rPr lang="en-US" altLang="zh-CN" sz="2400" dirty="0"/>
+                        <a:t>  </a:t>
+                      </a:r>
+                      <a:r>
+                        <a:rPr lang="en-US" altLang="zh-CN" sz="2400" dirty="0" err="1"/>
+                        <a:t>tmp</a:t>
+                      </a:r>
+                      <a:r>
+                        <a:rPr lang="en-US" altLang="zh-CN" sz="2400" dirty="0"/>
+                        <a:t>/</a:t>
+                      </a:r>
+                      <a:endParaRPr lang="zh-CN" altLang="en-US" sz="2400" dirty="0"/>
+                    </a:p>
+                  </a:txBody>
+                  <a:tcPr anchor="ctr"/>
+                </a:tc>
+                <a:tc>
+                  <a:txBody>
+                    <a:bodyPr/>
+                    <a:lstStyle/>
+                    <a:p>
+                      <a:r>
+                        <a:rPr lang="zh-CN" altLang="en-US" sz="2400" dirty="0"/>
+                        <a:t>复制</a:t>
+                      </a:r>
+                      <a:r>
+                        <a:rPr lang="en-US" altLang="zh-CN" sz="2400" dirty="0"/>
+                        <a:t>c/</a:t>
+                      </a:r>
+                      <a:r>
+                        <a:rPr lang="en-US" altLang="zh-CN" sz="2400" dirty="0" err="1"/>
+                        <a:t>fst.c</a:t>
+                      </a:r>
+                      <a:r>
+                        <a:rPr lang="zh-CN" altLang="en-US" sz="2400" dirty="0"/>
+                        <a:t>文件到</a:t>
+                      </a:r>
+                      <a:r>
+                        <a:rPr lang="en-US" altLang="zh-CN" sz="2400" dirty="0" err="1"/>
+                        <a:t>tmp</a:t>
+                      </a:r>
+                      <a:r>
+                        <a:rPr lang="zh-CN" altLang="en-US" sz="2400" dirty="0"/>
+                        <a:t>目录，名称不变</a:t>
+                      </a:r>
+                    </a:p>
+                  </a:txBody>
+                  <a:tcPr anchor="ctr"/>
+                </a:tc>
+                <a:extLst>
+                  <a:ext uri="{0D108BD9-81ED-4DB2-BD59-A6C34878D82A}">
+                    <a16:rowId xmlns:a16="http://schemas.microsoft.com/office/drawing/2014/main" val="60811268"/>
+                  </a:ext>
+                </a:extLst>
+              </a:tr>
+              <a:tr h="550265">
+                <a:tc>
+                  <a:txBody>
+                    <a:bodyPr/>
+                    <a:lstStyle/>
+                    <a:p>
+                      <a:pPr algn="r"/>
+                      <a:r>
+                        <a:rPr lang="en-US" altLang="zh-CN" sz="2400" dirty="0" err="1"/>
+                        <a:t>cp</a:t>
+                      </a:r>
+                      <a:r>
+                        <a:rPr lang="en-US" altLang="zh-CN" sz="2400" dirty="0"/>
+                        <a:t> –R  c/  </a:t>
+                      </a:r>
+                      <a:r>
+                        <a:rPr lang="en-US" altLang="zh-CN" sz="2400" dirty="0" err="1"/>
+                        <a:t>tmp</a:t>
+                      </a:r>
+                      <a:r>
+                        <a:rPr lang="en-US" altLang="zh-CN" sz="2400" dirty="0"/>
+                        <a:t>/</a:t>
+                      </a:r>
+                      <a:endParaRPr lang="zh-CN" altLang="en-US" sz="2400" dirty="0"/>
+                    </a:p>
+                  </a:txBody>
+                  <a:tcPr anchor="ctr"/>
+                </a:tc>
+                <a:tc>
+                  <a:txBody>
+                    <a:bodyPr/>
+                    <a:lstStyle/>
+                    <a:p>
+                      <a:r>
+                        <a:rPr lang="zh-CN" altLang="en-US" sz="2400" dirty="0"/>
+                        <a:t>递归复制目录</a:t>
+                      </a:r>
+                      <a:r>
+                        <a:rPr lang="en-US" altLang="zh-CN" sz="2400" dirty="0"/>
+                        <a:t>c</a:t>
+                      </a:r>
+                      <a:r>
+                        <a:rPr lang="zh-CN" altLang="en-US" sz="2400" dirty="0"/>
+                        <a:t>到</a:t>
+                      </a:r>
+                      <a:r>
+                        <a:rPr lang="en-US" altLang="zh-CN" sz="2400" dirty="0" err="1"/>
+                        <a:t>tmp</a:t>
+                      </a:r>
+                      <a:endParaRPr lang="zh-CN" altLang="en-US" sz="2400" dirty="0"/>
+                    </a:p>
+                  </a:txBody>
+                  <a:tcPr anchor="ctr"/>
+                </a:tc>
+                <a:extLst>
+                  <a:ext uri="{0D108BD9-81ED-4DB2-BD59-A6C34878D82A}">
+                    <a16:rowId xmlns:a16="http://schemas.microsoft.com/office/drawing/2014/main" val="1641420983"/>
+                  </a:ext>
+                </a:extLst>
+              </a:tr>
+              <a:tr h="550265">
+                <a:tc>
+                  <a:txBody>
+                    <a:bodyPr/>
+                    <a:lstStyle/>
+                    <a:p>
+                      <a:pPr algn="r"/>
+                      <a:r>
+                        <a:rPr lang="en-US" altLang="zh-CN" sz="2400" dirty="0" err="1"/>
                         <a:t>rmdir</a:t>
                       </a:r>
                       <a:r>
-                        <a:rPr lang="en-US" altLang="zh-CN" dirty="0"/>
+                        <a:rPr lang="en-US" altLang="zh-CN" sz="2400" dirty="0"/>
                         <a:t>  </a:t>
                       </a:r>
                       <a:r>
-                        <a:rPr lang="en-US" altLang="zh-CN" dirty="0" err="1"/>
+                        <a:rPr lang="en-US" altLang="zh-CN" sz="2400" dirty="0" err="1"/>
                         <a:t>tmp</a:t>
                       </a:r>
-                      <a:endParaRPr lang="zh-CN" altLang="en-US" dirty="0"/>
+                      <a:endParaRPr lang="zh-CN" altLang="en-US" sz="2400" dirty="0"/>
                     </a:p>
                   </a:txBody>
                   <a:tcPr anchor="ctr">
@@ -9681,15 +10760,15 @@
                     <a:lstStyle/>
                     <a:p>
                       <a:r>
-                        <a:rPr lang="zh-CN" altLang="en-US" dirty="0"/>
+                        <a:rPr lang="zh-CN" altLang="en-US" sz="2400" dirty="0"/>
                         <a:t>删除</a:t>
                       </a:r>
                       <a:r>
-                        <a:rPr lang="en-US" altLang="zh-CN" dirty="0" err="1"/>
+                        <a:rPr lang="en-US" altLang="zh-CN" sz="2400" dirty="0" err="1"/>
                         <a:t>tmp</a:t>
                       </a:r>
                       <a:r>
-                        <a:rPr lang="zh-CN" altLang="en-US" dirty="0"/>
+                        <a:rPr lang="zh-CN" altLang="en-US" sz="2400" dirty="0"/>
                         <a:t>目录，目录必须为空</a:t>
                       </a:r>
                     </a:p>
@@ -9708,7 +10787,7 @@
                   </a:ext>
                 </a:extLst>
               </a:tr>
-              <a:tr h="536626">
+              <a:tr h="550265">
                 <a:tc>
                   <a:txBody>
                     <a:bodyPr/>
@@ -9716,22 +10795,22 @@
                     <a:p>
                       <a:pPr algn="r"/>
                       <a:r>
-                        <a:rPr lang="en-US" altLang="zh-CN" dirty="0" err="1"/>
+                        <a:rPr lang="en-US" altLang="zh-CN" sz="2400" dirty="0" err="1"/>
                         <a:t>rm</a:t>
                       </a:r>
                       <a:r>
-                        <a:rPr lang="en-US" altLang="zh-CN" dirty="0"/>
+                        <a:rPr lang="en-US" altLang="zh-CN" sz="2400" dirty="0"/>
                         <a:t>  c/</a:t>
                       </a:r>
                       <a:r>
-                        <a:rPr lang="en-US" altLang="zh-CN" dirty="0" err="1"/>
+                        <a:rPr lang="en-US" altLang="zh-CN" sz="2400" dirty="0" err="1"/>
                         <a:t>test.c</a:t>
                       </a:r>
                       <a:r>
-                        <a:rPr lang="en-US" altLang="zh-CN" dirty="0"/>
+                        <a:rPr lang="en-US" altLang="zh-CN" sz="2400" dirty="0"/>
                         <a:t> </a:t>
                       </a:r>
-                      <a:endParaRPr lang="zh-CN" altLang="en-US" dirty="0"/>
+                      <a:endParaRPr lang="zh-CN" altLang="en-US" sz="2400" dirty="0"/>
                     </a:p>
                   </a:txBody>
                   <a:tcPr anchor="ctr">
@@ -9749,19 +10828,19 @@
                     <a:lstStyle/>
                     <a:p>
                       <a:r>
-                        <a:rPr lang="zh-CN" altLang="en-US" dirty="0"/>
+                        <a:rPr lang="zh-CN" altLang="en-US" sz="2400" dirty="0"/>
                         <a:t>删除</a:t>
                       </a:r>
                       <a:r>
-                        <a:rPr lang="en-US" altLang="zh-CN" dirty="0"/>
+                        <a:rPr lang="en-US" altLang="zh-CN" sz="2400" dirty="0"/>
                         <a:t>c/</a:t>
                       </a:r>
                       <a:r>
-                        <a:rPr lang="en-US" altLang="zh-CN" dirty="0" err="1"/>
+                        <a:rPr lang="en-US" altLang="zh-CN" sz="2400" dirty="0" err="1"/>
                         <a:t>test.c</a:t>
                       </a:r>
                       <a:r>
-                        <a:rPr lang="zh-CN" altLang="en-US" dirty="0"/>
+                        <a:rPr lang="zh-CN" altLang="en-US" sz="2400" dirty="0"/>
                         <a:t>文件</a:t>
                       </a:r>
                     </a:p>
@@ -9781,7 +10860,7 @@
                   </a:ext>
                 </a:extLst>
               </a:tr>
-              <a:tr h="536626">
+              <a:tr h="550265">
                 <a:tc>
                   <a:txBody>
                     <a:bodyPr/>
@@ -9789,26 +10868,26 @@
                     <a:p>
                       <a:pPr algn="r"/>
                       <a:r>
-                        <a:rPr lang="en-US" altLang="zh-CN" dirty="0" err="1"/>
+                        <a:rPr lang="en-US" altLang="zh-CN" sz="2400" dirty="0" err="1"/>
                         <a:t>rm</a:t>
                       </a:r>
                       <a:r>
-                        <a:rPr lang="en-US" altLang="zh-CN" dirty="0"/>
+                        <a:rPr lang="en-US" altLang="zh-CN" sz="2400" dirty="0"/>
                         <a:t>  -</a:t>
                       </a:r>
                       <a:r>
-                        <a:rPr lang="en-US" altLang="zh-CN" dirty="0" err="1"/>
+                        <a:rPr lang="en-US" altLang="zh-CN" sz="2400" dirty="0" err="1"/>
                         <a:t>rf</a:t>
                       </a:r>
                       <a:r>
-                        <a:rPr lang="en-US" altLang="zh-CN" dirty="0"/>
+                        <a:rPr lang="en-US" altLang="zh-CN" sz="2400" dirty="0"/>
                         <a:t>  </a:t>
                       </a:r>
                       <a:r>
-                        <a:rPr lang="en-US" altLang="zh-CN" dirty="0" err="1"/>
+                        <a:rPr lang="en-US" altLang="zh-CN" sz="2400" dirty="0" err="1"/>
                         <a:t>tmp</a:t>
                       </a:r>
-                      <a:endParaRPr lang="zh-CN" altLang="en-US" dirty="0"/>
+                      <a:endParaRPr lang="zh-CN" altLang="en-US" sz="2400" dirty="0"/>
                     </a:p>
                   </a:txBody>
                   <a:tcPr anchor="ctr">
@@ -9826,15 +10905,15 @@
                     <a:lstStyle/>
                     <a:p>
                       <a:r>
-                        <a:rPr lang="zh-CN" altLang="en-US" dirty="0"/>
+                        <a:rPr lang="zh-CN" altLang="en-US" sz="2400" dirty="0"/>
                         <a:t>强制删除</a:t>
                       </a:r>
                       <a:r>
-                        <a:rPr lang="en-US" altLang="zh-CN" dirty="0" err="1"/>
+                        <a:rPr lang="en-US" altLang="zh-CN" sz="2400" dirty="0" err="1"/>
                         <a:t>tmp</a:t>
                       </a:r>
                       <a:r>
-                        <a:rPr lang="zh-CN" altLang="en-US" dirty="0"/>
+                        <a:rPr lang="zh-CN" altLang="en-US" sz="2400" dirty="0"/>
                         <a:t>目录，目录不为空也可以删除</a:t>
                       </a:r>
                     </a:p>
@@ -9854,7 +10933,7 @@
                   </a:ext>
                 </a:extLst>
               </a:tr>
-              <a:tr h="536626">
+              <a:tr h="550265">
                 <a:tc>
                   <a:txBody>
                     <a:bodyPr/>
@@ -9862,18 +10941,18 @@
                     <a:p>
                       <a:pPr algn="r"/>
                       <a:r>
-                        <a:rPr lang="en-US" altLang="zh-CN" dirty="0"/>
+                        <a:rPr lang="en-US" altLang="zh-CN" sz="2400" dirty="0"/>
                         <a:t>mv  c/</a:t>
                       </a:r>
                       <a:r>
-                        <a:rPr lang="en-US" altLang="zh-CN" dirty="0" err="1"/>
+                        <a:rPr lang="en-US" altLang="zh-CN" sz="2400" dirty="0" err="1"/>
                         <a:t>fst</a:t>
                       </a:r>
                       <a:r>
-                        <a:rPr lang="en-US" altLang="zh-CN" dirty="0"/>
+                        <a:rPr lang="en-US" altLang="zh-CN" sz="2400" dirty="0"/>
                         <a:t>  bin/</a:t>
                       </a:r>
-                      <a:endParaRPr lang="zh-CN" altLang="en-US" dirty="0"/>
+                      <a:endParaRPr lang="zh-CN" altLang="en-US" sz="2400" dirty="0"/>
                     </a:p>
                   </a:txBody>
                   <a:tcPr anchor="ctr"/>
@@ -9884,27 +10963,27 @@
                     <a:lstStyle/>
                     <a:p>
                       <a:r>
-                        <a:rPr lang="zh-CN" altLang="en-US" dirty="0"/>
+                        <a:rPr lang="zh-CN" altLang="en-US" sz="2400" dirty="0"/>
                         <a:t>移动</a:t>
                       </a:r>
                       <a:r>
-                        <a:rPr lang="en-US" altLang="zh-CN" dirty="0"/>
+                        <a:rPr lang="en-US" altLang="zh-CN" sz="2400" dirty="0"/>
                         <a:t>c/</a:t>
                       </a:r>
                       <a:r>
-                        <a:rPr lang="en-US" altLang="zh-CN" dirty="0" err="1"/>
+                        <a:rPr lang="en-US" altLang="zh-CN" sz="2400" dirty="0" err="1"/>
                         <a:t>fst</a:t>
                       </a:r>
                       <a:r>
-                        <a:rPr lang="zh-CN" altLang="en-US" dirty="0"/>
+                        <a:rPr lang="zh-CN" altLang="en-US" sz="2400" dirty="0"/>
                         <a:t>文件到</a:t>
                       </a:r>
                       <a:r>
-                        <a:rPr lang="en-US" altLang="zh-CN" dirty="0"/>
+                        <a:rPr lang="en-US" altLang="zh-CN" sz="2400" dirty="0"/>
                         <a:t>bin</a:t>
                       </a:r>
                       <a:r>
-                        <a:rPr lang="zh-CN" altLang="en-US" dirty="0"/>
+                        <a:rPr lang="zh-CN" altLang="en-US" sz="2400" dirty="0"/>
                         <a:t>目录</a:t>
                       </a:r>
                     </a:p>
@@ -9917,7 +10996,7 @@
                   </a:ext>
                 </a:extLst>
               </a:tr>
-              <a:tr h="536626">
+              <a:tr h="550265">
                 <a:tc>
                   <a:txBody>
                     <a:bodyPr/>
@@ -9925,14 +11004,14 @@
                     <a:p>
                       <a:pPr algn="r"/>
                       <a:r>
-                        <a:rPr lang="en-US" altLang="zh-CN" dirty="0"/>
+                        <a:rPr lang="en-US" altLang="zh-CN" sz="2400" dirty="0"/>
                         <a:t>mv  c/fst1  bin/</a:t>
                       </a:r>
                       <a:r>
-                        <a:rPr lang="en-US" altLang="zh-CN" dirty="0" err="1"/>
+                        <a:rPr lang="en-US" altLang="zh-CN" sz="2400" dirty="0" err="1"/>
                         <a:t>fst</a:t>
                       </a:r>
-                      <a:endParaRPr lang="zh-CN" altLang="en-US" dirty="0"/>
+                      <a:endParaRPr lang="zh-CN" altLang="en-US" sz="2400" dirty="0"/>
                     </a:p>
                   </a:txBody>
                   <a:tcPr anchor="ctr"/>
@@ -9943,30 +11022,30 @@
                     <a:lstStyle/>
                     <a:p>
                       <a:r>
-                        <a:rPr lang="zh-CN" altLang="en-US" dirty="0"/>
+                        <a:rPr lang="zh-CN" altLang="en-US" sz="2400" dirty="0"/>
                         <a:t>移动</a:t>
                       </a:r>
                       <a:r>
-                        <a:rPr lang="en-US" altLang="zh-CN" dirty="0"/>
+                        <a:rPr lang="en-US" altLang="zh-CN" sz="2400" dirty="0"/>
                         <a:t>c/fst1</a:t>
                       </a:r>
                       <a:r>
-                        <a:rPr lang="zh-CN" altLang="en-US" dirty="0"/>
+                        <a:rPr lang="zh-CN" altLang="en-US" sz="2400" dirty="0"/>
                         <a:t>文件到</a:t>
                       </a:r>
                       <a:r>
-                        <a:rPr lang="en-US" altLang="zh-CN" dirty="0"/>
+                        <a:rPr lang="en-US" altLang="zh-CN" sz="2400" dirty="0"/>
                         <a:t>bin</a:t>
                       </a:r>
                       <a:r>
-                        <a:rPr lang="zh-CN" altLang="en-US" dirty="0"/>
+                        <a:rPr lang="zh-CN" altLang="en-US" sz="2400" dirty="0"/>
                         <a:t>目录，命名为</a:t>
                       </a:r>
                       <a:r>
-                        <a:rPr lang="en-US" altLang="zh-CN" dirty="0" err="1"/>
+                        <a:rPr lang="en-US" altLang="zh-CN" sz="2400" dirty="0" err="1"/>
                         <a:t>fst</a:t>
                       </a:r>
-                      <a:endParaRPr lang="zh-CN" altLang="en-US" dirty="0"/>
+                      <a:endParaRPr lang="zh-CN" altLang="en-US" sz="2400" dirty="0"/>
                     </a:p>
                   </a:txBody>
                   <a:tcPr anchor="ctr"/>
@@ -9977,7 +11056,7 @@
                   </a:ext>
                 </a:extLst>
               </a:tr>
-              <a:tr h="536626">
+              <a:tr h="550265">
                 <a:tc>
                   <a:txBody>
                     <a:bodyPr/>
@@ -9985,18 +11064,18 @@
                     <a:p>
                       <a:pPr algn="r"/>
                       <a:r>
-                        <a:rPr lang="en-US" altLang="zh-CN" dirty="0"/>
+                        <a:rPr lang="en-US" altLang="zh-CN" sz="2400" dirty="0"/>
                         <a:t>stat  </a:t>
                       </a:r>
                       <a:r>
-                        <a:rPr lang="en-US" altLang="zh-CN" dirty="0" err="1"/>
+                        <a:rPr lang="en-US" altLang="zh-CN" sz="2400" dirty="0" err="1"/>
                         <a:t>tmp</a:t>
                       </a:r>
                       <a:r>
-                        <a:rPr lang="en-US" altLang="zh-CN" dirty="0"/>
+                        <a:rPr lang="en-US" altLang="zh-CN" sz="2400" dirty="0"/>
                         <a:t>/run</a:t>
                       </a:r>
-                      <a:endParaRPr lang="zh-CN" altLang="en-US" dirty="0"/>
+                      <a:endParaRPr lang="zh-CN" altLang="en-US" sz="2400" dirty="0"/>
                     </a:p>
                   </a:txBody>
                   <a:tcPr anchor="ctr">
@@ -10014,7 +11093,7 @@
                     <a:lstStyle/>
                     <a:p>
                       <a:r>
-                        <a:rPr lang="zh-CN" altLang="en-US" dirty="0"/>
+                        <a:rPr lang="zh-CN" altLang="en-US" sz="2400" dirty="0"/>
                         <a:t>显示文件详细信息</a:t>
                       </a:r>
                     </a:p>
@@ -10051,7 +11130,7 @@
 </p:sld>
 </file>
 
-<file path=ppt/slides/slide6.xml><?xml version="1.0" encoding="utf-8"?>
+<file path=ppt/slides/slide7.xml><?xml version="1.0" encoding="utf-8"?>
 <p:sld xmlns:a="http://schemas.openxmlformats.org/drawingml/2006/main" xmlns:r="http://schemas.openxmlformats.org/officeDocument/2006/relationships" xmlns:p="http://schemas.openxmlformats.org/presentationml/2006/main">
   <p:cSld>
     <p:spTree>
@@ -10125,17 +11204,22 @@
           <a:lstStyle/>
           <a:p>
             <a:r>
-              <a:rPr lang="en-US" altLang="zh-CN" sz="2000" dirty="0"/>
+              <a:rPr lang="en-US" altLang="zh-CN" sz="2400" dirty="0"/>
               <a:t>shell</a:t>
             </a:r>
             <a:r>
-              <a:rPr lang="zh-CN" altLang="en-US" sz="2000" dirty="0"/>
+              <a:rPr lang="zh-CN" altLang="en-US" sz="2400" dirty="0"/>
               <a:t>中输入</a:t>
             </a:r>
             <a:r>
-              <a:rPr lang="en-US" altLang="zh-CN" sz="2000" dirty="0"/>
-              <a:t>ls  -li</a:t>
-            </a:r>
+              <a:rPr lang="en-US" altLang="zh-CN" sz="2400" dirty="0"/>
+              <a:t>ls  </a:t>
+            </a:r>
+            <a:r>
+              <a:rPr lang="en-US" altLang="zh-CN" sz="2400"/>
+              <a:t>-l</a:t>
+            </a:r>
+            <a:endParaRPr lang="en-US" altLang="zh-CN" sz="2400" dirty="0"/>
           </a:p>
           <a:p>
             <a:pPr marL="0" indent="0">
@@ -10169,87 +11253,82 @@
           </a:p>
           <a:p>
             <a:r>
-              <a:rPr lang="zh-CN" altLang="en-US" sz="1800" dirty="0"/>
+              <a:rPr lang="zh-CN" altLang="en-US" sz="2400" dirty="0"/>
               <a:t>第一项表示文件对应的</a:t>
             </a:r>
             <a:r>
-              <a:rPr lang="en-US" altLang="zh-CN" sz="1800" dirty="0" err="1"/>
+              <a:rPr lang="en-US" altLang="zh-CN" sz="2400" dirty="0" err="1"/>
               <a:t>inode</a:t>
             </a:r>
             <a:r>
-              <a:rPr lang="zh-CN" altLang="en-US" sz="1800" dirty="0"/>
-              <a:t>号；</a:t>
-            </a:r>
-            <a:endParaRPr lang="en-US" altLang="zh-CN" sz="1800" dirty="0"/>
-          </a:p>
-          <a:p>
-            <a:endParaRPr lang="en-US" altLang="zh-CN" sz="1800" dirty="0"/>
-          </a:p>
-          <a:p>
-            <a:r>
-              <a:rPr lang="zh-CN" altLang="en-US" sz="1800" dirty="0"/>
-              <a:t>第二项</a:t>
-            </a:r>
-            <a:r>
-              <a:rPr lang="en-US" altLang="zh-CN" sz="1800" dirty="0"/>
+              <a:rPr lang="zh-CN" altLang="en-US" sz="2400"/>
+              <a:t>号；第二</a:t>
+            </a:r>
+            <a:r>
+              <a:rPr lang="zh-CN" altLang="en-US" sz="2400" dirty="0"/>
+              <a:t>项</a:t>
+            </a:r>
+            <a:r>
+              <a:rPr lang="en-US" altLang="zh-CN" sz="2400" dirty="0"/>
               <a:t>d</a:t>
             </a:r>
             <a:r>
-              <a:rPr lang="zh-CN" altLang="en-US" sz="1800" dirty="0"/>
+              <a:rPr lang="zh-CN" altLang="en-US" sz="2400" dirty="0"/>
               <a:t>表示目录，</a:t>
             </a:r>
             <a:r>
-              <a:rPr lang="en-US" altLang="zh-CN" sz="1800" dirty="0"/>
+              <a:rPr lang="en-US" altLang="zh-CN" sz="2400" dirty="0"/>
               <a:t>l</a:t>
             </a:r>
             <a:r>
-              <a:rPr lang="zh-CN" altLang="en-US" sz="1800" dirty="0"/>
+              <a:rPr lang="zh-CN" altLang="en-US" sz="2400" dirty="0"/>
               <a:t>表示链接文件，</a:t>
             </a:r>
             <a:r>
-              <a:rPr lang="en-US" altLang="zh-CN" sz="1800" dirty="0"/>
+              <a:rPr lang="en-US" altLang="zh-CN" sz="2400" dirty="0"/>
               <a:t>-</a:t>
             </a:r>
             <a:r>
-              <a:rPr lang="zh-CN" altLang="en-US" sz="1800" dirty="0"/>
+              <a:rPr lang="zh-CN" altLang="en-US" sz="2400" dirty="0"/>
               <a:t>是普通文件，</a:t>
             </a:r>
             <a:r>
-              <a:rPr lang="en-US" altLang="zh-CN" sz="1800" dirty="0"/>
+              <a:rPr lang="en-US" altLang="zh-CN" sz="2400" dirty="0"/>
               <a:t>r</a:t>
             </a:r>
             <a:r>
-              <a:rPr lang="zh-CN" altLang="en-US" sz="1800" dirty="0"/>
+              <a:rPr lang="zh-CN" altLang="en-US" sz="2400" dirty="0"/>
               <a:t>，</a:t>
             </a:r>
             <a:r>
-              <a:rPr lang="en-US" altLang="zh-CN" sz="1800" dirty="0"/>
+              <a:rPr lang="en-US" altLang="zh-CN" sz="2400" dirty="0"/>
               <a:t>w</a:t>
             </a:r>
             <a:r>
-              <a:rPr lang="zh-CN" altLang="en-US" sz="1800" dirty="0"/>
+              <a:rPr lang="zh-CN" altLang="en-US" sz="2400" dirty="0"/>
               <a:t>，</a:t>
             </a:r>
             <a:r>
-              <a:rPr lang="en-US" altLang="zh-CN" sz="1800" dirty="0"/>
+              <a:rPr lang="en-US" altLang="zh-CN" sz="2400" dirty="0"/>
               <a:t>x</a:t>
             </a:r>
             <a:r>
-              <a:rPr lang="zh-CN" altLang="en-US" sz="1800" dirty="0"/>
+              <a:rPr lang="zh-CN" altLang="en-US" sz="2400" dirty="0"/>
               <a:t>分别表示可读，可写，可执行。连续三个分别表示文件所属用户具有的权限，文件所属组具有的权限，其他用户具有的权限。</a:t>
             </a:r>
             <a:r>
-              <a:rPr lang="en-US" altLang="zh-CN" sz="1800" dirty="0"/>
+              <a:rPr lang="en-US" altLang="zh-CN" sz="2400" dirty="0"/>
               <a:t>-</a:t>
             </a:r>
             <a:r>
-              <a:rPr lang="zh-CN" altLang="en-US" sz="1800" dirty="0"/>
-              <a:t>表示没有权限。</a:t>
-            </a:r>
-            <a:endParaRPr lang="en-US" altLang="zh-CN" sz="1800" dirty="0"/>
-          </a:p>
-          <a:p>
-            <a:endParaRPr lang="en-US" altLang="zh-CN" sz="1800" dirty="0">
+              <a:rPr lang="zh-CN" altLang="en-US" sz="2400" dirty="0"/>
+              <a:t>表示没有</a:t>
+            </a:r>
+            <a:r>
+              <a:rPr lang="zh-CN" altLang="en-US" sz="2400"/>
+              <a:t>权限。</a:t>
+            </a:r>
+            <a:endParaRPr lang="en-US" altLang="zh-CN" sz="2400" dirty="0">
               <a:solidFill>
                 <a:srgbClr val="C00000"/>
               </a:solidFill>
@@ -10257,7 +11336,7 @@
           </a:p>
           <a:p>
             <a:r>
-              <a:rPr lang="zh-CN" altLang="en-US" sz="1800" dirty="0">
+              <a:rPr lang="zh-CN" altLang="en-US" sz="2400" dirty="0">
                 <a:solidFill>
                   <a:srgbClr val="C00000"/>
                 </a:solidFill>
@@ -10265,19 +11344,19 @@
               <a:t>第三项是文件的硬链接数。</a:t>
             </a:r>
             <a:r>
-              <a:rPr lang="zh-CN" altLang="en-US" sz="1800" dirty="0"/>
+              <a:rPr lang="zh-CN" altLang="en-US" sz="2400" dirty="0"/>
               <a:t>第四，五项是文件所属用户和文件所属组。第六项是文件大小，字节为单位。接下来是创建时间，文件名。</a:t>
             </a:r>
-            <a:endParaRPr lang="en-US" altLang="zh-CN" sz="1800" dirty="0"/>
+            <a:endParaRPr lang="en-US" altLang="zh-CN" sz="2400" dirty="0"/>
           </a:p>
         </p:txBody>
       </p:sp>
       <p:pic>
         <p:nvPicPr>
-          <p:cNvPr id="6" name="图片 5">
-            <a:extLst>
-              <a:ext uri="{FF2B5EF4-FFF2-40B4-BE49-F238E27FC236}">
-                <a16:creationId xmlns:a16="http://schemas.microsoft.com/office/drawing/2014/main" id="{2E19FB91-2868-460D-9161-F82A13B4E592}"/>
+          <p:cNvPr id="5" name="图片 4">
+            <a:extLst>
+              <a:ext uri="{FF2B5EF4-FFF2-40B4-BE49-F238E27FC236}">
+                <a16:creationId xmlns:a16="http://schemas.microsoft.com/office/drawing/2014/main" id="{B95C70FD-3EBE-4A37-B814-5A599C33C447}"/>
               </a:ext>
             </a:extLst>
           </p:cNvPr>
@@ -10300,8 +11379,8 @@
         </p:blipFill>
         <p:spPr>
           <a:xfrm>
-            <a:off x="2045564" y="1992131"/>
-            <a:ext cx="7489054" cy="2111009"/>
+            <a:off x="1132392" y="2154993"/>
+            <a:ext cx="9927216" cy="1880675"/>
           </a:xfrm>
           <a:prstGeom prst="rect">
             <a:avLst/>
@@ -10321,7 +11400,7 @@
 </p:sld>
 </file>
 
-<file path=ppt/slides/slide7.xml><?xml version="1.0" encoding="utf-8"?>
+<file path=ppt/slides/slide8.xml><?xml version="1.0" encoding="utf-8"?>
 <p:sld xmlns:a="http://schemas.openxmlformats.org/drawingml/2006/main" xmlns:r="http://schemas.openxmlformats.org/officeDocument/2006/relationships" xmlns:p="http://schemas.openxmlformats.org/presentationml/2006/main">
   <p:cSld>
     <p:spTree>
@@ -10390,130 +11469,130 @@
           <a:lstStyle/>
           <a:p>
             <a:r>
+              <a:rPr lang="en-US" altLang="zh-CN" sz="2400" dirty="0"/>
+              <a:t>r</a:t>
+            </a:r>
+            <a:r>
+              <a:rPr lang="zh-CN" altLang="en-US" sz="2400" dirty="0"/>
+              <a:t>：可读</a:t>
+            </a:r>
+            <a:endParaRPr lang="en-US" altLang="zh-CN" sz="2400" dirty="0"/>
+          </a:p>
+          <a:p>
+            <a:r>
+              <a:rPr lang="en-US" altLang="zh-CN" sz="2400" dirty="0"/>
+              <a:t>w</a:t>
+            </a:r>
+            <a:r>
+              <a:rPr lang="zh-CN" altLang="en-US" sz="2400" dirty="0"/>
+              <a:t>：可写，可以更改文件</a:t>
+            </a:r>
+            <a:r>
+              <a:rPr lang="en-US" altLang="zh-CN" sz="2400" dirty="0"/>
+              <a:t>/</a:t>
+            </a:r>
+            <a:r>
+              <a:rPr lang="zh-CN" altLang="en-US" sz="2400" dirty="0"/>
+              <a:t>目录的内容，可以删除文件</a:t>
+            </a:r>
+            <a:r>
+              <a:rPr lang="en-US" altLang="zh-CN" sz="2400" dirty="0"/>
+              <a:t>/</a:t>
+            </a:r>
+            <a:r>
+              <a:rPr lang="zh-CN" altLang="en-US" sz="2400" dirty="0"/>
+              <a:t>目录。</a:t>
+            </a:r>
+            <a:endParaRPr lang="en-US" altLang="zh-CN" sz="2400" dirty="0"/>
+          </a:p>
+          <a:p>
+            <a:r>
+              <a:rPr lang="en-US" altLang="zh-CN" sz="2400" dirty="0"/>
+              <a:t>x</a:t>
+            </a:r>
+            <a:r>
+              <a:rPr lang="zh-CN" altLang="en-US" sz="2400" dirty="0"/>
+              <a:t>：可执行，程序要具有可执行权限。目录必须要有可执行权限才可以进入。</a:t>
+            </a:r>
+            <a:endParaRPr lang="en-US" altLang="zh-CN" sz="2400" dirty="0"/>
+          </a:p>
+          <a:p>
+            <a:r>
+              <a:rPr lang="zh-CN" altLang="en-US" sz="2400" dirty="0"/>
+              <a:t>八进制采用三个位表示，</a:t>
+            </a:r>
+            <a:r>
+              <a:rPr lang="en-US" altLang="zh-CN" sz="2400" dirty="0"/>
+              <a:t>r</a:t>
+            </a:r>
+            <a:r>
+              <a:rPr lang="zh-CN" altLang="en-US" sz="2400" dirty="0"/>
+              <a:t>，</a:t>
+            </a:r>
+            <a:r>
+              <a:rPr lang="en-US" altLang="zh-CN" sz="2400" dirty="0"/>
+              <a:t>w</a:t>
+            </a:r>
+            <a:r>
+              <a:rPr lang="zh-CN" altLang="en-US" sz="2400" dirty="0"/>
+              <a:t>，</a:t>
+            </a:r>
+            <a:r>
+              <a:rPr lang="en-US" altLang="zh-CN" sz="2400" dirty="0"/>
+              <a:t>x</a:t>
+            </a:r>
+            <a:r>
+              <a:rPr lang="zh-CN" altLang="en-US" sz="2400" dirty="0"/>
+              <a:t>占有的位分别为：</a:t>
+            </a:r>
+            <a:endParaRPr lang="en-US" altLang="zh-CN" sz="2400" dirty="0"/>
+          </a:p>
+          <a:p>
+            <a:pPr marL="457200" lvl="1" indent="0">
+              <a:buNone/>
+            </a:pPr>
+            <a:r>
               <a:rPr lang="en-US" altLang="zh-CN" sz="2000" dirty="0"/>
-              <a:t>r</a:t>
+              <a:t>r </a:t>
             </a:r>
             <a:r>
               <a:rPr lang="zh-CN" altLang="en-US" sz="2000" dirty="0"/>
-              <a:t>：可读</a:t>
-            </a:r>
-            <a:endParaRPr lang="en-US" altLang="zh-CN" sz="2000" dirty="0"/>
-          </a:p>
-          <a:p>
+              <a:t>：</a:t>
+            </a:r>
+            <a:r>
+              <a:rPr lang="en-US" altLang="zh-CN" sz="2000" dirty="0"/>
+              <a:t>100</a:t>
+            </a:r>
+            <a:r>
+              <a:rPr lang="zh-CN" altLang="en-US" sz="2000" dirty="0"/>
+              <a:t>； </a:t>
+            </a:r>
             <a:r>
               <a:rPr lang="en-US" altLang="zh-CN" sz="2000" dirty="0"/>
               <a:t>w</a:t>
             </a:r>
             <a:r>
               <a:rPr lang="zh-CN" altLang="en-US" sz="2000" dirty="0"/>
-              <a:t>：可写，可以更改文件</a:t>
+              <a:t>：</a:t>
             </a:r>
             <a:r>
               <a:rPr lang="en-US" altLang="zh-CN" sz="2000" dirty="0"/>
-              <a:t>/</a:t>
+              <a:t>010</a:t>
             </a:r>
             <a:r>
               <a:rPr lang="zh-CN" altLang="en-US" sz="2000" dirty="0"/>
-              <a:t>目录的内容，可以删除文件</a:t>
-            </a:r>
-            <a:r>
-              <a:rPr lang="en-US" altLang="zh-CN" sz="2000" dirty="0"/>
-              <a:t>/</a:t>
-            </a:r>
-            <a:r>
-              <a:rPr lang="zh-CN" altLang="en-US" sz="2000" dirty="0"/>
-              <a:t>目录。</a:t>
-            </a:r>
-            <a:endParaRPr lang="en-US" altLang="zh-CN" sz="2000" dirty="0"/>
-          </a:p>
-          <a:p>
+              <a:t>； </a:t>
+            </a:r>
             <a:r>
               <a:rPr lang="en-US" altLang="zh-CN" sz="2000" dirty="0"/>
               <a:t>x</a:t>
             </a:r>
             <a:r>
               <a:rPr lang="zh-CN" altLang="en-US" sz="2000" dirty="0"/>
-              <a:t>：可执行，程序要具有可执行权限。目录必须要有可执行权限才可以进入。</a:t>
-            </a:r>
-            <a:endParaRPr lang="en-US" altLang="zh-CN" sz="2000" dirty="0"/>
-          </a:p>
-          <a:p>
-            <a:r>
-              <a:rPr lang="zh-CN" altLang="en-US" sz="2000" dirty="0"/>
-              <a:t>八进制采用三个位表示，</a:t>
+              <a:t>：</a:t>
             </a:r>
             <a:r>
               <a:rPr lang="en-US" altLang="zh-CN" sz="2000" dirty="0"/>
-              <a:t>r</a:t>
-            </a:r>
-            <a:r>
-              <a:rPr lang="zh-CN" altLang="en-US" sz="2000" dirty="0"/>
-              <a:t>，</a:t>
-            </a:r>
-            <a:r>
-              <a:rPr lang="en-US" altLang="zh-CN" sz="2000" dirty="0"/>
-              <a:t>w</a:t>
-            </a:r>
-            <a:r>
-              <a:rPr lang="zh-CN" altLang="en-US" sz="2000" dirty="0"/>
-              <a:t>，</a:t>
-            </a:r>
-            <a:r>
-              <a:rPr lang="en-US" altLang="zh-CN" sz="2000" dirty="0"/>
-              <a:t>x</a:t>
-            </a:r>
-            <a:r>
-              <a:rPr lang="zh-CN" altLang="en-US" sz="2000" dirty="0"/>
-              <a:t>占有的位分别为：</a:t>
-            </a:r>
-            <a:endParaRPr lang="en-US" altLang="zh-CN" sz="2000" dirty="0"/>
-          </a:p>
-          <a:p>
-            <a:pPr marL="457200" lvl="1" indent="0">
-              <a:buNone/>
-            </a:pPr>
-            <a:r>
-              <a:rPr lang="en-US" altLang="zh-CN" sz="1800" dirty="0"/>
-              <a:t>r </a:t>
-            </a:r>
-            <a:r>
-              <a:rPr lang="zh-CN" altLang="en-US" sz="1800" dirty="0"/>
-              <a:t>：</a:t>
-            </a:r>
-            <a:r>
-              <a:rPr lang="en-US" altLang="zh-CN" sz="1800" dirty="0"/>
-              <a:t>100</a:t>
-            </a:r>
-            <a:r>
-              <a:rPr lang="zh-CN" altLang="en-US" sz="1800" dirty="0"/>
-              <a:t>； </a:t>
-            </a:r>
-            <a:r>
-              <a:rPr lang="en-US" altLang="zh-CN" sz="1800" dirty="0"/>
-              <a:t>w</a:t>
-            </a:r>
-            <a:r>
-              <a:rPr lang="zh-CN" altLang="en-US" sz="1800" dirty="0"/>
-              <a:t>：</a:t>
-            </a:r>
-            <a:r>
-              <a:rPr lang="en-US" altLang="zh-CN" sz="1800" dirty="0"/>
-              <a:t>010</a:t>
-            </a:r>
-            <a:r>
-              <a:rPr lang="zh-CN" altLang="en-US" sz="1800" dirty="0"/>
-              <a:t>； </a:t>
-            </a:r>
-            <a:r>
-              <a:rPr lang="en-US" altLang="zh-CN" sz="1800" dirty="0"/>
-              <a:t>x</a:t>
-            </a:r>
-            <a:r>
-              <a:rPr lang="zh-CN" altLang="en-US" sz="1800" dirty="0"/>
-              <a:t>：</a:t>
-            </a:r>
-            <a:r>
-              <a:rPr lang="en-US" altLang="zh-CN" sz="1800" dirty="0"/>
               <a:t>001</a:t>
             </a:r>
           </a:p>
@@ -10871,191 +11950,6 @@
 </p:sld>
 </file>
 
-<file path=ppt/slides/slide8.xml><?xml version="1.0" encoding="utf-8"?>
-<p:sld xmlns:a="http://schemas.openxmlformats.org/drawingml/2006/main" xmlns:r="http://schemas.openxmlformats.org/officeDocument/2006/relationships" xmlns:p="http://schemas.openxmlformats.org/presentationml/2006/main">
-  <p:cSld>
-    <p:spTree>
-      <p:nvGrpSpPr>
-        <p:cNvPr id="1" name=""/>
-        <p:cNvGrpSpPr/>
-        <p:nvPr/>
-      </p:nvGrpSpPr>
-      <p:grpSpPr>
-        <a:xfrm>
-          <a:off x="0" y="0"/>
-          <a:ext cx="0" cy="0"/>
-          <a:chOff x="0" y="0"/>
-          <a:chExt cx="0" cy="0"/>
-        </a:xfrm>
-      </p:grpSpPr>
-      <p:sp>
-        <p:nvSpPr>
-          <p:cNvPr id="2" name="标题 1">
-            <a:extLst>
-              <a:ext uri="{FF2B5EF4-FFF2-40B4-BE49-F238E27FC236}">
-                <a16:creationId xmlns:a16="http://schemas.microsoft.com/office/drawing/2014/main" id="{8B88BACC-24DE-4087-9AB3-A099CF573089}"/>
-              </a:ext>
-            </a:extLst>
-          </p:cNvPr>
-          <p:cNvSpPr>
-            <a:spLocks noGrp="1"/>
-          </p:cNvSpPr>
-          <p:nvPr>
-            <p:ph type="title"/>
-          </p:nvPr>
-        </p:nvSpPr>
-        <p:spPr/>
-        <p:txBody>
-          <a:bodyPr/>
-          <a:lstStyle/>
-          <a:p>
-            <a:r>
-              <a:rPr lang="zh-CN" altLang="en-US" dirty="0"/>
-              <a:t>文件默认权限</a:t>
-            </a:r>
-          </a:p>
-        </p:txBody>
-      </p:sp>
-      <p:sp>
-        <p:nvSpPr>
-          <p:cNvPr id="3" name="内容占位符 2">
-            <a:extLst>
-              <a:ext uri="{FF2B5EF4-FFF2-40B4-BE49-F238E27FC236}">
-                <a16:creationId xmlns:a16="http://schemas.microsoft.com/office/drawing/2014/main" id="{0A1C6B17-780B-4799-8193-E52FD817AC0E}"/>
-              </a:ext>
-            </a:extLst>
-          </p:cNvPr>
-          <p:cNvSpPr>
-            <a:spLocks noGrp="1"/>
-          </p:cNvSpPr>
-          <p:nvPr>
-            <p:ph idx="1"/>
-          </p:nvPr>
-        </p:nvSpPr>
-        <p:spPr/>
-        <p:txBody>
-          <a:bodyPr/>
-          <a:lstStyle/>
-          <a:p>
-            <a:r>
-              <a:rPr lang="zh-CN" altLang="en-US" sz="2000" dirty="0"/>
-              <a:t>系统创建文件时是有一个默认权限的，通过使用权限掩码进行默认权限的设置。</a:t>
-            </a:r>
-            <a:endParaRPr lang="en-US" altLang="zh-CN" sz="2000" dirty="0"/>
-          </a:p>
-          <a:p>
-            <a:endParaRPr lang="en-US" altLang="zh-CN" sz="2000" dirty="0"/>
-          </a:p>
-          <a:p>
-            <a:r>
-              <a:rPr lang="zh-CN" altLang="en-US" sz="2000" dirty="0"/>
-              <a:t>使用</a:t>
-            </a:r>
-            <a:r>
-              <a:rPr lang="en-US" altLang="zh-CN" sz="2000" dirty="0" err="1"/>
-              <a:t>umask</a:t>
-            </a:r>
-            <a:r>
-              <a:rPr lang="zh-CN" altLang="en-US" sz="2000" dirty="0"/>
-              <a:t>命令可以查看</a:t>
-            </a:r>
-            <a:r>
-              <a:rPr lang="en-US" altLang="zh-CN" sz="2000" dirty="0"/>
-              <a:t>/</a:t>
-            </a:r>
-            <a:r>
-              <a:rPr lang="zh-CN" altLang="en-US" sz="2000" dirty="0"/>
-              <a:t>设置权限掩码：</a:t>
-            </a:r>
-            <a:endParaRPr lang="en-US" altLang="zh-CN" sz="2000" dirty="0"/>
-          </a:p>
-          <a:p>
-            <a:pPr marL="457200" lvl="1" indent="0">
-              <a:buNone/>
-            </a:pPr>
-            <a:r>
-              <a:rPr lang="en-US" altLang="zh-CN" sz="1800" dirty="0" err="1"/>
-              <a:t>umask</a:t>
-            </a:r>
-            <a:r>
-              <a:rPr lang="en-US" altLang="zh-CN" sz="1800" dirty="0"/>
-              <a:t>        </a:t>
-            </a:r>
-            <a:r>
-              <a:rPr lang="zh-CN" altLang="en-US" sz="1800" dirty="0"/>
-              <a:t>显示权限掩码</a:t>
-            </a:r>
-            <a:endParaRPr lang="en-US" altLang="zh-CN" sz="1800" dirty="0"/>
-          </a:p>
-          <a:p>
-            <a:pPr marL="457200" lvl="1" indent="0">
-              <a:buNone/>
-            </a:pPr>
-            <a:r>
-              <a:rPr lang="en-US" altLang="zh-CN" sz="1800" dirty="0" err="1"/>
-              <a:t>umask</a:t>
-            </a:r>
-            <a:r>
-              <a:rPr lang="en-US" altLang="zh-CN" sz="1800" dirty="0"/>
-              <a:t>  022 </a:t>
-            </a:r>
-            <a:r>
-              <a:rPr lang="zh-CN" altLang="en-US" sz="1800" dirty="0"/>
-              <a:t>设置权限掩码</a:t>
-            </a:r>
-            <a:endParaRPr lang="en-US" altLang="zh-CN" sz="1800" dirty="0"/>
-          </a:p>
-          <a:p>
-            <a:r>
-              <a:rPr lang="zh-CN" altLang="en-US" sz="2000" dirty="0"/>
-              <a:t>系统不允许在创建一个文件时就赋予它执行权限，必须在创建后用</a:t>
-            </a:r>
-            <a:r>
-              <a:rPr lang="en-US" altLang="zh-CN" sz="2000" dirty="0" err="1"/>
-              <a:t>chmod</a:t>
-            </a:r>
-            <a:r>
-              <a:rPr lang="zh-CN" altLang="en-US" sz="2000" dirty="0"/>
-              <a:t>命令增加这一权限；但是目录则允许设置执行权限。</a:t>
-            </a:r>
-            <a:endParaRPr lang="en-US" altLang="zh-CN" sz="2000" dirty="0"/>
-          </a:p>
-          <a:p>
-            <a:endParaRPr lang="en-US" altLang="zh-CN" sz="2000" dirty="0"/>
-          </a:p>
-          <a:p>
-            <a:r>
-              <a:rPr lang="zh-CN" altLang="en-US" sz="2000" dirty="0"/>
-              <a:t>默认权限计算规则：用</a:t>
-            </a:r>
-            <a:r>
-              <a:rPr lang="en-US" altLang="zh-CN" sz="2000" dirty="0"/>
-              <a:t>777</a:t>
-            </a:r>
-            <a:r>
-              <a:rPr lang="zh-CN" altLang="en-US" sz="2000" dirty="0"/>
-              <a:t>按位减去掩码中的相应位，并且文件还要减去可执行位。</a:t>
-            </a:r>
-            <a:endParaRPr lang="en-US" altLang="zh-CN" sz="2000" dirty="0"/>
-          </a:p>
-          <a:p>
-            <a:endParaRPr lang="en-US" altLang="zh-CN" sz="2000" dirty="0"/>
-          </a:p>
-        </p:txBody>
-      </p:sp>
-    </p:spTree>
-    <p:extLst>
-      <p:ext uri="{BB962C8B-B14F-4D97-AF65-F5344CB8AC3E}">
-        <p14:creationId xmlns:p14="http://schemas.microsoft.com/office/powerpoint/2010/main" val="2475136634"/>
-      </p:ext>
-    </p:extLst>
-  </p:cSld>
-  <p:clrMapOvr>
-    <a:masterClrMapping/>
-  </p:clrMapOvr>
-</p:sld>
-</file>
-
 <file path=ppt/slides/slide9.xml><?xml version="1.0" encoding="utf-8"?>
 <p:sld xmlns:a="http://schemas.openxmlformats.org/drawingml/2006/main" xmlns:r="http://schemas.openxmlformats.org/officeDocument/2006/relationships" xmlns:p="http://schemas.openxmlformats.org/presentationml/2006/main">
   <p:cSld>
@@ -11096,7 +11990,7 @@
           <a:p>
             <a:r>
               <a:rPr lang="zh-CN" altLang="en-US" dirty="0"/>
-              <a:t>更改文件权限</a:t>
+              <a:t>文件默认权限</a:t>
             </a:r>
           </a:p>
         </p:txBody>
@@ -11119,327 +12013,130 @@
         </p:nvSpPr>
         <p:spPr/>
         <p:txBody>
-          <a:bodyPr>
-            <a:normAutofit/>
-          </a:bodyPr>
+          <a:bodyPr/>
           <a:lstStyle/>
           <a:p>
             <a:r>
+              <a:rPr lang="zh-CN" altLang="en-US" sz="2400" dirty="0"/>
+              <a:t>系统创建文件时是有一个默认权限的，通过使用权限掩码进行默认权限的</a:t>
+            </a:r>
+            <a:r>
+              <a:rPr lang="zh-CN" altLang="en-US" sz="2400"/>
+              <a:t>设置。</a:t>
+            </a:r>
+            <a:endParaRPr lang="en-US" altLang="zh-CN" sz="2400" dirty="0"/>
+          </a:p>
+          <a:p>
+            <a:r>
+              <a:rPr lang="zh-CN" altLang="en-US" sz="2400" dirty="0"/>
+              <a:t>使用</a:t>
+            </a:r>
+            <a:r>
+              <a:rPr lang="en-US" altLang="zh-CN" sz="2400" dirty="0" err="1"/>
+              <a:t>umask</a:t>
+            </a:r>
+            <a:r>
+              <a:rPr lang="zh-CN" altLang="en-US" sz="2400" dirty="0"/>
+              <a:t>命令可以查看</a:t>
+            </a:r>
+            <a:r>
+              <a:rPr lang="en-US" altLang="zh-CN" sz="2400" dirty="0"/>
+              <a:t>/</a:t>
+            </a:r>
+            <a:r>
+              <a:rPr lang="zh-CN" altLang="en-US" sz="2400" dirty="0"/>
+              <a:t>设置权限掩码：</a:t>
+            </a:r>
+            <a:endParaRPr lang="en-US" altLang="zh-CN" sz="2400" dirty="0"/>
+          </a:p>
+          <a:p>
+            <a:pPr marL="457200" lvl="1" indent="0">
+              <a:buNone/>
+            </a:pPr>
+            <a:r>
+              <a:rPr lang="en-US" altLang="zh-CN" sz="2000" dirty="0" err="1"/>
+              <a:t>umask</a:t>
+            </a:r>
+            <a:r>
+              <a:rPr lang="en-US" altLang="zh-CN" sz="2000" dirty="0"/>
+              <a:t>        </a:t>
+            </a:r>
+            <a:r>
               <a:rPr lang="zh-CN" altLang="en-US" sz="2000" dirty="0"/>
-              <a:t>使用</a:t>
-            </a:r>
+              <a:t>显示权限掩码</a:t>
+            </a:r>
+            <a:endParaRPr lang="en-US" altLang="zh-CN" sz="2000" dirty="0"/>
+          </a:p>
+          <a:p>
+            <a:pPr marL="457200" lvl="1" indent="0">
+              <a:buNone/>
+            </a:pPr>
             <a:r>
               <a:rPr lang="en-US" altLang="zh-CN" sz="2000" dirty="0" err="1"/>
-              <a:t>chmod</a:t>
+              <a:t>umask</a:t>
+            </a:r>
+            <a:r>
+              <a:rPr lang="en-US" altLang="zh-CN" sz="2000" dirty="0"/>
+              <a:t>  022 </a:t>
             </a:r>
             <a:r>
               <a:rPr lang="zh-CN" altLang="en-US" sz="2000" dirty="0"/>
-              <a:t>命令去变更文件与目录的权限时，设置方式采用字符或数字</a:t>
+              <a:t>设置</a:t>
             </a:r>
             <a:r>
               <a:rPr lang="zh-CN" altLang="en-US" sz="2000"/>
-              <a:t>皆可。</a:t>
-            </a:r>
-            <a:endParaRPr lang="en-US" altLang="zh-CN" sz="2000" dirty="0"/>
-          </a:p>
-          <a:p>
-            <a:r>
-              <a:rPr lang="zh-CN" altLang="en-US" sz="2000" dirty="0"/>
-              <a:t>使用示例：</a:t>
-            </a:r>
-            <a:endParaRPr lang="en-US" altLang="zh-CN" sz="2000" dirty="0"/>
-          </a:p>
-          <a:p>
-            <a:pPr marL="0" indent="0">
+              <a:t>权限掩码</a:t>
+            </a:r>
+            <a:endParaRPr lang="en-US" altLang="zh-CN" sz="2000"/>
+          </a:p>
+          <a:p>
+            <a:pPr marL="457200" lvl="1" indent="0">
               <a:buNone/>
             </a:pPr>
             <a:endParaRPr lang="en-US" altLang="zh-CN" sz="2000" dirty="0"/>
           </a:p>
-        </p:txBody>
-      </p:sp>
-      <p:graphicFrame>
-        <p:nvGraphicFramePr>
-          <p:cNvPr id="4" name="表格 3">
-            <a:extLst>
-              <a:ext uri="{FF2B5EF4-FFF2-40B4-BE49-F238E27FC236}">
-                <a16:creationId xmlns:a16="http://schemas.microsoft.com/office/drawing/2014/main" id="{89CD783E-2149-49EA-8B64-07B7BDB142D2}"/>
-              </a:ext>
-            </a:extLst>
-          </p:cNvPr>
-          <p:cNvGraphicFramePr>
-            <a:graphicFrameLocks noGrp="1"/>
-          </p:cNvGraphicFramePr>
-          <p:nvPr>
-            <p:extLst>
-              <p:ext uri="{D42A27DB-BD31-4B8C-83A1-F6EECF244321}">
-                <p14:modId xmlns:p14="http://schemas.microsoft.com/office/powerpoint/2010/main" val="3498518158"/>
-              </p:ext>
-            </p:extLst>
-          </p:nvPr>
-        </p:nvGraphicFramePr>
-        <p:xfrm>
-          <a:off x="1304031" y="2716895"/>
-          <a:ext cx="9437950" cy="2845688"/>
-        </p:xfrm>
-        <a:graphic>
-          <a:graphicData uri="http://schemas.openxmlformats.org/drawingml/2006/table">
-            <a:tbl>
-              <a:tblPr firstRow="1" bandRow="1">
-                <a:tableStyleId>{2D5ABB26-0587-4C30-8999-92F81FD0307C}</a:tableStyleId>
-              </a:tblPr>
-              <a:tblGrid>
-                <a:gridCol w="3445523">
-                  <a:extLst>
-                    <a:ext uri="{9D8B030D-6E8A-4147-A177-3AD203B41FA5}">
-                      <a16:colId xmlns:a16="http://schemas.microsoft.com/office/drawing/2014/main" val="2162854718"/>
-                    </a:ext>
-                  </a:extLst>
-                </a:gridCol>
-                <a:gridCol w="5992427">
-                  <a:extLst>
-                    <a:ext uri="{9D8B030D-6E8A-4147-A177-3AD203B41FA5}">
-                      <a16:colId xmlns:a16="http://schemas.microsoft.com/office/drawing/2014/main" val="2014640472"/>
-                    </a:ext>
-                  </a:extLst>
-                </a:gridCol>
-              </a:tblGrid>
-              <a:tr h="711422">
-                <a:tc>
-                  <a:txBody>
-                    <a:bodyPr/>
-                    <a:lstStyle/>
-                    <a:p>
-                      <a:pPr algn="r"/>
-                      <a:r>
-                        <a:rPr lang="en-US" altLang="zh-CN" dirty="0" err="1"/>
-                        <a:t>chmod</a:t>
-                      </a:r>
-                      <a:r>
-                        <a:rPr lang="zh-CN" altLang="en-US" dirty="0"/>
-                        <a:t>  </a:t>
-                      </a:r>
-                      <a:r>
-                        <a:rPr lang="en-US" altLang="zh-CN" dirty="0"/>
-                        <a:t>755</a:t>
-                      </a:r>
-                      <a:r>
-                        <a:rPr lang="zh-CN" altLang="en-US" dirty="0"/>
-                        <a:t>  </a:t>
-                      </a:r>
-                      <a:r>
-                        <a:rPr lang="en-US" altLang="zh-CN" dirty="0"/>
-                        <a:t>bin/</a:t>
-                      </a:r>
-                      <a:r>
-                        <a:rPr lang="en-US" altLang="zh-CN" dirty="0" err="1"/>
-                        <a:t>pse</a:t>
-                      </a:r>
-                      <a:r>
-                        <a:rPr lang="zh-CN" altLang="en-US" dirty="0"/>
-                        <a:t> </a:t>
-                      </a:r>
-                    </a:p>
-                  </a:txBody>
-                  <a:tcPr anchor="ctr"/>
-                </a:tc>
-                <a:tc>
-                  <a:txBody>
-                    <a:bodyPr/>
-                    <a:lstStyle/>
-                    <a:p>
-                      <a:r>
-                        <a:rPr lang="en-US" altLang="zh-CN" dirty="0" err="1"/>
-                        <a:t>rwxr</a:t>
-                      </a:r>
-                      <a:r>
-                        <a:rPr lang="en-US" altLang="zh-CN" dirty="0"/>
-                        <a:t>-</a:t>
-                      </a:r>
-                      <a:r>
-                        <a:rPr lang="en-US" altLang="zh-CN" dirty="0" err="1"/>
-                        <a:t>xr</a:t>
-                      </a:r>
-                      <a:r>
-                        <a:rPr lang="en-US" altLang="zh-CN" dirty="0"/>
-                        <a:t>-x</a:t>
-                      </a:r>
-                      <a:endParaRPr lang="zh-CN" altLang="en-US" dirty="0"/>
-                    </a:p>
-                  </a:txBody>
-                  <a:tcPr anchor="ctr"/>
-                </a:tc>
-                <a:extLst>
-                  <a:ext uri="{0D108BD9-81ED-4DB2-BD59-A6C34878D82A}">
-                    <a16:rowId xmlns:a16="http://schemas.microsoft.com/office/drawing/2014/main" val="1111758609"/>
-                  </a:ext>
-                </a:extLst>
-              </a:tr>
-              <a:tr h="711422">
-                <a:tc>
-                  <a:txBody>
-                    <a:bodyPr/>
-                    <a:lstStyle/>
-                    <a:p>
-                      <a:pPr algn="r"/>
-                      <a:r>
-                        <a:rPr lang="en-US" altLang="zh-CN" dirty="0" err="1"/>
-                        <a:t>chmod</a:t>
-                      </a:r>
-                      <a:r>
-                        <a:rPr lang="en-US" altLang="zh-CN" dirty="0"/>
-                        <a:t>  +x  bin/</a:t>
-                      </a:r>
-                      <a:r>
-                        <a:rPr lang="en-US" altLang="zh-CN" dirty="0" err="1"/>
-                        <a:t>pse</a:t>
-                      </a:r>
-                      <a:endParaRPr lang="zh-CN" altLang="en-US" dirty="0"/>
-                    </a:p>
-                  </a:txBody>
-                  <a:tcPr anchor="ctr"/>
-                </a:tc>
-                <a:tc>
-                  <a:txBody>
-                    <a:bodyPr/>
-                    <a:lstStyle/>
-                    <a:p>
-                      <a:r>
-                        <a:rPr lang="zh-CN" altLang="en-US" dirty="0"/>
-                        <a:t>添加可执行权限，所属用户与用户组具备可执行权限</a:t>
-                      </a:r>
-                    </a:p>
-                  </a:txBody>
-                  <a:tcPr anchor="ctr"/>
-                </a:tc>
-                <a:extLst>
-                  <a:ext uri="{0D108BD9-81ED-4DB2-BD59-A6C34878D82A}">
-                    <a16:rowId xmlns:a16="http://schemas.microsoft.com/office/drawing/2014/main" val="3971643624"/>
-                  </a:ext>
-                </a:extLst>
-              </a:tr>
-              <a:tr h="711422">
-                <a:tc>
-                  <a:txBody>
-                    <a:bodyPr/>
-                    <a:lstStyle/>
-                    <a:p>
-                      <a:pPr algn="r"/>
-                      <a:r>
-                        <a:rPr lang="en-US" altLang="zh-CN" dirty="0" err="1"/>
-                        <a:t>chmod</a:t>
-                      </a:r>
-                      <a:r>
-                        <a:rPr lang="en-US" altLang="zh-CN" dirty="0"/>
-                        <a:t>  -w  bin/</a:t>
-                      </a:r>
-                      <a:r>
-                        <a:rPr lang="en-US" altLang="zh-CN" dirty="0" err="1"/>
-                        <a:t>pse</a:t>
-                      </a:r>
-                      <a:endParaRPr lang="zh-CN" altLang="en-US" dirty="0"/>
-                    </a:p>
-                  </a:txBody>
-                  <a:tcPr anchor="ctr"/>
-                </a:tc>
-                <a:tc>
-                  <a:txBody>
-                    <a:bodyPr/>
-                    <a:lstStyle/>
-                    <a:p>
-                      <a:r>
-                        <a:rPr lang="zh-CN" altLang="en-US" dirty="0"/>
-                        <a:t>去掉写权限，用户，用户组，其他用户都会去掉写权限</a:t>
-                      </a:r>
-                    </a:p>
-                  </a:txBody>
-                  <a:tcPr anchor="ctr"/>
-                </a:tc>
-                <a:extLst>
-                  <a:ext uri="{0D108BD9-81ED-4DB2-BD59-A6C34878D82A}">
-                    <a16:rowId xmlns:a16="http://schemas.microsoft.com/office/drawing/2014/main" val="3882208218"/>
-                  </a:ext>
-                </a:extLst>
-              </a:tr>
-              <a:tr h="711422">
-                <a:tc>
-                  <a:txBody>
-                    <a:bodyPr/>
-                    <a:lstStyle/>
-                    <a:p>
-                      <a:pPr algn="r"/>
-                      <a:r>
-                        <a:rPr lang="en-US" altLang="zh-CN" dirty="0" err="1"/>
-                        <a:t>chmod</a:t>
-                      </a:r>
-                      <a:r>
-                        <a:rPr lang="en-US" altLang="zh-CN" dirty="0"/>
-                        <a:t>  u=</a:t>
-                      </a:r>
-                      <a:r>
-                        <a:rPr lang="en-US" altLang="zh-CN" dirty="0" err="1"/>
-                        <a:t>rwx,g</a:t>
-                      </a:r>
-                      <a:r>
-                        <a:rPr lang="en-US" altLang="zh-CN" dirty="0"/>
-                        <a:t>=</a:t>
-                      </a:r>
-                      <a:r>
-                        <a:rPr lang="en-US" altLang="zh-CN" dirty="0" err="1"/>
-                        <a:t>rx,o</a:t>
-                      </a:r>
-                      <a:r>
-                        <a:rPr lang="en-US" altLang="zh-CN" dirty="0"/>
-                        <a:t>=r  bin/</a:t>
-                      </a:r>
-                      <a:r>
-                        <a:rPr lang="en-US" altLang="zh-CN" dirty="0" err="1"/>
-                        <a:t>pse</a:t>
-                      </a:r>
-                      <a:endParaRPr lang="zh-CN" altLang="en-US" dirty="0"/>
-                    </a:p>
-                  </a:txBody>
-                  <a:tcPr anchor="ctr"/>
-                </a:tc>
-                <a:tc>
-                  <a:txBody>
-                    <a:bodyPr/>
-                    <a:lstStyle/>
-                    <a:p>
-                      <a:r>
-                        <a:rPr lang="zh-CN" altLang="en-US" dirty="0"/>
-                        <a:t>相当于</a:t>
-                      </a:r>
-                      <a:r>
-                        <a:rPr lang="en-US" altLang="zh-CN" dirty="0" err="1"/>
-                        <a:t>chmod</a:t>
-                      </a:r>
-                      <a:r>
-                        <a:rPr lang="en-US" altLang="zh-CN" dirty="0"/>
-                        <a:t>  754  bin/</a:t>
-                      </a:r>
-                      <a:r>
-                        <a:rPr lang="en-US" altLang="zh-CN" dirty="0" err="1"/>
-                        <a:t>pse</a:t>
-                      </a:r>
-                      <a:endParaRPr lang="zh-CN" altLang="en-US" dirty="0"/>
-                    </a:p>
-                  </a:txBody>
-                  <a:tcPr anchor="ctr"/>
-                </a:tc>
-                <a:extLst>
-                  <a:ext uri="{0D108BD9-81ED-4DB2-BD59-A6C34878D82A}">
-                    <a16:rowId xmlns:a16="http://schemas.microsoft.com/office/drawing/2014/main" val="796428836"/>
-                  </a:ext>
-                </a:extLst>
-              </a:tr>
-            </a:tbl>
-          </a:graphicData>
-        </a:graphic>
-      </p:graphicFrame>
+          <a:p>
+            <a:r>
+              <a:rPr lang="zh-CN" altLang="en-US" sz="2400" dirty="0"/>
+              <a:t>系统不允许在创建一个文件时就赋予它执行权限，必须在创建后用</a:t>
+            </a:r>
+            <a:r>
+              <a:rPr lang="en-US" altLang="zh-CN" sz="2400" dirty="0" err="1"/>
+              <a:t>chmod</a:t>
+            </a:r>
+            <a:r>
+              <a:rPr lang="zh-CN" altLang="en-US" sz="2400" dirty="0"/>
+              <a:t>命令增加这一权限；但是目录则允许设置执行权限。</a:t>
+            </a:r>
+            <a:endParaRPr lang="en-US" altLang="zh-CN" sz="2400" dirty="0"/>
+          </a:p>
+          <a:p>
+            <a:endParaRPr lang="en-US" altLang="zh-CN" sz="2400" dirty="0"/>
+          </a:p>
+          <a:p>
+            <a:r>
+              <a:rPr lang="zh-CN" altLang="en-US" sz="2400" dirty="0"/>
+              <a:t>默认权限计算规则：用</a:t>
+            </a:r>
+            <a:r>
+              <a:rPr lang="en-US" altLang="zh-CN" sz="2400" dirty="0"/>
+              <a:t>777</a:t>
+            </a:r>
+            <a:r>
+              <a:rPr lang="zh-CN" altLang="en-US" sz="2400" dirty="0"/>
+              <a:t>按位减去掩码中的相应位，并且文件还要减去可执行位。</a:t>
+            </a:r>
+            <a:endParaRPr lang="en-US" altLang="zh-CN" sz="2400" dirty="0"/>
+          </a:p>
+          <a:p>
+            <a:endParaRPr lang="en-US" altLang="zh-CN" sz="2000" dirty="0"/>
+          </a:p>
+        </p:txBody>
+      </p:sp>
     </p:spTree>
     <p:extLst>
       <p:ext uri="{BB962C8B-B14F-4D97-AF65-F5344CB8AC3E}">
-        <p14:creationId xmlns:p14="http://schemas.microsoft.com/office/powerpoint/2010/main" val="3473480686"/>
+        <p14:creationId xmlns:p14="http://schemas.microsoft.com/office/powerpoint/2010/main" val="2475136634"/>
       </p:ext>
     </p:extLst>
   </p:cSld>

--- a/materials/slides/ch08-file-management.pptx
+++ b/materials/slides/ch08-file-management.pptx
@@ -222,7 +222,7 @@
           <a:p>
             <a:fld id="{7367A9EC-59FC-4705-AAF4-46D667D19B05}" type="datetimeFigureOut">
               <a:rPr lang="zh-CN" altLang="en-US" smtClean="0"/>
-              <a:t>2018/4/22</a:t>
+              <a:t>2018/4/26</a:t>
             </a:fld>
             <a:endParaRPr lang="zh-CN" altLang="en-US"/>
           </a:p>
@@ -812,7 +812,7 @@
           <a:p>
             <a:fld id="{02E60DA2-A0BC-48C9-AA88-75C78721B420}" type="datetimeFigureOut">
               <a:rPr lang="zh-CN" altLang="en-US" smtClean="0"/>
-              <a:t>2018/4/22</a:t>
+              <a:t>2018/4/26</a:t>
             </a:fld>
             <a:endParaRPr lang="zh-CN" altLang="en-US"/>
           </a:p>
@@ -1034,7 +1034,7 @@
           <a:p>
             <a:fld id="{02E60DA2-A0BC-48C9-AA88-75C78721B420}" type="datetimeFigureOut">
               <a:rPr lang="zh-CN" altLang="en-US" smtClean="0"/>
-              <a:t>2018/4/22</a:t>
+              <a:t>2018/4/26</a:t>
             </a:fld>
             <a:endParaRPr lang="zh-CN" altLang="en-US"/>
           </a:p>
@@ -1266,7 +1266,7 @@
           <a:p>
             <a:fld id="{02E60DA2-A0BC-48C9-AA88-75C78721B420}" type="datetimeFigureOut">
               <a:rPr lang="zh-CN" altLang="en-US" smtClean="0"/>
-              <a:t>2018/4/22</a:t>
+              <a:t>2018/4/26</a:t>
             </a:fld>
             <a:endParaRPr lang="zh-CN" altLang="en-US"/>
           </a:p>
@@ -1516,7 +1516,7 @@
           <a:p>
             <a:fld id="{02E60DA2-A0BC-48C9-AA88-75C78721B420}" type="datetimeFigureOut">
               <a:rPr lang="zh-CN" altLang="en-US" smtClean="0"/>
-              <a:t>2018/4/22</a:t>
+              <a:t>2018/4/26</a:t>
             </a:fld>
             <a:endParaRPr lang="zh-CN" altLang="en-US"/>
           </a:p>
@@ -1754,7 +1754,7 @@
           <a:p>
             <a:fld id="{02E60DA2-A0BC-48C9-AA88-75C78721B420}" type="datetimeFigureOut">
               <a:rPr lang="zh-CN" altLang="en-US" smtClean="0"/>
-              <a:t>2018/4/22</a:t>
+              <a:t>2018/4/26</a:t>
             </a:fld>
             <a:endParaRPr lang="zh-CN" altLang="en-US"/>
           </a:p>
@@ -2059,7 +2059,7 @@
           <a:p>
             <a:fld id="{02E60DA2-A0BC-48C9-AA88-75C78721B420}" type="datetimeFigureOut">
               <a:rPr lang="zh-CN" altLang="en-US" smtClean="0"/>
-              <a:t>2018/4/22</a:t>
+              <a:t>2018/4/26</a:t>
             </a:fld>
             <a:endParaRPr lang="zh-CN" altLang="en-US"/>
           </a:p>
@@ -2362,7 +2362,7 @@
           <a:p>
             <a:fld id="{02E60DA2-A0BC-48C9-AA88-75C78721B420}" type="datetimeFigureOut">
               <a:rPr lang="zh-CN" altLang="en-US" smtClean="0"/>
-              <a:t>2018/4/22</a:t>
+              <a:t>2018/4/26</a:t>
             </a:fld>
             <a:endParaRPr lang="zh-CN" altLang="en-US"/>
           </a:p>
@@ -2813,7 +2813,7 @@
           <a:p>
             <a:fld id="{02E60DA2-A0BC-48C9-AA88-75C78721B420}" type="datetimeFigureOut">
               <a:rPr lang="zh-CN" altLang="en-US" smtClean="0"/>
-              <a:t>2018/4/22</a:t>
+              <a:t>2018/4/26</a:t>
             </a:fld>
             <a:endParaRPr lang="zh-CN" altLang="en-US"/>
           </a:p>
@@ -2986,7 +2986,7 @@
           <a:p>
             <a:fld id="{02E60DA2-A0BC-48C9-AA88-75C78721B420}" type="datetimeFigureOut">
               <a:rPr lang="zh-CN" altLang="en-US" smtClean="0"/>
-              <a:t>2018/4/22</a:t>
+              <a:t>2018/4/26</a:t>
             </a:fld>
             <a:endParaRPr lang="zh-CN" altLang="en-US"/>
           </a:p>
@@ -3123,7 +3123,7 @@
           <a:p>
             <a:fld id="{02E60DA2-A0BC-48C9-AA88-75C78721B420}" type="datetimeFigureOut">
               <a:rPr lang="zh-CN" altLang="en-US" smtClean="0"/>
-              <a:t>2018/4/22</a:t>
+              <a:t>2018/4/26</a:t>
             </a:fld>
             <a:endParaRPr lang="zh-CN" altLang="en-US"/>
           </a:p>
@@ -3467,7 +3467,7 @@
           <a:p>
             <a:fld id="{02E60DA2-A0BC-48C9-AA88-75C78721B420}" type="datetimeFigureOut">
               <a:rPr lang="zh-CN" altLang="en-US" smtClean="0"/>
-              <a:t>2018/4/22</a:t>
+              <a:t>2018/4/26</a:t>
             </a:fld>
             <a:endParaRPr lang="zh-CN" altLang="en-US"/>
           </a:p>
@@ -3689,7 +3689,7 @@
           <a:p>
             <a:fld id="{02E60DA2-A0BC-48C9-AA88-75C78721B420}" type="datetimeFigureOut">
               <a:rPr lang="zh-CN" altLang="en-US" smtClean="0"/>
-              <a:t>2018/4/22</a:t>
+              <a:t>2018/4/26</a:t>
             </a:fld>
             <a:endParaRPr lang="zh-CN" altLang="en-US"/>
           </a:p>
@@ -4010,7 +4010,7 @@
           <a:p>
             <a:fld id="{02E60DA2-A0BC-48C9-AA88-75C78721B420}" type="datetimeFigureOut">
               <a:rPr lang="zh-CN" altLang="en-US" smtClean="0"/>
-              <a:t>2018/4/22</a:t>
+              <a:t>2018/4/26</a:t>
             </a:fld>
             <a:endParaRPr lang="zh-CN" altLang="en-US"/>
           </a:p>
@@ -4248,7 +4248,7 @@
           <a:p>
             <a:fld id="{02E60DA2-A0BC-48C9-AA88-75C78721B420}" type="datetimeFigureOut">
               <a:rPr lang="zh-CN" altLang="en-US" smtClean="0"/>
-              <a:t>2018/4/22</a:t>
+              <a:t>2018/4/26</a:t>
             </a:fld>
             <a:endParaRPr lang="zh-CN" altLang="en-US"/>
           </a:p>
@@ -4486,7 +4486,7 @@
           <a:p>
             <a:fld id="{02E60DA2-A0BC-48C9-AA88-75C78721B420}" type="datetimeFigureOut">
               <a:rPr lang="zh-CN" altLang="en-US" smtClean="0"/>
-              <a:t>2018/4/22</a:t>
+              <a:t>2018/4/26</a:t>
             </a:fld>
             <a:endParaRPr lang="zh-CN" altLang="en-US"/>
           </a:p>
@@ -4785,7 +4785,7 @@
           <a:p>
             <a:fld id="{02E60DA2-A0BC-48C9-AA88-75C78721B420}" type="datetimeFigureOut">
               <a:rPr lang="zh-CN" altLang="en-US" smtClean="0"/>
-              <a:t>2018/4/22</a:t>
+              <a:t>2018/4/26</a:t>
             </a:fld>
             <a:endParaRPr lang="zh-CN" altLang="en-US"/>
           </a:p>
@@ -5074,7 +5074,7 @@
           <a:p>
             <a:fld id="{02E60DA2-A0BC-48C9-AA88-75C78721B420}" type="datetimeFigureOut">
               <a:rPr lang="zh-CN" altLang="en-US" smtClean="0"/>
-              <a:t>2018/4/22</a:t>
+              <a:t>2018/4/26</a:t>
             </a:fld>
             <a:endParaRPr lang="zh-CN" altLang="en-US"/>
           </a:p>
@@ -5510,7 +5510,7 @@
           <a:p>
             <a:fld id="{02E60DA2-A0BC-48C9-AA88-75C78721B420}" type="datetimeFigureOut">
               <a:rPr lang="zh-CN" altLang="en-US" smtClean="0"/>
-              <a:t>2018/4/22</a:t>
+              <a:t>2018/4/26</a:t>
             </a:fld>
             <a:endParaRPr lang="zh-CN" altLang="en-US"/>
           </a:p>
@@ -5675,7 +5675,7 @@
           <a:p>
             <a:fld id="{02E60DA2-A0BC-48C9-AA88-75C78721B420}" type="datetimeFigureOut">
               <a:rPr lang="zh-CN" altLang="en-US" smtClean="0"/>
-              <a:t>2018/4/22</a:t>
+              <a:t>2018/4/26</a:t>
             </a:fld>
             <a:endParaRPr lang="zh-CN" altLang="en-US"/>
           </a:p>
@@ -5812,7 +5812,7 @@
           <a:p>
             <a:fld id="{02E60DA2-A0BC-48C9-AA88-75C78721B420}" type="datetimeFigureOut">
               <a:rPr lang="zh-CN" altLang="en-US" smtClean="0"/>
-              <a:t>2018/4/22</a:t>
+              <a:t>2018/4/26</a:t>
             </a:fld>
             <a:endParaRPr lang="zh-CN" altLang="en-US"/>
           </a:p>
@@ -6147,7 +6147,7 @@
           <a:p>
             <a:fld id="{02E60DA2-A0BC-48C9-AA88-75C78721B420}" type="datetimeFigureOut">
               <a:rPr lang="zh-CN" altLang="en-US" smtClean="0"/>
-              <a:t>2018/4/22</a:t>
+              <a:t>2018/4/26</a:t>
             </a:fld>
             <a:endParaRPr lang="zh-CN" altLang="en-US"/>
           </a:p>
@@ -6459,7 +6459,7 @@
           <a:p>
             <a:fld id="{02E60DA2-A0BC-48C9-AA88-75C78721B420}" type="datetimeFigureOut">
               <a:rPr lang="zh-CN" altLang="en-US" smtClean="0"/>
-              <a:t>2018/4/22</a:t>
+              <a:t>2018/4/26</a:t>
             </a:fld>
             <a:endParaRPr lang="zh-CN" altLang="en-US"/>
           </a:p>
@@ -11204,134 +11204,195 @@
           <a:lstStyle/>
           <a:p>
             <a:r>
-              <a:rPr lang="en-US" altLang="zh-CN" sz="2400" dirty="0"/>
+              <a:rPr lang="en-US" altLang="zh-CN" sz="2400" dirty="0">
+                <a:latin typeface="Roboto Mono Light" pitchFamily="2" charset="0"/>
+              </a:rPr>
               <a:t>shell</a:t>
             </a:r>
             <a:r>
-              <a:rPr lang="zh-CN" altLang="en-US" sz="2400" dirty="0"/>
+              <a:rPr lang="zh-CN" altLang="en-US" sz="2400" dirty="0">
+                <a:latin typeface="Roboto Mono Light" pitchFamily="2" charset="0"/>
+              </a:rPr>
               <a:t>中输入</a:t>
             </a:r>
             <a:r>
-              <a:rPr lang="en-US" altLang="zh-CN" sz="2400" dirty="0"/>
+              <a:rPr lang="en-US" altLang="zh-CN" sz="2400" dirty="0">
+                <a:latin typeface="Roboto Mono Light" pitchFamily="2" charset="0"/>
+              </a:rPr>
               <a:t>ls  </a:t>
             </a:r>
             <a:r>
-              <a:rPr lang="en-US" altLang="zh-CN" sz="2400"/>
-              <a:t>-l</a:t>
-            </a:r>
-            <a:endParaRPr lang="en-US" altLang="zh-CN" sz="2400" dirty="0"/>
+              <a:rPr lang="en-US" altLang="zh-CN" sz="2400">
+                <a:latin typeface="Roboto Mono Light" pitchFamily="2" charset="0"/>
+              </a:rPr>
+              <a:t>-li</a:t>
+            </a:r>
+            <a:endParaRPr lang="en-US" altLang="zh-CN" sz="2400" dirty="0">
+              <a:latin typeface="Roboto Mono Light" pitchFamily="2" charset="0"/>
+            </a:endParaRPr>
           </a:p>
           <a:p>
             <a:pPr marL="0" indent="0">
               <a:buNone/>
             </a:pPr>
-            <a:endParaRPr lang="en-US" altLang="zh-CN" sz="2000" dirty="0"/>
-          </a:p>
-          <a:p>
-            <a:endParaRPr lang="en-US" altLang="zh-CN" sz="2000" dirty="0"/>
-          </a:p>
-          <a:p>
-            <a:endParaRPr lang="en-US" altLang="zh-CN" sz="2000" dirty="0"/>
+            <a:endParaRPr lang="en-US" altLang="zh-CN" sz="2000" dirty="0">
+              <a:latin typeface="Roboto Mono Light" pitchFamily="2" charset="0"/>
+            </a:endParaRPr>
+          </a:p>
+          <a:p>
+            <a:endParaRPr lang="en-US" altLang="zh-CN" sz="2000" dirty="0">
+              <a:latin typeface="Roboto Mono Light" pitchFamily="2" charset="0"/>
+            </a:endParaRPr>
+          </a:p>
+          <a:p>
+            <a:endParaRPr lang="en-US" altLang="zh-CN" sz="2000" dirty="0">
+              <a:latin typeface="Roboto Mono Light" pitchFamily="2" charset="0"/>
+            </a:endParaRPr>
           </a:p>
           <a:p>
             <a:pPr marL="0" indent="0">
               <a:buNone/>
             </a:pPr>
-            <a:endParaRPr lang="en-US" altLang="zh-CN" sz="2000" dirty="0"/>
+            <a:endParaRPr lang="en-US" altLang="zh-CN" sz="2000" dirty="0">
+              <a:latin typeface="Roboto Mono Light" pitchFamily="2" charset="0"/>
+            </a:endParaRPr>
           </a:p>
           <a:p>
             <a:pPr marL="0" indent="0">
               <a:buNone/>
             </a:pPr>
-            <a:endParaRPr lang="en-US" altLang="zh-CN" sz="2000" dirty="0"/>
+            <a:endParaRPr lang="en-US" altLang="zh-CN" sz="2000" dirty="0">
+              <a:latin typeface="Roboto Mono Light" pitchFamily="2" charset="0"/>
+            </a:endParaRPr>
           </a:p>
           <a:p>
             <a:pPr marL="0" indent="0">
               <a:buNone/>
             </a:pPr>
-            <a:endParaRPr lang="en-US" altLang="zh-CN" sz="2000" dirty="0"/>
-          </a:p>
-          <a:p>
-            <a:r>
-              <a:rPr lang="zh-CN" altLang="en-US" sz="2400" dirty="0"/>
+            <a:endParaRPr lang="en-US" altLang="zh-CN" sz="2000" dirty="0">
+              <a:latin typeface="Roboto Mono Light" pitchFamily="2" charset="0"/>
+            </a:endParaRPr>
+          </a:p>
+          <a:p>
+            <a:r>
+              <a:rPr lang="zh-CN" altLang="en-US" sz="2400" dirty="0">
+                <a:latin typeface="Roboto Mono Light" pitchFamily="2" charset="0"/>
+              </a:rPr>
               <a:t>第一项表示文件对应的</a:t>
             </a:r>
             <a:r>
-              <a:rPr lang="en-US" altLang="zh-CN" sz="2400" dirty="0" err="1"/>
+              <a:rPr lang="en-US" altLang="zh-CN" sz="2400" dirty="0" err="1">
+                <a:latin typeface="Roboto Mono Light" pitchFamily="2" charset="0"/>
+              </a:rPr>
               <a:t>inode</a:t>
             </a:r>
             <a:r>
-              <a:rPr lang="zh-CN" altLang="en-US" sz="2400"/>
+              <a:rPr lang="zh-CN" altLang="en-US" sz="2400">
+                <a:latin typeface="Roboto Mono Light" pitchFamily="2" charset="0"/>
+              </a:rPr>
               <a:t>号；第二</a:t>
             </a:r>
             <a:r>
-              <a:rPr lang="zh-CN" altLang="en-US" sz="2400" dirty="0"/>
+              <a:rPr lang="zh-CN" altLang="en-US" sz="2400" dirty="0">
+                <a:latin typeface="Roboto Mono Light" pitchFamily="2" charset="0"/>
+              </a:rPr>
               <a:t>项</a:t>
             </a:r>
             <a:r>
-              <a:rPr lang="en-US" altLang="zh-CN" sz="2400" dirty="0"/>
+              <a:rPr lang="en-US" altLang="zh-CN" sz="2400" dirty="0">
+                <a:latin typeface="Roboto Mono Light" pitchFamily="2" charset="0"/>
+              </a:rPr>
               <a:t>d</a:t>
             </a:r>
             <a:r>
-              <a:rPr lang="zh-CN" altLang="en-US" sz="2400" dirty="0"/>
+              <a:rPr lang="zh-CN" altLang="en-US" sz="2400" dirty="0">
+                <a:latin typeface="Roboto Mono Light" pitchFamily="2" charset="0"/>
+              </a:rPr>
               <a:t>表示目录，</a:t>
             </a:r>
             <a:r>
-              <a:rPr lang="en-US" altLang="zh-CN" sz="2400" dirty="0"/>
+              <a:rPr lang="en-US" altLang="zh-CN" sz="2400" dirty="0">
+                <a:latin typeface="Roboto Mono Light" pitchFamily="2" charset="0"/>
+              </a:rPr>
               <a:t>l</a:t>
             </a:r>
             <a:r>
-              <a:rPr lang="zh-CN" altLang="en-US" sz="2400" dirty="0"/>
+              <a:rPr lang="zh-CN" altLang="en-US" sz="2400" dirty="0">
+                <a:latin typeface="Roboto Mono Light" pitchFamily="2" charset="0"/>
+              </a:rPr>
               <a:t>表示链接文件，</a:t>
             </a:r>
             <a:r>
-              <a:rPr lang="en-US" altLang="zh-CN" sz="2400" dirty="0"/>
+              <a:rPr lang="en-US" altLang="zh-CN" sz="2400" dirty="0">
+                <a:latin typeface="Roboto Mono Light" pitchFamily="2" charset="0"/>
+              </a:rPr>
               <a:t>-</a:t>
             </a:r>
             <a:r>
-              <a:rPr lang="zh-CN" altLang="en-US" sz="2400" dirty="0"/>
+              <a:rPr lang="zh-CN" altLang="en-US" sz="2400" dirty="0">
+                <a:latin typeface="Roboto Mono Light" pitchFamily="2" charset="0"/>
+              </a:rPr>
               <a:t>是普通文件，</a:t>
             </a:r>
             <a:r>
-              <a:rPr lang="en-US" altLang="zh-CN" sz="2400" dirty="0"/>
+              <a:rPr lang="en-US" altLang="zh-CN" sz="2400" dirty="0">
+                <a:latin typeface="Roboto Mono Light" pitchFamily="2" charset="0"/>
+              </a:rPr>
               <a:t>r</a:t>
             </a:r>
             <a:r>
-              <a:rPr lang="zh-CN" altLang="en-US" sz="2400" dirty="0"/>
+              <a:rPr lang="zh-CN" altLang="en-US" sz="2400" dirty="0">
+                <a:latin typeface="Roboto Mono Light" pitchFamily="2" charset="0"/>
+              </a:rPr>
               <a:t>，</a:t>
             </a:r>
             <a:r>
-              <a:rPr lang="en-US" altLang="zh-CN" sz="2400" dirty="0"/>
+              <a:rPr lang="en-US" altLang="zh-CN" sz="2400" dirty="0">
+                <a:latin typeface="Roboto Mono Light" pitchFamily="2" charset="0"/>
+              </a:rPr>
               <a:t>w</a:t>
             </a:r>
             <a:r>
-              <a:rPr lang="zh-CN" altLang="en-US" sz="2400" dirty="0"/>
+              <a:rPr lang="zh-CN" altLang="en-US" sz="2400" dirty="0">
+                <a:latin typeface="Roboto Mono Light" pitchFamily="2" charset="0"/>
+              </a:rPr>
               <a:t>，</a:t>
             </a:r>
             <a:r>
-              <a:rPr lang="en-US" altLang="zh-CN" sz="2400" dirty="0"/>
+              <a:rPr lang="en-US" altLang="zh-CN" sz="2400" dirty="0">
+                <a:latin typeface="Roboto Mono Light" pitchFamily="2" charset="0"/>
+              </a:rPr>
               <a:t>x</a:t>
             </a:r>
             <a:r>
-              <a:rPr lang="zh-CN" altLang="en-US" sz="2400" dirty="0"/>
+              <a:rPr lang="zh-CN" altLang="en-US" sz="2400" dirty="0">
+                <a:latin typeface="Roboto Mono Light" pitchFamily="2" charset="0"/>
+              </a:rPr>
               <a:t>分别表示可读，可写，可执行。连续三个分别表示文件所属用户具有的权限，文件所属组具有的权限，其他用户具有的权限。</a:t>
             </a:r>
             <a:r>
-              <a:rPr lang="en-US" altLang="zh-CN" sz="2400" dirty="0"/>
+              <a:rPr lang="en-US" altLang="zh-CN" sz="2400" dirty="0">
+                <a:latin typeface="Roboto Mono Light" pitchFamily="2" charset="0"/>
+              </a:rPr>
               <a:t>-</a:t>
             </a:r>
             <a:r>
-              <a:rPr lang="zh-CN" altLang="en-US" sz="2400" dirty="0"/>
+              <a:rPr lang="zh-CN" altLang="en-US" sz="2400" dirty="0">
+                <a:latin typeface="Roboto Mono Light" pitchFamily="2" charset="0"/>
+              </a:rPr>
               <a:t>表示没有</a:t>
             </a:r>
             <a:r>
-              <a:rPr lang="zh-CN" altLang="en-US" sz="2400"/>
+              <a:rPr lang="zh-CN" altLang="en-US" sz="2400">
+                <a:latin typeface="Roboto Mono Light" pitchFamily="2" charset="0"/>
+              </a:rPr>
               <a:t>权限。</a:t>
             </a:r>
             <a:endParaRPr lang="en-US" altLang="zh-CN" sz="2400" dirty="0">
               <a:solidFill>
                 <a:srgbClr val="C00000"/>
               </a:solidFill>
+              <a:latin typeface="Roboto Mono Light" pitchFamily="2" charset="0"/>
             </a:endParaRPr>
           </a:p>
           <a:p>
@@ -11340,14 +11401,19 @@
                 <a:solidFill>
                   <a:srgbClr val="C00000"/>
                 </a:solidFill>
+                <a:latin typeface="Roboto Mono Light" pitchFamily="2" charset="0"/>
               </a:rPr>
               <a:t>第三项是文件的硬链接数。</a:t>
             </a:r>
             <a:r>
-              <a:rPr lang="zh-CN" altLang="en-US" sz="2400" dirty="0"/>
+              <a:rPr lang="zh-CN" altLang="en-US" sz="2400" dirty="0">
+                <a:latin typeface="Roboto Mono Light" pitchFamily="2" charset="0"/>
+              </a:rPr>
               <a:t>第四，五项是文件所属用户和文件所属组。第六项是文件大小，字节为单位。接下来是创建时间，文件名。</a:t>
             </a:r>
-            <a:endParaRPr lang="en-US" altLang="zh-CN" sz="2400" dirty="0"/>
+            <a:endParaRPr lang="en-US" altLang="zh-CN" sz="2400" dirty="0">
+              <a:latin typeface="Roboto Mono Light" pitchFamily="2" charset="0"/>
+            </a:endParaRPr>
           </a:p>
         </p:txBody>
       </p:sp>
